--- a/Documents/Strahl_FoxProREST.pptx
+++ b/Documents/Strahl_FoxProREST.pptx
@@ -5,37 +5,15 @@
     <p:sldMasterId id="2147483651" r:id="rId1"/>
   </p:sldMasterIdLst>
   <p:notesMasterIdLst>
-    <p:notesMasterId r:id="rId27"/>
+    <p:notesMasterId r:id="rId5"/>
   </p:notesMasterIdLst>
   <p:handoutMasterIdLst>
-    <p:handoutMasterId r:id="rId28"/>
+    <p:handoutMasterId r:id="rId6"/>
   </p:handoutMasterIdLst>
   <p:sldIdLst>
     <p:sldId id="256" r:id="rId2"/>
-    <p:sldId id="259" r:id="rId3"/>
-    <p:sldId id="261" r:id="rId4"/>
-    <p:sldId id="463" r:id="rId5"/>
-    <p:sldId id="262" r:id="rId6"/>
-    <p:sldId id="267" r:id="rId7"/>
-    <p:sldId id="269" r:id="rId8"/>
-    <p:sldId id="266" r:id="rId9"/>
-    <p:sldId id="275" r:id="rId10"/>
-    <p:sldId id="276" r:id="rId11"/>
-    <p:sldId id="464" r:id="rId12"/>
-    <p:sldId id="277" r:id="rId13"/>
-    <p:sldId id="279" r:id="rId14"/>
-    <p:sldId id="280" r:id="rId15"/>
-    <p:sldId id="282" r:id="rId16"/>
-    <p:sldId id="283" r:id="rId17"/>
-    <p:sldId id="454" r:id="rId18"/>
-    <p:sldId id="451" r:id="rId19"/>
-    <p:sldId id="447" r:id="rId20"/>
-    <p:sldId id="450" r:id="rId21"/>
-    <p:sldId id="465" r:id="rId22"/>
-    <p:sldId id="453" r:id="rId23"/>
-    <p:sldId id="459" r:id="rId24"/>
-    <p:sldId id="281" r:id="rId25"/>
-    <p:sldId id="385" r:id="rId26"/>
+    <p:sldId id="281" r:id="rId3"/>
+    <p:sldId id="385" r:id="rId4"/>
   </p:sldIdLst>
   <p:sldSz cx="12192000" cy="6858000"/>
   <p:notesSz cx="6858000" cy="9144000"/>
@@ -1118,6 +1096,31 @@
 <file path=ppt/slideLayouts/slideLayout1.xml><?xml version="1.0" encoding="utf-8"?>
 <p:sldLayout xmlns:a="http://schemas.openxmlformats.org/drawingml/2006/main" xmlns:r="http://schemas.openxmlformats.org/officeDocument/2006/relationships" xmlns:p="http://schemas.openxmlformats.org/presentationml/2006/main" type="title" preserve="1">
   <p:cSld name="Title Slide">
+    <p:bg>
+      <p:bgPr>
+        <a:blipFill dpi="0" rotWithShape="1">
+          <a:blip r:embed="rId2">
+            <a:lum/>
+            <a:extLst>
+              <a:ext uri="{BEBA8EAE-BF5A-486C-A8C5-ECC9F3942E4B}">
+                <a14:imgProps xmlns:a14="http://schemas.microsoft.com/office/drawing/2010/main">
+                  <a14:imgLayer r:embed="rId3">
+                    <a14:imgEffect>
+                      <a14:brightnessContrast bright="-43000" contrast="15000"/>
+                    </a14:imgEffect>
+                  </a14:imgLayer>
+                </a14:imgProps>
+              </a:ext>
+            </a:extLst>
+          </a:blip>
+          <a:srcRect/>
+          <a:stretch>
+            <a:fillRect t="-28000" r="-20000"/>
+          </a:stretch>
+        </a:blipFill>
+        <a:effectLst/>
+      </p:bgPr>
+    </p:bg>
     <p:spTree>
       <p:nvGrpSpPr>
         <p:cNvPr id="1" name=""/>
@@ -1793,6 +1796,31 @@
 <file path=ppt/slideLayouts/slideLayout2.xml><?xml version="1.0" encoding="utf-8"?>
 <p:sldLayout xmlns:a="http://schemas.openxmlformats.org/drawingml/2006/main" xmlns:r="http://schemas.openxmlformats.org/officeDocument/2006/relationships" xmlns:p="http://schemas.openxmlformats.org/presentationml/2006/main" type="obj" preserve="1">
   <p:cSld name="Title and Content">
+    <p:bg>
+      <p:bgPr>
+        <a:blipFill dpi="0" rotWithShape="1">
+          <a:blip r:embed="rId2">
+            <a:lum/>
+            <a:extLst>
+              <a:ext uri="{BEBA8EAE-BF5A-486C-A8C5-ECC9F3942E4B}">
+                <a14:imgProps xmlns:a14="http://schemas.microsoft.com/office/drawing/2010/main">
+                  <a14:imgLayer r:embed="rId3">
+                    <a14:imgEffect>
+                      <a14:brightnessContrast bright="-43000" contrast="15000"/>
+                    </a14:imgEffect>
+                  </a14:imgLayer>
+                </a14:imgProps>
+              </a:ext>
+            </a:extLst>
+          </a:blip>
+          <a:srcRect/>
+          <a:stretch>
+            <a:fillRect t="-28000" r="-66000"/>
+          </a:stretch>
+        </a:blipFill>
+        <a:effectLst/>
+      </p:bgPr>
+    </p:bg>
     <p:spTree>
       <p:nvGrpSpPr>
         <p:cNvPr id="1" name=""/>
@@ -3841,7 +3869,7 @@
               <a:rPr lang="en-US" sz="1400">
                 <a:hlinkClick r:id="rId5"/>
               </a:rPr>
-              <a:t>https://github.com/RickStrahl/VirtualFoxFest2021_FoxProRest</a:t>
+              <a:t>https://github.com/RickStrahl/VirtualFoxFest2021-FoxProRest</a:t>
             </a:r>
             <a:endParaRPr lang="en-US" sz="2000" dirty="0">
               <a:latin typeface="Verdana" pitchFamily="34" charset="0"/>
@@ -3907,3862 +3935,7 @@
 </p:sld>
 </file>
 
-<file path=ppt/slides/slide10.xml><?xml version="1.0" encoding="utf-8"?>
-<p:sld xmlns:a="http://schemas.openxmlformats.org/drawingml/2006/main" xmlns:r="http://schemas.openxmlformats.org/officeDocument/2006/relationships" xmlns:p="http://schemas.openxmlformats.org/presentationml/2006/main">
-  <p:cSld>
-    <p:spTree>
-      <p:nvGrpSpPr>
-        <p:cNvPr id="1" name=""/>
-        <p:cNvGrpSpPr/>
-        <p:nvPr/>
-      </p:nvGrpSpPr>
-      <p:grpSpPr>
-        <a:xfrm>
-          <a:off x="0" y="0"/>
-          <a:ext cx="0" cy="0"/>
-          <a:chOff x="0" y="0"/>
-          <a:chExt cx="0" cy="0"/>
-        </a:xfrm>
-      </p:grpSpPr>
-      <p:sp>
-        <p:nvSpPr>
-          <p:cNvPr id="4" name="Title 3">
-            <a:extLst>
-              <a:ext uri="{FF2B5EF4-FFF2-40B4-BE49-F238E27FC236}">
-                <a16:creationId xmlns:a16="http://schemas.microsoft.com/office/drawing/2014/main" id="{C5C23B36-9D3F-42D7-A453-27B757C9BA8F}"/>
-              </a:ext>
-            </a:extLst>
-          </p:cNvPr>
-          <p:cNvSpPr>
-            <a:spLocks noGrp="1"/>
-          </p:cNvSpPr>
-          <p:nvPr>
-            <p:ph type="title"/>
-          </p:nvPr>
-        </p:nvSpPr>
-        <p:spPr/>
-        <p:txBody>
-          <a:bodyPr/>
-          <a:lstStyle/>
-          <a:p>
-            <a:r>
-              <a:rPr lang="en-US"/>
-              <a:t>What is VueJs</a:t>
-            </a:r>
-          </a:p>
-        </p:txBody>
-      </p:sp>
-      <p:sp>
-        <p:nvSpPr>
-          <p:cNvPr id="5" name="Content Placeholder 4">
-            <a:extLst>
-              <a:ext uri="{FF2B5EF4-FFF2-40B4-BE49-F238E27FC236}">
-                <a16:creationId xmlns:a16="http://schemas.microsoft.com/office/drawing/2014/main" id="{4F25BC0F-E0B5-4798-AC0A-E754AF6A9C46}"/>
-              </a:ext>
-            </a:extLst>
-          </p:cNvPr>
-          <p:cNvSpPr>
-            <a:spLocks noGrp="1"/>
-          </p:cNvSpPr>
-          <p:nvPr>
-            <p:ph idx="1"/>
-          </p:nvPr>
-        </p:nvSpPr>
-        <p:spPr>
-          <a:xfrm>
-            <a:off x="193675" y="1066800"/>
-            <a:ext cx="11480800" cy="5105400"/>
-          </a:xfrm>
-        </p:spPr>
-        <p:txBody>
-          <a:bodyPr/>
-          <a:lstStyle/>
-          <a:p>
-            <a:r>
-              <a:rPr lang="en-US" sz="2400" b="1">
-                <a:solidFill>
-                  <a:srgbClr val="FFC000"/>
-                </a:solidFill>
-              </a:rPr>
-              <a:t>Small but very powerful Framework</a:t>
-            </a:r>
-          </a:p>
-          <a:p>
-            <a:pPr lvl="1"/>
-            <a:r>
-              <a:rPr lang="en-US" sz="2000"/>
-              <a:t>Supports both small and large scenarios</a:t>
-            </a:r>
-          </a:p>
-          <a:p>
-            <a:pPr lvl="1"/>
-            <a:r>
-              <a:rPr lang="en-US" sz="2000"/>
-              <a:t>Can also work for full featured SPA via Vue CLI</a:t>
-            </a:r>
-          </a:p>
-          <a:p>
-            <a:pPr lvl="1"/>
-            <a:r>
-              <a:rPr lang="en-US" sz="2000"/>
-              <a:t>Small: ~40kb minified and gzipped</a:t>
-            </a:r>
-            <a:endParaRPr lang="en-US" sz="800"/>
-          </a:p>
-          <a:p>
-            <a:r>
-              <a:rPr lang="en-US" sz="2400"/>
-              <a:t>Easy JavaScript Framework</a:t>
-            </a:r>
-          </a:p>
-          <a:p>
-            <a:pPr lvl="1"/>
-            <a:r>
-              <a:rPr lang="en-US" sz="2000"/>
-              <a:t>Can be dropped into pages with a </a:t>
-            </a:r>
-            <a:r>
-              <a:rPr lang="en-US" sz="2000">
-                <a:solidFill>
-                  <a:srgbClr val="FFFFCC"/>
-                </a:solidFill>
-                <a:latin typeface="Consolas" panose="020B0609020204030204" pitchFamily="49" charset="0"/>
-              </a:rPr>
-              <a:t>&lt;script&gt;</a:t>
-            </a:r>
-            <a:r>
-              <a:rPr lang="en-US" sz="2000"/>
-              <a:t> tag</a:t>
-            </a:r>
-            <a:endParaRPr lang="en-US" sz="2400"/>
-          </a:p>
-          <a:p>
-            <a:pPr lvl="1"/>
-            <a:r>
-              <a:rPr lang="en-US" sz="2000"/>
-              <a:t>Works great with plain old ES5 JavaScript </a:t>
-            </a:r>
-          </a:p>
-          <a:p>
-            <a:pPr lvl="1"/>
-            <a:r>
-              <a:rPr lang="en-US" sz="2000"/>
-              <a:t>Provides many features 'big frameworks' provide</a:t>
-            </a:r>
-          </a:p>
-          <a:p>
-            <a:r>
-              <a:rPr lang="en-US" sz="2200"/>
-              <a:t>Key Feature: Declarative Data Binding</a:t>
-            </a:r>
-          </a:p>
-          <a:p>
-            <a:pPr lvl="1"/>
-            <a:r>
-              <a:rPr lang="en-US" sz="2000"/>
-              <a:t>Model based Data Binding</a:t>
-            </a:r>
-          </a:p>
-          <a:p>
-            <a:pPr lvl="1"/>
-            <a:r>
-              <a:rPr lang="en-US" sz="2000"/>
-              <a:t>Code to the model, not the UI</a:t>
-            </a:r>
-            <a:br>
-              <a:rPr lang="en-US" sz="2000"/>
-            </a:br>
-            <a:endParaRPr lang="en-US" sz="2000"/>
-          </a:p>
-        </p:txBody>
-      </p:sp>
-      <p:pic>
-        <p:nvPicPr>
-          <p:cNvPr id="6" name="Picture 5">
-            <a:extLst>
-              <a:ext uri="{FF2B5EF4-FFF2-40B4-BE49-F238E27FC236}">
-                <a16:creationId xmlns:a16="http://schemas.microsoft.com/office/drawing/2014/main" id="{1A23A481-44A2-4FDC-B113-59AAAC778D69}"/>
-              </a:ext>
-            </a:extLst>
-          </p:cNvPr>
-          <p:cNvPicPr>
-            <a:picLocks noChangeAspect="1"/>
-          </p:cNvPicPr>
-          <p:nvPr/>
-        </p:nvPicPr>
-        <p:blipFill>
-          <a:blip r:embed="rId2"/>
-          <a:stretch>
-            <a:fillRect/>
-          </a:stretch>
-        </p:blipFill>
-        <p:spPr>
-          <a:xfrm flipH="1">
-            <a:off x="120595" y="6191250"/>
-            <a:ext cx="571610" cy="495300"/>
-          </a:xfrm>
-          <a:prstGeom prst="rect">
-            <a:avLst/>
-          </a:prstGeom>
-        </p:spPr>
-      </p:pic>
-    </p:spTree>
-    <p:extLst>
-      <p:ext uri="{BB962C8B-B14F-4D97-AF65-F5344CB8AC3E}">
-        <p14:creationId xmlns:p14="http://schemas.microsoft.com/office/powerpoint/2010/main" val="3165968715"/>
-      </p:ext>
-    </p:extLst>
-  </p:cSld>
-  <p:clrMapOvr>
-    <a:masterClrMapping/>
-  </p:clrMapOvr>
-  <p:transition>
-    <p:wipe/>
-  </p:transition>
-</p:sld>
-</file>
-
-<file path=ppt/slides/slide11.xml><?xml version="1.0" encoding="utf-8"?>
-<p:sld xmlns:a="http://schemas.openxmlformats.org/drawingml/2006/main" xmlns:r="http://schemas.openxmlformats.org/officeDocument/2006/relationships" xmlns:p="http://schemas.openxmlformats.org/presentationml/2006/main">
-  <p:cSld>
-    <p:spTree>
-      <p:nvGrpSpPr>
-        <p:cNvPr id="1" name=""/>
-        <p:cNvGrpSpPr/>
-        <p:nvPr/>
-      </p:nvGrpSpPr>
-      <p:grpSpPr>
-        <a:xfrm>
-          <a:off x="0" y="0"/>
-          <a:ext cx="0" cy="0"/>
-          <a:chOff x="0" y="0"/>
-          <a:chExt cx="0" cy="0"/>
-        </a:xfrm>
-      </p:grpSpPr>
-      <p:sp>
-        <p:nvSpPr>
-          <p:cNvPr id="2" name="Title 1">
-            <a:extLst>
-              <a:ext uri="{FF2B5EF4-FFF2-40B4-BE49-F238E27FC236}">
-                <a16:creationId xmlns:a16="http://schemas.microsoft.com/office/drawing/2014/main" id="{74621532-EA18-4F39-A6BB-B53C18F0A0A3}"/>
-              </a:ext>
-            </a:extLst>
-          </p:cNvPr>
-          <p:cNvSpPr>
-            <a:spLocks noGrp="1"/>
-          </p:cNvSpPr>
-          <p:nvPr>
-            <p:ph type="title"/>
-          </p:nvPr>
-        </p:nvSpPr>
-        <p:spPr/>
-        <p:txBody>
-          <a:bodyPr/>
-          <a:lstStyle/>
-          <a:p>
-            <a:r>
-              <a:rPr lang="en-US"/>
-              <a:t>What is VueJs</a:t>
-            </a:r>
-          </a:p>
-        </p:txBody>
-      </p:sp>
-      <p:sp>
-        <p:nvSpPr>
-          <p:cNvPr id="3" name="Content Placeholder 2">
-            <a:extLst>
-              <a:ext uri="{FF2B5EF4-FFF2-40B4-BE49-F238E27FC236}">
-                <a16:creationId xmlns:a16="http://schemas.microsoft.com/office/drawing/2014/main" id="{342AA3CE-6881-40AC-8D4B-99772B0B6473}"/>
-              </a:ext>
-            </a:extLst>
-          </p:cNvPr>
-          <p:cNvSpPr>
-            <a:spLocks noGrp="1"/>
-          </p:cNvSpPr>
-          <p:nvPr>
-            <p:ph idx="1"/>
-          </p:nvPr>
-        </p:nvSpPr>
-        <p:spPr/>
-        <p:txBody>
-          <a:bodyPr/>
-          <a:lstStyle/>
-          <a:p>
-            <a:r>
-              <a:rPr lang="en-US" sz="2400">
-                <a:solidFill>
-                  <a:srgbClr val="FFC000"/>
-                </a:solidFill>
-              </a:rPr>
-              <a:t>Great Option for 'mini-page SPA’</a:t>
-            </a:r>
-          </a:p>
-          <a:p>
-            <a:pPr lvl="1"/>
-            <a:r>
-              <a:rPr lang="en-US" sz="2000"/>
-              <a:t>Simple script reference – no transpilation needed</a:t>
-            </a:r>
-          </a:p>
-          <a:p>
-            <a:pPr lvl="1"/>
-            <a:r>
-              <a:rPr lang="en-US" sz="2000"/>
-              <a:t>Very simple MVC style model</a:t>
-            </a:r>
-          </a:p>
-          <a:p>
-            <a:r>
-              <a:rPr lang="en-US" sz="2200"/>
-              <a:t>How it works</a:t>
-            </a:r>
-          </a:p>
-          <a:p>
-            <a:pPr lvl="1"/>
-            <a:r>
-              <a:rPr lang="en-US" sz="2000"/>
-              <a:t>Assign a model to Vue instance</a:t>
-            </a:r>
-          </a:p>
-          <a:p>
-            <a:pPr lvl="1"/>
-            <a:r>
-              <a:rPr lang="en-US" sz="2000"/>
-              <a:t>Vue handles binding the model to DOM elements</a:t>
-            </a:r>
-          </a:p>
-          <a:p>
-            <a:pPr lvl="1"/>
-            <a:r>
-              <a:rPr lang="en-US" sz="2000"/>
-              <a:t>Model data changes, UI updates</a:t>
-            </a:r>
-          </a:p>
-          <a:p>
-            <a:pPr lvl="1"/>
-            <a:r>
-              <a:rPr lang="en-US" sz="2000"/>
-              <a:t>Very easy and very productive</a:t>
-            </a:r>
-          </a:p>
-          <a:p>
-            <a:pPr lvl="1"/>
-            <a:r>
-              <a:rPr lang="en-US" sz="2000"/>
-              <a:t>Removes most direct DOM manipulation code</a:t>
-            </a:r>
-          </a:p>
-          <a:p>
-            <a:pPr lvl="1"/>
-            <a:r>
-              <a:rPr lang="en-US" sz="2000"/>
-              <a:t>Can also replace most jQuery logic</a:t>
-            </a:r>
-          </a:p>
-        </p:txBody>
-      </p:sp>
-      <p:pic>
-        <p:nvPicPr>
-          <p:cNvPr id="4" name="Picture 3">
-            <a:extLst>
-              <a:ext uri="{FF2B5EF4-FFF2-40B4-BE49-F238E27FC236}">
-                <a16:creationId xmlns:a16="http://schemas.microsoft.com/office/drawing/2014/main" id="{C32505B0-093C-44DF-882F-9EB2F43AF6E6}"/>
-              </a:ext>
-            </a:extLst>
-          </p:cNvPr>
-          <p:cNvPicPr>
-            <a:picLocks noChangeAspect="1"/>
-          </p:cNvPicPr>
-          <p:nvPr/>
-        </p:nvPicPr>
-        <p:blipFill>
-          <a:blip r:embed="rId2"/>
-          <a:stretch>
-            <a:fillRect/>
-          </a:stretch>
-        </p:blipFill>
-        <p:spPr>
-          <a:xfrm flipH="1">
-            <a:off x="120595" y="6191250"/>
-            <a:ext cx="571610" cy="495300"/>
-          </a:xfrm>
-          <a:prstGeom prst="rect">
-            <a:avLst/>
-          </a:prstGeom>
-        </p:spPr>
-      </p:pic>
-    </p:spTree>
-    <p:extLst>
-      <p:ext uri="{BB962C8B-B14F-4D97-AF65-F5344CB8AC3E}">
-        <p14:creationId xmlns:p14="http://schemas.microsoft.com/office/powerpoint/2010/main" val="3943646473"/>
-      </p:ext>
-    </p:extLst>
-  </p:cSld>
-  <p:clrMapOvr>
-    <a:masterClrMapping/>
-  </p:clrMapOvr>
-  <p:transition>
-    <p:wipe/>
-  </p:transition>
-</p:sld>
-</file>
-
-<file path=ppt/slides/slide12.xml><?xml version="1.0" encoding="utf-8"?>
-<p:sld xmlns:a="http://schemas.openxmlformats.org/drawingml/2006/main" xmlns:r="http://schemas.openxmlformats.org/officeDocument/2006/relationships" xmlns:p="http://schemas.openxmlformats.org/presentationml/2006/main" show="0">
-  <p:cSld>
-    <p:spTree>
-      <p:nvGrpSpPr>
-        <p:cNvPr id="1" name=""/>
-        <p:cNvGrpSpPr/>
-        <p:nvPr/>
-      </p:nvGrpSpPr>
-      <p:grpSpPr>
-        <a:xfrm>
-          <a:off x="0" y="0"/>
-          <a:ext cx="0" cy="0"/>
-          <a:chOff x="0" y="0"/>
-          <a:chExt cx="0" cy="0"/>
-        </a:xfrm>
-      </p:grpSpPr>
-      <p:sp>
-        <p:nvSpPr>
-          <p:cNvPr id="4" name="Title 3">
-            <a:extLst>
-              <a:ext uri="{FF2B5EF4-FFF2-40B4-BE49-F238E27FC236}">
-                <a16:creationId xmlns:a16="http://schemas.microsoft.com/office/drawing/2014/main" id="{7978F16F-BE60-4AB1-9C20-B9BEEE4D5849}"/>
-              </a:ext>
-            </a:extLst>
-          </p:cNvPr>
-          <p:cNvSpPr>
-            <a:spLocks noGrp="1"/>
-          </p:cNvSpPr>
-          <p:nvPr>
-            <p:ph type="title"/>
-          </p:nvPr>
-        </p:nvSpPr>
-        <p:spPr/>
-        <p:txBody>
-          <a:bodyPr/>
-          <a:lstStyle/>
-          <a:p>
-            <a:r>
-              <a:rPr lang="en-US"/>
-              <a:t>Working with Vue</a:t>
-            </a:r>
-          </a:p>
-        </p:txBody>
-      </p:sp>
-      <p:sp>
-        <p:nvSpPr>
-          <p:cNvPr id="5" name="Content Placeholder 4">
-            <a:extLst>
-              <a:ext uri="{FF2B5EF4-FFF2-40B4-BE49-F238E27FC236}">
-                <a16:creationId xmlns:a16="http://schemas.microsoft.com/office/drawing/2014/main" id="{89CD02BD-EF8C-4265-A10D-E678AFFF07D8}"/>
-              </a:ext>
-            </a:extLst>
-          </p:cNvPr>
-          <p:cNvSpPr>
-            <a:spLocks noGrp="1"/>
-          </p:cNvSpPr>
-          <p:nvPr>
-            <p:ph idx="1"/>
-          </p:nvPr>
-        </p:nvSpPr>
-        <p:spPr>
-          <a:xfrm>
-            <a:off x="304800" y="838200"/>
-            <a:ext cx="11226800" cy="5105400"/>
-          </a:xfrm>
-        </p:spPr>
-        <p:txBody>
-          <a:bodyPr/>
-          <a:lstStyle/>
-          <a:p>
-            <a:r>
-              <a:rPr lang="en-US" sz="1500"/>
-              <a:t>Add a Script Reference</a:t>
-            </a:r>
-          </a:p>
-          <a:p>
-            <a:pPr lvl="1"/>
-            <a:r>
-              <a:rPr lang="en-US" sz="1500"/>
-              <a:t>Drop a </a:t>
-            </a:r>
-            <a:r>
-              <a:rPr lang="en-US" sz="1500" b="1">
-                <a:solidFill>
-                  <a:srgbClr val="FFFFCC"/>
-                </a:solidFill>
-                <a:latin typeface="Consolas" panose="020B0609020204030204" pitchFamily="49" charset="0"/>
-              </a:rPr>
-              <a:t>&lt;script&gt;</a:t>
-            </a:r>
-            <a:r>
-              <a:rPr lang="en-US" sz="1500">
-                <a:solidFill>
-                  <a:srgbClr val="FFFFCC"/>
-                </a:solidFill>
-              </a:rPr>
-              <a:t> </a:t>
-            </a:r>
-            <a:r>
-              <a:rPr lang="en-US" sz="1500"/>
-              <a:t>reference into the page</a:t>
-            </a:r>
-          </a:p>
-          <a:p>
-            <a:pPr lvl="1"/>
-            <a:r>
-              <a:rPr lang="en-US" sz="1500"/>
-              <a:t>Vue is small (~40k packed and gzipped) </a:t>
-            </a:r>
-          </a:p>
-          <a:p>
-            <a:r>
-              <a:rPr lang="en-US" sz="1500"/>
-              <a:t>Create a Model</a:t>
-            </a:r>
-          </a:p>
-          <a:p>
-            <a:pPr lvl="1"/>
-            <a:r>
-              <a:rPr lang="en-US" sz="1500"/>
-              <a:t>A model contains data to be bound to the view</a:t>
-            </a:r>
-          </a:p>
-          <a:p>
-            <a:pPr lvl="1"/>
-            <a:r>
-              <a:rPr lang="en-US" sz="1500"/>
-              <a:t>A model contains methods that handle events</a:t>
-            </a:r>
-          </a:p>
-          <a:p>
-            <a:pPr lvl="1"/>
-            <a:r>
-              <a:rPr lang="en-US" sz="1500"/>
-              <a:t>A model also contains your own helper code</a:t>
-            </a:r>
-          </a:p>
-          <a:p>
-            <a:r>
-              <a:rPr lang="en-US" sz="1500"/>
-              <a:t>Create HTML that references Vue Constructs</a:t>
-            </a:r>
-          </a:p>
-          <a:p>
-            <a:pPr lvl="1"/>
-            <a:r>
-              <a:rPr lang="en-US" sz="1500"/>
-              <a:t>Bind values with </a:t>
-            </a:r>
-            <a:r>
-              <a:rPr lang="en-US" sz="1500">
-                <a:solidFill>
-                  <a:srgbClr val="FFFFCC"/>
-                </a:solidFill>
-              </a:rPr>
-              <a:t>v-bind</a:t>
-            </a:r>
-            <a:r>
-              <a:rPr lang="en-US" sz="1500"/>
-              <a:t> (or </a:t>
-            </a:r>
-            <a:r>
-              <a:rPr lang="en-US" sz="1500">
-                <a:solidFill>
-                  <a:srgbClr val="FFFFCC"/>
-                </a:solidFill>
-                <a:sym typeface="Wingdings" panose="05000000000000000000" pitchFamily="2" charset="2"/>
-              </a:rPr>
-              <a:t>:</a:t>
-            </a:r>
-            <a:r>
-              <a:rPr lang="en-US" sz="1500">
-                <a:sym typeface="Wingdings" panose="05000000000000000000" pitchFamily="2" charset="2"/>
-              </a:rPr>
-              <a:t>) </a:t>
-            </a:r>
-            <a:r>
-              <a:rPr lang="en-US" sz="1500"/>
-              <a:t>or </a:t>
-            </a:r>
-            <a:r>
-              <a:rPr lang="en-US" sz="1500">
-                <a:solidFill>
-                  <a:srgbClr val="FFFFCC"/>
-                </a:solidFill>
-              </a:rPr>
-              <a:t>{{ expression }} </a:t>
-            </a:r>
-            <a:r>
-              <a:rPr lang="en-US" sz="1500"/>
-              <a:t>interpolation</a:t>
-            </a:r>
-          </a:p>
-          <a:p>
-            <a:pPr lvl="1"/>
-            <a:r>
-              <a:rPr lang="en-US" sz="1500"/>
-              <a:t>Two-way bind input values with </a:t>
-            </a:r>
-            <a:r>
-              <a:rPr lang="en-US" sz="1500">
-                <a:solidFill>
-                  <a:srgbClr val="FFFFCC"/>
-                </a:solidFill>
-              </a:rPr>
-              <a:t>v-model </a:t>
-            </a:r>
-          </a:p>
-          <a:p>
-            <a:pPr lvl="1"/>
-            <a:r>
-              <a:rPr lang="en-US" sz="1500"/>
-              <a:t>Handle events with </a:t>
-            </a:r>
-            <a:r>
-              <a:rPr lang="en-US" sz="1500">
-                <a:solidFill>
-                  <a:srgbClr val="FFFFCC"/>
-                </a:solidFill>
-              </a:rPr>
-              <a:t>v-on</a:t>
-            </a:r>
-            <a:r>
-              <a:rPr lang="en-US" sz="1500"/>
-              <a:t> (or </a:t>
-            </a:r>
-            <a:r>
-              <a:rPr lang="en-US" sz="1500">
-                <a:solidFill>
-                  <a:srgbClr val="FFFFCC"/>
-                </a:solidFill>
-              </a:rPr>
-              <a:t>@</a:t>
-            </a:r>
-            <a:r>
-              <a:rPr lang="en-US" sz="1500"/>
-              <a:t>)</a:t>
-            </a:r>
-          </a:p>
-          <a:p>
-            <a:pPr lvl="1"/>
-            <a:r>
-              <a:rPr lang="en-US" sz="1500"/>
-              <a:t>Many other directives </a:t>
-            </a:r>
-            <a:r>
-              <a:rPr lang="en-US" sz="1500">
-                <a:solidFill>
-                  <a:srgbClr val="FFFFCC"/>
-                </a:solidFill>
-              </a:rPr>
-              <a:t>v-for</a:t>
-            </a:r>
-            <a:r>
-              <a:rPr lang="en-US" sz="1500"/>
-              <a:t> to looping, </a:t>
-            </a:r>
-            <a:r>
-              <a:rPr lang="en-US" sz="1500">
-                <a:solidFill>
-                  <a:srgbClr val="FFFFCC"/>
-                </a:solidFill>
-              </a:rPr>
-              <a:t>v-if</a:t>
-            </a:r>
-            <a:r>
-              <a:rPr lang="en-US" sz="1500"/>
-              <a:t> and </a:t>
-            </a:r>
-            <a:r>
-              <a:rPr lang="en-US" sz="1500">
-                <a:solidFill>
-                  <a:srgbClr val="FFFFCC"/>
-                </a:solidFill>
-              </a:rPr>
-              <a:t>v-show</a:t>
-            </a:r>
-            <a:r>
-              <a:rPr lang="en-US" sz="1500"/>
-              <a:t> for conditional</a:t>
-            </a:r>
-          </a:p>
-          <a:p>
-            <a:r>
-              <a:rPr lang="en-US" sz="1500"/>
-              <a:t>Create a Vue instance</a:t>
-            </a:r>
-          </a:p>
-          <a:p>
-            <a:pPr lvl="1"/>
-            <a:r>
-              <a:rPr lang="en-US" sz="1500"/>
-              <a:t>Each component has its own instance</a:t>
-            </a:r>
-          </a:p>
-          <a:p>
-            <a:pPr lvl="1"/>
-            <a:r>
-              <a:rPr lang="en-US" sz="1500"/>
-              <a:t>Allows for nested  ‘components’</a:t>
-            </a:r>
-          </a:p>
-          <a:p>
-            <a:pPr lvl="1"/>
-            <a:r>
-              <a:rPr lang="en-US" sz="1500"/>
-              <a:t>Each instance binds to a DOM node</a:t>
-            </a:r>
-          </a:p>
-          <a:p>
-            <a:pPr lvl="1"/>
-            <a:r>
-              <a:rPr lang="en-US" sz="1500"/>
-              <a:t>Bindings bind down the hierarchy</a:t>
-            </a:r>
-          </a:p>
-          <a:p>
-            <a:pPr lvl="1"/>
-            <a:endParaRPr lang="en-US" sz="1500"/>
-          </a:p>
-        </p:txBody>
-      </p:sp>
-      <p:pic>
-        <p:nvPicPr>
-          <p:cNvPr id="6" name="Picture 5">
-            <a:extLst>
-              <a:ext uri="{FF2B5EF4-FFF2-40B4-BE49-F238E27FC236}">
-                <a16:creationId xmlns:a16="http://schemas.microsoft.com/office/drawing/2014/main" id="{45163232-B368-4D97-B84D-13870B5E2474}"/>
-              </a:ext>
-            </a:extLst>
-          </p:cNvPr>
-          <p:cNvPicPr>
-            <a:picLocks noChangeAspect="1"/>
-          </p:cNvPicPr>
-          <p:nvPr/>
-        </p:nvPicPr>
-        <p:blipFill>
-          <a:blip r:embed="rId2"/>
-          <a:stretch>
-            <a:fillRect/>
-          </a:stretch>
-        </p:blipFill>
-        <p:spPr>
-          <a:xfrm flipH="1">
-            <a:off x="120595" y="6191250"/>
-            <a:ext cx="571610" cy="495300"/>
-          </a:xfrm>
-          <a:prstGeom prst="rect">
-            <a:avLst/>
-          </a:prstGeom>
-        </p:spPr>
-      </p:pic>
-    </p:spTree>
-    <p:extLst>
-      <p:ext uri="{BB962C8B-B14F-4D97-AF65-F5344CB8AC3E}">
-        <p14:creationId xmlns:p14="http://schemas.microsoft.com/office/powerpoint/2010/main" val="1543273968"/>
-      </p:ext>
-    </p:extLst>
-  </p:cSld>
-  <p:clrMapOvr>
-    <a:masterClrMapping/>
-  </p:clrMapOvr>
-  <p:transition>
-    <p:wipe/>
-  </p:transition>
-</p:sld>
-</file>
-
-<file path=ppt/slides/slide13.xml><?xml version="1.0" encoding="utf-8"?>
-<p:sld xmlns:a="http://schemas.openxmlformats.org/drawingml/2006/main" xmlns:r="http://schemas.openxmlformats.org/officeDocument/2006/relationships" xmlns:p="http://schemas.openxmlformats.org/presentationml/2006/main">
-  <p:cSld>
-    <p:spTree>
-      <p:nvGrpSpPr>
-        <p:cNvPr id="1" name=""/>
-        <p:cNvGrpSpPr/>
-        <p:nvPr/>
-      </p:nvGrpSpPr>
-      <p:grpSpPr>
-        <a:xfrm>
-          <a:off x="0" y="0"/>
-          <a:ext cx="0" cy="0"/>
-          <a:chOff x="0" y="0"/>
-          <a:chExt cx="0" cy="0"/>
-        </a:xfrm>
-      </p:grpSpPr>
-      <p:pic>
-        <p:nvPicPr>
-          <p:cNvPr id="6" name="Picture 5">
-            <a:extLst>
-              <a:ext uri="{FF2B5EF4-FFF2-40B4-BE49-F238E27FC236}">
-                <a16:creationId xmlns:a16="http://schemas.microsoft.com/office/drawing/2014/main" id="{AF45DF6E-2A39-4BB3-A9A4-4C9E57DBB676}"/>
-              </a:ext>
-            </a:extLst>
-          </p:cNvPr>
-          <p:cNvPicPr>
-            <a:picLocks noChangeAspect="1"/>
-          </p:cNvPicPr>
-          <p:nvPr/>
-        </p:nvPicPr>
-        <p:blipFill>
-          <a:blip r:embed="rId2"/>
-          <a:stretch>
-            <a:fillRect/>
-          </a:stretch>
-        </p:blipFill>
-        <p:spPr>
-          <a:xfrm>
-            <a:off x="6096000" y="0"/>
-            <a:ext cx="6075947" cy="6858000"/>
-          </a:xfrm>
-          <a:prstGeom prst="rect">
-            <a:avLst/>
-          </a:prstGeom>
-        </p:spPr>
-      </p:pic>
-      <p:sp>
-        <p:nvSpPr>
-          <p:cNvPr id="2" name="Title 1">
-            <a:extLst>
-              <a:ext uri="{FF2B5EF4-FFF2-40B4-BE49-F238E27FC236}">
-                <a16:creationId xmlns:a16="http://schemas.microsoft.com/office/drawing/2014/main" id="{1490381D-4588-4105-9B85-05D7E8AF4D75}"/>
-              </a:ext>
-            </a:extLst>
-          </p:cNvPr>
-          <p:cNvSpPr>
-            <a:spLocks noGrp="1"/>
-          </p:cNvSpPr>
-          <p:nvPr>
-            <p:ph type="title"/>
-          </p:nvPr>
-        </p:nvSpPr>
-        <p:spPr/>
-        <p:txBody>
-          <a:bodyPr/>
-          <a:lstStyle/>
-          <a:p>
-            <a:r>
-              <a:rPr lang="en-US"/>
-              <a:t>Vue Setup</a:t>
-            </a:r>
-          </a:p>
-        </p:txBody>
-      </p:sp>
-      <p:sp>
-        <p:nvSpPr>
-          <p:cNvPr id="4" name="Rectangle 3">
-            <a:extLst>
-              <a:ext uri="{FF2B5EF4-FFF2-40B4-BE49-F238E27FC236}">
-                <a16:creationId xmlns:a16="http://schemas.microsoft.com/office/drawing/2014/main" id="{5E0F4B3C-0E10-4266-86B3-040B5C9AE86A}"/>
-              </a:ext>
-            </a:extLst>
-          </p:cNvPr>
-          <p:cNvSpPr/>
-          <p:nvPr/>
-        </p:nvSpPr>
-        <p:spPr bwMode="auto">
-          <a:xfrm>
-            <a:off x="2971800" y="375148"/>
-            <a:ext cx="2750553" cy="539251"/>
-          </a:xfrm>
-          <a:prstGeom prst="rect">
-            <a:avLst/>
-          </a:prstGeom>
-          <a:solidFill>
-            <a:srgbClr val="FFFFCC"/>
-          </a:solidFill>
-          <a:ln w="12700" cap="flat" cmpd="sng" algn="ctr">
-            <a:noFill/>
-            <a:prstDash val="solid"/>
-            <a:round/>
-            <a:headEnd type="none" w="med" len="med"/>
-            <a:tailEnd type="none" w="med" len="med"/>
-          </a:ln>
-          <a:effectLst>
-            <a:outerShdw blurRad="50800" dist="38100" dir="2700000" algn="tl" rotWithShape="0">
-              <a:prstClr val="black">
-                <a:alpha val="40000"/>
-              </a:prstClr>
-            </a:outerShdw>
-          </a:effectLst>
-        </p:spPr>
-        <p:txBody>
-          <a:bodyPr vert="horz" wrap="square" lIns="92075" tIns="46038" rIns="92075" bIns="46038" numCol="1" rtlCol="0" anchor="t" anchorCtr="0" compatLnSpc="1">
-            <a:prstTxWarp prst="textNoShape">
-              <a:avLst/>
-            </a:prstTxWarp>
-            <a:spAutoFit/>
-          </a:bodyPr>
-          <a:lstStyle/>
-          <a:p>
-            <a:pPr marL="0" marR="0" indent="0" algn="ctr" defTabSz="914400" rtl="0" eaLnBrk="0" fontAlgn="base" latinLnBrk="0" hangingPunct="0">
-              <a:lnSpc>
-                <a:spcPct val="100000"/>
-              </a:lnSpc>
-              <a:spcBef>
-                <a:spcPct val="0"/>
-              </a:spcBef>
-              <a:spcAft>
-                <a:spcPct val="0"/>
-              </a:spcAft>
-              <a:buClrTx/>
-              <a:buSzTx/>
-              <a:buFontTx/>
-              <a:buNone/>
-              <a:tabLst/>
-            </a:pPr>
-            <a:r>
-              <a:rPr lang="en-US" sz="1100">
-                <a:solidFill>
-                  <a:schemeClr val="bg1">
-                    <a:lumMod val="75000"/>
-                    <a:lumOff val="25000"/>
-                  </a:schemeClr>
-                </a:solidFill>
-              </a:rPr>
-              <a:t>Model</a:t>
-            </a:r>
-          </a:p>
-          <a:p>
-            <a:pPr marL="0" marR="0" indent="0" algn="ctr" defTabSz="914400" rtl="0" eaLnBrk="0" fontAlgn="base" latinLnBrk="0" hangingPunct="0">
-              <a:lnSpc>
-                <a:spcPct val="100000"/>
-              </a:lnSpc>
-              <a:spcBef>
-                <a:spcPct val="0"/>
-              </a:spcBef>
-              <a:spcAft>
-                <a:spcPct val="0"/>
-              </a:spcAft>
-              <a:buClrTx/>
-              <a:buSzTx/>
-              <a:buFontTx/>
-              <a:buNone/>
-              <a:tabLst/>
-            </a:pPr>
-            <a:r>
-              <a:rPr kumimoji="0" lang="en-US" sz="900" b="0" i="1" u="none" strike="noStrike" cap="none" normalizeH="0" baseline="0">
-                <a:ln>
-                  <a:noFill/>
-                </a:ln>
-                <a:solidFill>
-                  <a:schemeClr val="bg1">
-                    <a:lumMod val="75000"/>
-                    <a:lumOff val="25000"/>
-                  </a:schemeClr>
-                </a:solidFill>
-                <a:effectLst/>
-              </a:rPr>
-              <a:t>vm by convention. Create a separate var so you can reference it inside of the object map</a:t>
-            </a:r>
-          </a:p>
-        </p:txBody>
-      </p:sp>
-      <p:sp>
-        <p:nvSpPr>
-          <p:cNvPr id="5" name="Rectangle 4">
-            <a:extLst>
-              <a:ext uri="{FF2B5EF4-FFF2-40B4-BE49-F238E27FC236}">
-                <a16:creationId xmlns:a16="http://schemas.microsoft.com/office/drawing/2014/main" id="{F4F35AA9-DB6D-4FC5-845B-3871FDD4B872}"/>
-              </a:ext>
-            </a:extLst>
-          </p:cNvPr>
-          <p:cNvSpPr/>
-          <p:nvPr/>
-        </p:nvSpPr>
-        <p:spPr bwMode="auto">
-          <a:xfrm>
-            <a:off x="2989446" y="1228010"/>
-            <a:ext cx="2750553" cy="539251"/>
-          </a:xfrm>
-          <a:prstGeom prst="rect">
-            <a:avLst/>
-          </a:prstGeom>
-          <a:solidFill>
-            <a:srgbClr val="FFFFCC"/>
-          </a:solidFill>
-          <a:ln w="12700" cap="flat" cmpd="sng" algn="ctr">
-            <a:noFill/>
-            <a:prstDash val="solid"/>
-            <a:round/>
-            <a:headEnd type="none" w="med" len="med"/>
-            <a:tailEnd type="none" w="med" len="med"/>
-          </a:ln>
-          <a:effectLst>
-            <a:outerShdw blurRad="50800" dist="38100" dir="2700000" algn="tl" rotWithShape="0">
-              <a:prstClr val="black">
-                <a:alpha val="40000"/>
-              </a:prstClr>
-            </a:outerShdw>
-          </a:effectLst>
-        </p:spPr>
-        <p:txBody>
-          <a:bodyPr vert="horz" wrap="square" lIns="92075" tIns="46038" rIns="92075" bIns="46038" numCol="1" rtlCol="0" anchor="t" anchorCtr="0" compatLnSpc="1">
-            <a:prstTxWarp prst="textNoShape">
-              <a:avLst/>
-            </a:prstTxWarp>
-            <a:spAutoFit/>
-          </a:bodyPr>
-          <a:lstStyle/>
-          <a:p>
-            <a:pPr marL="0" marR="0" indent="0" algn="ctr" defTabSz="914400" rtl="0" eaLnBrk="0" fontAlgn="base" latinLnBrk="0" hangingPunct="0">
-              <a:lnSpc>
-                <a:spcPct val="100000"/>
-              </a:lnSpc>
-              <a:spcBef>
-                <a:spcPct val="0"/>
-              </a:spcBef>
-              <a:spcAft>
-                <a:spcPct val="0"/>
-              </a:spcAft>
-              <a:buClrTx/>
-              <a:buSzTx/>
-              <a:buFontTx/>
-              <a:buNone/>
-              <a:tabLst/>
-            </a:pPr>
-            <a:r>
-              <a:rPr lang="en-US" sz="1100">
-                <a:solidFill>
-                  <a:schemeClr val="bg1">
-                    <a:lumMod val="75000"/>
-                    <a:lumOff val="25000"/>
-                  </a:schemeClr>
-                </a:solidFill>
-              </a:rPr>
-              <a:t>Properties</a:t>
-            </a:r>
-          </a:p>
-          <a:p>
-            <a:pPr marL="0" marR="0" indent="0" algn="ctr" defTabSz="914400" rtl="0" eaLnBrk="0" fontAlgn="base" latinLnBrk="0" hangingPunct="0">
-              <a:lnSpc>
-                <a:spcPct val="100000"/>
-              </a:lnSpc>
-              <a:spcBef>
-                <a:spcPct val="0"/>
-              </a:spcBef>
-              <a:spcAft>
-                <a:spcPct val="0"/>
-              </a:spcAft>
-              <a:buClrTx/>
-              <a:buSzTx/>
-              <a:buFontTx/>
-              <a:buNone/>
-              <a:tabLst/>
-            </a:pPr>
-            <a:r>
-              <a:rPr kumimoji="0" lang="en-US" sz="900" b="0" i="1" u="none" strike="noStrike" cap="none" normalizeH="0" baseline="0">
-                <a:ln>
-                  <a:noFill/>
-                </a:ln>
-                <a:solidFill>
-                  <a:schemeClr val="bg1">
-                    <a:lumMod val="75000"/>
-                    <a:lumOff val="25000"/>
-                  </a:schemeClr>
-                </a:solidFill>
-                <a:effectLst/>
-              </a:rPr>
-              <a:t>Properties can be bound using v-bind or {{}} expressions</a:t>
-            </a:r>
-          </a:p>
-        </p:txBody>
-      </p:sp>
-      <p:sp>
-        <p:nvSpPr>
-          <p:cNvPr id="7" name="Rectangle 6">
-            <a:extLst>
-              <a:ext uri="{FF2B5EF4-FFF2-40B4-BE49-F238E27FC236}">
-                <a16:creationId xmlns:a16="http://schemas.microsoft.com/office/drawing/2014/main" id="{EF57A891-BC2B-4970-82AA-79B5A7CD6A0A}"/>
-              </a:ext>
-            </a:extLst>
-          </p:cNvPr>
-          <p:cNvSpPr/>
-          <p:nvPr/>
-        </p:nvSpPr>
-        <p:spPr bwMode="auto">
-          <a:xfrm>
-            <a:off x="2945598" y="3200400"/>
-            <a:ext cx="2750553" cy="677751"/>
-          </a:xfrm>
-          <a:prstGeom prst="rect">
-            <a:avLst/>
-          </a:prstGeom>
-          <a:solidFill>
-            <a:srgbClr val="FFFFCC"/>
-          </a:solidFill>
-          <a:ln w="12700" cap="flat" cmpd="sng" algn="ctr">
-            <a:noFill/>
-            <a:prstDash val="solid"/>
-            <a:round/>
-            <a:headEnd type="none" w="med" len="med"/>
-            <a:tailEnd type="none" w="med" len="med"/>
-          </a:ln>
-          <a:effectLst>
-            <a:outerShdw blurRad="50800" dist="38100" dir="2700000" algn="tl" rotWithShape="0">
-              <a:prstClr val="black">
-                <a:alpha val="40000"/>
-              </a:prstClr>
-            </a:outerShdw>
-          </a:effectLst>
-        </p:spPr>
-        <p:txBody>
-          <a:bodyPr vert="horz" wrap="square" lIns="92075" tIns="46038" rIns="92075" bIns="46038" numCol="1" rtlCol="0" anchor="t" anchorCtr="0" compatLnSpc="1">
-            <a:prstTxWarp prst="textNoShape">
-              <a:avLst/>
-            </a:prstTxWarp>
-            <a:spAutoFit/>
-          </a:bodyPr>
-          <a:lstStyle/>
-          <a:p>
-            <a:pPr marL="0" marR="0" indent="0" algn="ctr" defTabSz="914400" rtl="0" eaLnBrk="0" fontAlgn="base" latinLnBrk="0" hangingPunct="0">
-              <a:lnSpc>
-                <a:spcPct val="100000"/>
-              </a:lnSpc>
-              <a:spcBef>
-                <a:spcPct val="0"/>
-              </a:spcBef>
-              <a:spcAft>
-                <a:spcPct val="0"/>
-              </a:spcAft>
-              <a:buClrTx/>
-              <a:buSzTx/>
-              <a:buFontTx/>
-              <a:buNone/>
-              <a:tabLst/>
-            </a:pPr>
-            <a:r>
-              <a:rPr lang="en-US" sz="1100">
-                <a:solidFill>
-                  <a:schemeClr val="bg1">
-                    <a:lumMod val="75000"/>
-                    <a:lumOff val="25000"/>
-                  </a:schemeClr>
-                </a:solidFill>
-              </a:rPr>
-              <a:t>Methods</a:t>
-            </a:r>
-            <a:br>
-              <a:rPr lang="en-US" sz="1100">
-                <a:solidFill>
-                  <a:schemeClr val="bg1">
-                    <a:lumMod val="75000"/>
-                    <a:lumOff val="25000"/>
-                  </a:schemeClr>
-                </a:solidFill>
-              </a:rPr>
-            </a:br>
-            <a:r>
-              <a:rPr kumimoji="0" lang="en-US" sz="900" b="0" i="1" u="none" strike="noStrike" cap="none" normalizeH="0" baseline="0">
-                <a:ln>
-                  <a:noFill/>
-                </a:ln>
-                <a:solidFill>
-                  <a:schemeClr val="bg1">
-                    <a:lumMod val="75000"/>
-                    <a:lumOff val="25000"/>
-                  </a:schemeClr>
-                </a:solidFill>
-                <a:effectLst/>
-              </a:rPr>
-              <a:t>can be referenced from event handlers. You can pass objects to methods so in v-for you can pass the iterated item</a:t>
-            </a:r>
-          </a:p>
-        </p:txBody>
-      </p:sp>
-      <p:sp>
-        <p:nvSpPr>
-          <p:cNvPr id="8" name="Rectangle 7">
-            <a:extLst>
-              <a:ext uri="{FF2B5EF4-FFF2-40B4-BE49-F238E27FC236}">
-                <a16:creationId xmlns:a16="http://schemas.microsoft.com/office/drawing/2014/main" id="{67CD7BB9-80D0-4F7E-8AC5-809387F95600}"/>
-              </a:ext>
-            </a:extLst>
-          </p:cNvPr>
-          <p:cNvSpPr/>
-          <p:nvPr/>
-        </p:nvSpPr>
-        <p:spPr bwMode="auto">
-          <a:xfrm>
-            <a:off x="2945598" y="5311290"/>
-            <a:ext cx="2750553" cy="539251"/>
-          </a:xfrm>
-          <a:prstGeom prst="rect">
-            <a:avLst/>
-          </a:prstGeom>
-          <a:solidFill>
-            <a:srgbClr val="FFFFCC"/>
-          </a:solidFill>
-          <a:ln w="12700" cap="flat" cmpd="sng" algn="ctr">
-            <a:noFill/>
-            <a:prstDash val="solid"/>
-            <a:round/>
-            <a:headEnd type="none" w="med" len="med"/>
-            <a:tailEnd type="none" w="med" len="med"/>
-          </a:ln>
-          <a:effectLst>
-            <a:outerShdw blurRad="50800" dist="38100" dir="2700000" algn="tl" rotWithShape="0">
-              <a:prstClr val="black">
-                <a:alpha val="40000"/>
-              </a:prstClr>
-            </a:outerShdw>
-          </a:effectLst>
-        </p:spPr>
-        <p:txBody>
-          <a:bodyPr vert="horz" wrap="square" lIns="92075" tIns="46038" rIns="92075" bIns="46038" numCol="1" rtlCol="0" anchor="t" anchorCtr="0" compatLnSpc="1">
-            <a:prstTxWarp prst="textNoShape">
-              <a:avLst/>
-            </a:prstTxWarp>
-            <a:spAutoFit/>
-          </a:bodyPr>
-          <a:lstStyle/>
-          <a:p>
-            <a:pPr marL="0" marR="0" indent="0" algn="ctr" defTabSz="914400" rtl="0" eaLnBrk="0" fontAlgn="base" latinLnBrk="0" hangingPunct="0">
-              <a:lnSpc>
-                <a:spcPct val="100000"/>
-              </a:lnSpc>
-              <a:spcBef>
-                <a:spcPct val="0"/>
-              </a:spcBef>
-              <a:spcAft>
-                <a:spcPct val="0"/>
-              </a:spcAft>
-              <a:buClrTx/>
-              <a:buSzTx/>
-              <a:buFontTx/>
-              <a:buNone/>
-              <a:tabLst/>
-            </a:pPr>
-            <a:r>
-              <a:rPr lang="en-US" sz="1100">
-                <a:solidFill>
-                  <a:schemeClr val="bg1">
-                    <a:lumMod val="75000"/>
-                    <a:lumOff val="25000"/>
-                  </a:schemeClr>
-                </a:solidFill>
-              </a:rPr>
-              <a:t>Vue Instance</a:t>
-            </a:r>
-            <a:br>
-              <a:rPr lang="en-US" sz="1100">
-                <a:solidFill>
-                  <a:schemeClr val="bg1">
-                    <a:lumMod val="75000"/>
-                    <a:lumOff val="25000"/>
-                  </a:schemeClr>
-                </a:solidFill>
-              </a:rPr>
-            </a:br>
-            <a:r>
-              <a:rPr lang="en-US" sz="900" b="0" i="1">
-                <a:solidFill>
-                  <a:schemeClr val="bg1">
-                    <a:lumMod val="75000"/>
-                    <a:lumOff val="25000"/>
-                  </a:schemeClr>
-                </a:solidFill>
-              </a:rPr>
-              <a:t>configure Vue instance by assigning a model and pointing at a DOM node that it’s applied to</a:t>
-            </a:r>
-            <a:endParaRPr kumimoji="0" lang="en-US" sz="900" b="0" i="1" u="none" strike="noStrike" cap="none" normalizeH="0" baseline="0">
-              <a:ln>
-                <a:noFill/>
-              </a:ln>
-              <a:solidFill>
-                <a:schemeClr val="bg1">
-                  <a:lumMod val="75000"/>
-                  <a:lumOff val="25000"/>
-                </a:schemeClr>
-              </a:solidFill>
-              <a:effectLst/>
-            </a:endParaRPr>
-          </a:p>
-        </p:txBody>
-      </p:sp>
-      <p:pic>
-        <p:nvPicPr>
-          <p:cNvPr id="9" name="Picture 8">
-            <a:extLst>
-              <a:ext uri="{FF2B5EF4-FFF2-40B4-BE49-F238E27FC236}">
-                <a16:creationId xmlns:a16="http://schemas.microsoft.com/office/drawing/2014/main" id="{FAFCD126-7B07-43E5-ABC5-F41DD8AB6BAF}"/>
-              </a:ext>
-            </a:extLst>
-          </p:cNvPr>
-          <p:cNvPicPr>
-            <a:picLocks noChangeAspect="1"/>
-          </p:cNvPicPr>
-          <p:nvPr/>
-        </p:nvPicPr>
-        <p:blipFill>
-          <a:blip r:embed="rId3"/>
-          <a:stretch>
-            <a:fillRect/>
-          </a:stretch>
-        </p:blipFill>
-        <p:spPr>
-          <a:xfrm flipH="1">
-            <a:off x="120595" y="6191250"/>
-            <a:ext cx="571610" cy="495300"/>
-          </a:xfrm>
-          <a:prstGeom prst="rect">
-            <a:avLst/>
-          </a:prstGeom>
-        </p:spPr>
-      </p:pic>
-    </p:spTree>
-    <p:extLst>
-      <p:ext uri="{BB962C8B-B14F-4D97-AF65-F5344CB8AC3E}">
-        <p14:creationId xmlns:p14="http://schemas.microsoft.com/office/powerpoint/2010/main" val="1347585739"/>
-      </p:ext>
-    </p:extLst>
-  </p:cSld>
-  <p:clrMapOvr>
-    <a:masterClrMapping/>
-  </p:clrMapOvr>
-  <p:transition>
-    <p:wipe/>
-  </p:transition>
-</p:sld>
-</file>
-
-<file path=ppt/slides/slide14.xml><?xml version="1.0" encoding="utf-8"?>
-<p:sld xmlns:a="http://schemas.openxmlformats.org/drawingml/2006/main" xmlns:r="http://schemas.openxmlformats.org/officeDocument/2006/relationships" xmlns:p="http://schemas.openxmlformats.org/presentationml/2006/main">
-  <p:cSld>
-    <p:spTree>
-      <p:nvGrpSpPr>
-        <p:cNvPr id="1" name=""/>
-        <p:cNvGrpSpPr/>
-        <p:nvPr/>
-      </p:nvGrpSpPr>
-      <p:grpSpPr>
-        <a:xfrm>
-          <a:off x="0" y="0"/>
-          <a:ext cx="0" cy="0"/>
-          <a:chOff x="0" y="0"/>
-          <a:chExt cx="0" cy="0"/>
-        </a:xfrm>
-      </p:grpSpPr>
-      <p:sp>
-        <p:nvSpPr>
-          <p:cNvPr id="2" name="Title 1">
-            <a:extLst>
-              <a:ext uri="{FF2B5EF4-FFF2-40B4-BE49-F238E27FC236}">
-                <a16:creationId xmlns:a16="http://schemas.microsoft.com/office/drawing/2014/main" id="{19E476AF-9DB3-4E2F-9C81-F1CC7FD3E395}"/>
-              </a:ext>
-            </a:extLst>
-          </p:cNvPr>
-          <p:cNvSpPr>
-            <a:spLocks noGrp="1"/>
-          </p:cNvSpPr>
-          <p:nvPr>
-            <p:ph type="title"/>
-          </p:nvPr>
-        </p:nvSpPr>
-        <p:spPr/>
-        <p:txBody>
-          <a:bodyPr/>
-          <a:lstStyle/>
-          <a:p>
-            <a:r>
-              <a:rPr lang="en-US"/>
-              <a:t>HTML View</a:t>
-            </a:r>
-          </a:p>
-        </p:txBody>
-      </p:sp>
-      <p:sp>
-        <p:nvSpPr>
-          <p:cNvPr id="6" name="Content Placeholder 5">
-            <a:extLst>
-              <a:ext uri="{FF2B5EF4-FFF2-40B4-BE49-F238E27FC236}">
-                <a16:creationId xmlns:a16="http://schemas.microsoft.com/office/drawing/2014/main" id="{025EEEFA-E81B-4077-BC4C-412F9ED4057D}"/>
-              </a:ext>
-            </a:extLst>
-          </p:cNvPr>
-          <p:cNvSpPr>
-            <a:spLocks noGrp="1"/>
-          </p:cNvSpPr>
-          <p:nvPr>
-            <p:ph idx="1"/>
-          </p:nvPr>
-        </p:nvSpPr>
-        <p:spPr>
-          <a:xfrm>
-            <a:off x="25667" y="876300"/>
-            <a:ext cx="11480800" cy="5105400"/>
-          </a:xfrm>
-        </p:spPr>
-        <p:txBody>
-          <a:bodyPr/>
-          <a:lstStyle/>
-          <a:p>
-            <a:r>
-              <a:rPr lang="en-US"/>
-              <a:t>Bindings</a:t>
-            </a:r>
-          </a:p>
-          <a:p>
-            <a:pPr lvl="1"/>
-            <a:r>
-              <a:rPr lang="en-US" b="1">
-                <a:solidFill>
-                  <a:srgbClr val="FFFFCC"/>
-                </a:solidFill>
-              </a:rPr>
-              <a:t>v-bind:attribute (or :attribute)</a:t>
-            </a:r>
-          </a:p>
-          <a:p>
-            <a:pPr lvl="1"/>
-            <a:r>
-              <a:rPr lang="en-US" b="1">
-                <a:solidFill>
-                  <a:srgbClr val="FFFFCC"/>
-                </a:solidFill>
-              </a:rPr>
-              <a:t>{{ project.projname }} </a:t>
-            </a:r>
-            <a:r>
-              <a:rPr lang="en-US"/>
-              <a:t>Interpolation</a:t>
-            </a:r>
-          </a:p>
-          <a:p>
-            <a:pPr lvl="1"/>
-            <a:r>
-              <a:rPr lang="en-US" b="1">
-                <a:solidFill>
-                  <a:srgbClr val="FFFFCC"/>
-                </a:solidFill>
-              </a:rPr>
-              <a:t>v-bind:class</a:t>
-            </a:r>
-            <a:r>
-              <a:rPr lang="en-US"/>
-              <a:t>="{ 'hidden': project.inactive }“</a:t>
-            </a:r>
-          </a:p>
-          <a:p>
-            <a:r>
-              <a:rPr lang="en-US"/>
-              <a:t>Two Way Model Binding</a:t>
-            </a:r>
-          </a:p>
-          <a:p>
-            <a:pPr lvl="1"/>
-            <a:r>
-              <a:rPr lang="en-US" b="1">
-                <a:solidFill>
-                  <a:srgbClr val="FFFFCC"/>
-                </a:solidFill>
-              </a:rPr>
-              <a:t>v-model</a:t>
-            </a:r>
-            <a:r>
-              <a:rPr lang="en-US"/>
-              <a:t>="projName“</a:t>
-            </a:r>
-          </a:p>
-          <a:p>
-            <a:r>
-              <a:rPr lang="en-US"/>
-              <a:t>Events</a:t>
-            </a:r>
-          </a:p>
-          <a:p>
-            <a:pPr lvl="1"/>
-            <a:r>
-              <a:rPr lang="en-US" b="1">
-                <a:solidFill>
-                  <a:srgbClr val="FFFFCC"/>
-                </a:solidFill>
-              </a:rPr>
-              <a:t>v-on:click  (or @click)</a:t>
-            </a:r>
-          </a:p>
-          <a:p>
-            <a:pPr lvl="1"/>
-            <a:r>
-              <a:rPr lang="en-US" b="1">
-                <a:solidFill>
-                  <a:srgbClr val="FFFFCC"/>
-                </a:solidFill>
-              </a:rPr>
-              <a:t>v-on:customEvent</a:t>
-            </a:r>
-          </a:p>
-          <a:p>
-            <a:r>
-              <a:rPr lang="en-US"/>
-              <a:t>Directives</a:t>
-            </a:r>
-          </a:p>
-          <a:p>
-            <a:pPr lvl="1"/>
-            <a:r>
-              <a:rPr lang="en-US" b="1">
-                <a:solidFill>
-                  <a:srgbClr val="FFFFCC"/>
-                </a:solidFill>
-              </a:rPr>
-              <a:t>v-for="project</a:t>
-            </a:r>
-            <a:r>
-              <a:rPr lang="en-US"/>
-              <a:t> in projects"</a:t>
-            </a:r>
-          </a:p>
-          <a:p>
-            <a:pPr lvl="1"/>
-            <a:r>
-              <a:rPr lang="en-US" b="1">
-                <a:solidFill>
-                  <a:srgbClr val="FFFFCC"/>
-                </a:solidFill>
-              </a:rPr>
-              <a:t>v-show</a:t>
-            </a:r>
-            <a:r>
-              <a:rPr lang="en-US">
-                <a:solidFill>
-                  <a:srgbClr val="FFFFCC"/>
-                </a:solidFill>
-              </a:rPr>
-              <a:t> </a:t>
-            </a:r>
-            <a:r>
-              <a:rPr lang="en-US" b="1">
-                <a:solidFill>
-                  <a:srgbClr val="FFFFCC"/>
-                </a:solidFill>
-              </a:rPr>
-              <a:t>v-if</a:t>
-            </a:r>
-            <a:r>
-              <a:rPr lang="en-US"/>
-              <a:t> conditional rendering</a:t>
-            </a:r>
-          </a:p>
-          <a:p>
-            <a:pPr marL="457200" lvl="1" indent="0">
-              <a:buNone/>
-            </a:pPr>
-            <a:r>
-              <a:rPr lang="en-US"/>
-              <a:t>	</a:t>
-            </a:r>
-          </a:p>
-        </p:txBody>
-      </p:sp>
-      <p:pic>
-        <p:nvPicPr>
-          <p:cNvPr id="5" name="Picture 4">
-            <a:extLst>
-              <a:ext uri="{FF2B5EF4-FFF2-40B4-BE49-F238E27FC236}">
-                <a16:creationId xmlns:a16="http://schemas.microsoft.com/office/drawing/2014/main" id="{4E238A3D-E392-4934-9F37-BC91A5019CF1}"/>
-              </a:ext>
-            </a:extLst>
-          </p:cNvPr>
-          <p:cNvPicPr>
-            <a:picLocks noChangeAspect="1"/>
-          </p:cNvPicPr>
-          <p:nvPr/>
-        </p:nvPicPr>
-        <p:blipFill>
-          <a:blip r:embed="rId2"/>
-          <a:stretch>
-            <a:fillRect/>
-          </a:stretch>
-        </p:blipFill>
-        <p:spPr>
-          <a:xfrm flipH="1">
-            <a:off x="120595" y="6191250"/>
-            <a:ext cx="571610" cy="495300"/>
-          </a:xfrm>
-          <a:prstGeom prst="rect">
-            <a:avLst/>
-          </a:prstGeom>
-        </p:spPr>
-      </p:pic>
-      <p:pic>
-        <p:nvPicPr>
-          <p:cNvPr id="3" name="Picture 2">
-            <a:extLst>
-              <a:ext uri="{FF2B5EF4-FFF2-40B4-BE49-F238E27FC236}">
-                <a16:creationId xmlns:a16="http://schemas.microsoft.com/office/drawing/2014/main" id="{76E4658F-4DED-448F-AA04-36515AFA3F43}"/>
-              </a:ext>
-            </a:extLst>
-          </p:cNvPr>
-          <p:cNvPicPr>
-            <a:picLocks noChangeAspect="1"/>
-          </p:cNvPicPr>
-          <p:nvPr/>
-        </p:nvPicPr>
-        <p:blipFill>
-          <a:blip r:embed="rId3"/>
-          <a:stretch>
-            <a:fillRect/>
-          </a:stretch>
-        </p:blipFill>
-        <p:spPr>
-          <a:xfrm>
-            <a:off x="6781800" y="0"/>
-            <a:ext cx="5432946" cy="6858000"/>
-          </a:xfrm>
-          <a:prstGeom prst="rect">
-            <a:avLst/>
-          </a:prstGeom>
-        </p:spPr>
-      </p:pic>
-    </p:spTree>
-    <p:extLst>
-      <p:ext uri="{BB962C8B-B14F-4D97-AF65-F5344CB8AC3E}">
-        <p14:creationId xmlns:p14="http://schemas.microsoft.com/office/powerpoint/2010/main" val="473947304"/>
-      </p:ext>
-    </p:extLst>
-  </p:cSld>
-  <p:clrMapOvr>
-    <a:masterClrMapping/>
-  </p:clrMapOvr>
-  <p:transition>
-    <p:wipe/>
-  </p:transition>
-</p:sld>
-</file>
-
-<file path=ppt/slides/slide15.xml><?xml version="1.0" encoding="utf-8"?>
-<p:sld xmlns:a="http://schemas.openxmlformats.org/drawingml/2006/main" xmlns:r="http://schemas.openxmlformats.org/officeDocument/2006/relationships" xmlns:p="http://schemas.openxmlformats.org/presentationml/2006/main" show="0">
-  <p:cSld>
-    <p:spTree>
-      <p:nvGrpSpPr>
-        <p:cNvPr id="1" name=""/>
-        <p:cNvGrpSpPr/>
-        <p:nvPr/>
-      </p:nvGrpSpPr>
-      <p:grpSpPr>
-        <a:xfrm>
-          <a:off x="0" y="0"/>
-          <a:ext cx="0" cy="0"/>
-          <a:chOff x="0" y="0"/>
-          <a:chExt cx="0" cy="0"/>
-        </a:xfrm>
-      </p:grpSpPr>
-      <p:sp>
-        <p:nvSpPr>
-          <p:cNvPr id="2" name="Title 1">
-            <a:extLst>
-              <a:ext uri="{FF2B5EF4-FFF2-40B4-BE49-F238E27FC236}">
-                <a16:creationId xmlns:a16="http://schemas.microsoft.com/office/drawing/2014/main" id="{E697DC03-0D68-4189-AADE-333C488B9BAD}"/>
-              </a:ext>
-            </a:extLst>
-          </p:cNvPr>
-          <p:cNvSpPr>
-            <a:spLocks noGrp="1"/>
-          </p:cNvSpPr>
-          <p:nvPr>
-            <p:ph type="title"/>
-          </p:nvPr>
-        </p:nvSpPr>
-        <p:spPr/>
-        <p:txBody>
-          <a:bodyPr/>
-          <a:lstStyle/>
-          <a:p>
-            <a:r>
-              <a:rPr lang="en-US"/>
-              <a:t>Vue for Full Featured SPA Apps</a:t>
-            </a:r>
-          </a:p>
-        </p:txBody>
-      </p:sp>
-      <p:sp>
-        <p:nvSpPr>
-          <p:cNvPr id="3" name="Content Placeholder 2">
-            <a:extLst>
-              <a:ext uri="{FF2B5EF4-FFF2-40B4-BE49-F238E27FC236}">
-                <a16:creationId xmlns:a16="http://schemas.microsoft.com/office/drawing/2014/main" id="{7F112D72-9423-47AD-9785-005795AB5922}"/>
-              </a:ext>
-            </a:extLst>
-          </p:cNvPr>
-          <p:cNvSpPr>
-            <a:spLocks noGrp="1"/>
-          </p:cNvSpPr>
-          <p:nvPr>
-            <p:ph idx="1"/>
-          </p:nvPr>
-        </p:nvSpPr>
-        <p:spPr/>
-        <p:txBody>
-          <a:bodyPr/>
-          <a:lstStyle/>
-          <a:p>
-            <a:r>
-              <a:rPr lang="en-US"/>
-              <a:t>Vue SPA Apps</a:t>
-            </a:r>
-          </a:p>
-          <a:p>
-            <a:pPr lvl="1"/>
-            <a:r>
-              <a:rPr lang="en-US"/>
-              <a:t>Based on WebPack</a:t>
-            </a:r>
-          </a:p>
-          <a:p>
-            <a:pPr lvl="1"/>
-            <a:r>
-              <a:rPr lang="en-US"/>
-              <a:t>Provides full Build Process like Angular/React etc.</a:t>
-            </a:r>
-          </a:p>
-          <a:p>
-            <a:pPr lvl="1"/>
-            <a:r>
-              <a:rPr lang="en-US"/>
-              <a:t>Support for Routing</a:t>
-            </a:r>
-          </a:p>
-          <a:p>
-            <a:pPr lvl="1"/>
-            <a:r>
-              <a:rPr lang="en-US"/>
-              <a:t>Support for State Management</a:t>
-            </a:r>
-          </a:p>
-          <a:p>
-            <a:r>
-              <a:rPr lang="en-US"/>
-              <a:t>Vue CLI </a:t>
-            </a:r>
-          </a:p>
-          <a:p>
-            <a:pPr lvl="1"/>
-            <a:r>
-              <a:rPr lang="en-US"/>
-              <a:t>Vue CLI provided Build, Run, Debug Services</a:t>
-            </a:r>
-          </a:p>
-          <a:p>
-            <a:pPr lvl="1"/>
-            <a:r>
-              <a:rPr lang="en-US"/>
-              <a:t>Live Reload Server</a:t>
-            </a:r>
-          </a:p>
-          <a:p>
-            <a:pPr lvl="1"/>
-            <a:r>
-              <a:rPr lang="en-US"/>
-              <a:t>Wraps WebPack Features into its own Configuration</a:t>
-            </a:r>
-          </a:p>
-          <a:p>
-            <a:r>
-              <a:rPr lang="en-US"/>
-              <a:t>Vue Templates</a:t>
-            </a:r>
-          </a:p>
-          <a:p>
-            <a:pPr lvl="1"/>
-            <a:r>
-              <a:rPr lang="en-US"/>
-              <a:t>.vue Pages</a:t>
-            </a:r>
-          </a:p>
-          <a:p>
-            <a:pPr lvl="1"/>
-            <a:r>
-              <a:rPr lang="en-US"/>
-              <a:t>Single File Templates</a:t>
-            </a:r>
-          </a:p>
-          <a:p>
-            <a:pPr lvl="1"/>
-            <a:r>
-              <a:rPr lang="en-US"/>
-              <a:t>Combine HTML Template, CSS and Code </a:t>
-            </a:r>
-          </a:p>
-          <a:p>
-            <a:pPr lvl="1"/>
-            <a:r>
-              <a:rPr lang="en-US"/>
-              <a:t>Templates are treated as Components</a:t>
-            </a:r>
-          </a:p>
-          <a:p>
-            <a:endParaRPr lang="en-US"/>
-          </a:p>
-          <a:p>
-            <a:endParaRPr lang="en-US"/>
-          </a:p>
-        </p:txBody>
-      </p:sp>
-      <p:pic>
-        <p:nvPicPr>
-          <p:cNvPr id="4" name="Picture 3">
-            <a:extLst>
-              <a:ext uri="{FF2B5EF4-FFF2-40B4-BE49-F238E27FC236}">
-                <a16:creationId xmlns:a16="http://schemas.microsoft.com/office/drawing/2014/main" id="{95AED19A-0901-43E6-928E-6BC0AF3F4BD5}"/>
-              </a:ext>
-            </a:extLst>
-          </p:cNvPr>
-          <p:cNvPicPr>
-            <a:picLocks noChangeAspect="1"/>
-          </p:cNvPicPr>
-          <p:nvPr/>
-        </p:nvPicPr>
-        <p:blipFill>
-          <a:blip r:embed="rId2"/>
-          <a:stretch>
-            <a:fillRect/>
-          </a:stretch>
-        </p:blipFill>
-        <p:spPr>
-          <a:xfrm flipH="1">
-            <a:off x="120595" y="6191250"/>
-            <a:ext cx="571610" cy="495300"/>
-          </a:xfrm>
-          <a:prstGeom prst="rect">
-            <a:avLst/>
-          </a:prstGeom>
-        </p:spPr>
-      </p:pic>
-    </p:spTree>
-    <p:extLst>
-      <p:ext uri="{BB962C8B-B14F-4D97-AF65-F5344CB8AC3E}">
-        <p14:creationId xmlns:p14="http://schemas.microsoft.com/office/powerpoint/2010/main" val="32101457"/>
-      </p:ext>
-    </p:extLst>
-  </p:cSld>
-  <p:clrMapOvr>
-    <a:masterClrMapping/>
-  </p:clrMapOvr>
-  <p:transition>
-    <p:wipe/>
-  </p:transition>
-</p:sld>
-</file>
-
-<file path=ppt/slides/slide16.xml><?xml version="1.0" encoding="utf-8"?>
-<p:sld xmlns:a="http://schemas.openxmlformats.org/drawingml/2006/main" xmlns:r="http://schemas.openxmlformats.org/officeDocument/2006/relationships" xmlns:p="http://schemas.openxmlformats.org/presentationml/2006/main" show="0">
-  <p:cSld>
-    <p:spTree>
-      <p:nvGrpSpPr>
-        <p:cNvPr id="1" name=""/>
-        <p:cNvGrpSpPr/>
-        <p:nvPr/>
-      </p:nvGrpSpPr>
-      <p:grpSpPr>
-        <a:xfrm>
-          <a:off x="0" y="0"/>
-          <a:ext cx="0" cy="0"/>
-          <a:chOff x="0" y="0"/>
-          <a:chExt cx="0" cy="0"/>
-        </a:xfrm>
-      </p:grpSpPr>
-      <p:sp>
-        <p:nvSpPr>
-          <p:cNvPr id="2" name="Title 1">
-            <a:extLst>
-              <a:ext uri="{FF2B5EF4-FFF2-40B4-BE49-F238E27FC236}">
-                <a16:creationId xmlns:a16="http://schemas.microsoft.com/office/drawing/2014/main" id="{179A84D4-C6E1-451B-8415-5EEE7A7707FC}"/>
-              </a:ext>
-            </a:extLst>
-          </p:cNvPr>
-          <p:cNvSpPr>
-            <a:spLocks noGrp="1"/>
-          </p:cNvSpPr>
-          <p:nvPr>
-            <p:ph type="title"/>
-          </p:nvPr>
-        </p:nvSpPr>
-        <p:spPr/>
-        <p:txBody>
-          <a:bodyPr/>
-          <a:lstStyle/>
-          <a:p>
-            <a:r>
-              <a:rPr lang="en-US"/>
-              <a:t>Vue For SPA Development</a:t>
-            </a:r>
-          </a:p>
-        </p:txBody>
-      </p:sp>
-      <p:sp>
-        <p:nvSpPr>
-          <p:cNvPr id="3" name="Content Placeholder 2">
-            <a:extLst>
-              <a:ext uri="{FF2B5EF4-FFF2-40B4-BE49-F238E27FC236}">
-                <a16:creationId xmlns:a16="http://schemas.microsoft.com/office/drawing/2014/main" id="{1E234C83-4766-49C5-A079-7CF7FCEAC37C}"/>
-              </a:ext>
-            </a:extLst>
-          </p:cNvPr>
-          <p:cNvSpPr>
-            <a:spLocks noGrp="1"/>
-          </p:cNvSpPr>
-          <p:nvPr>
-            <p:ph idx="1"/>
-          </p:nvPr>
-        </p:nvSpPr>
-        <p:spPr/>
-        <p:txBody>
-          <a:bodyPr/>
-          <a:lstStyle/>
-          <a:p>
-            <a:r>
-              <a:rPr lang="en-US"/>
-              <a:t>Same Concepts - more Features than StandAlone</a:t>
-            </a:r>
-          </a:p>
-          <a:p>
-            <a:pPr lvl="1"/>
-            <a:r>
-              <a:rPr lang="en-US"/>
-              <a:t>Full Framework</a:t>
-            </a:r>
-          </a:p>
-          <a:p>
-            <a:pPr lvl="1"/>
-            <a:r>
-              <a:rPr lang="en-US"/>
-              <a:t>Routing Support</a:t>
-            </a:r>
-          </a:p>
-          <a:p>
-            <a:pPr lvl="1"/>
-            <a:r>
-              <a:rPr lang="en-US"/>
-              <a:t>Using ES 2016+ or Typescript (through transpilation)</a:t>
-            </a:r>
-          </a:p>
-          <a:p>
-            <a:pPr lvl="1"/>
-            <a:r>
-              <a:rPr lang="en-US"/>
-              <a:t>Web Components Support</a:t>
-            </a:r>
-          </a:p>
-          <a:p>
-            <a:r>
-              <a:rPr lang="en-US"/>
-              <a:t>Fast Dev Cycle</a:t>
-            </a:r>
-          </a:p>
-          <a:p>
-            <a:pPr lvl="1"/>
-            <a:r>
-              <a:rPr lang="en-US"/>
-              <a:t>Live Reload and Live Debugging</a:t>
-            </a:r>
-          </a:p>
-          <a:p>
-            <a:pPr lvl="1"/>
-            <a:r>
-              <a:rPr lang="en-US"/>
-              <a:t>See your changes as you work!</a:t>
-            </a:r>
-          </a:p>
-          <a:p>
-            <a:r>
-              <a:rPr lang="en-US"/>
-              <a:t>Focus on Component Development</a:t>
-            </a:r>
-          </a:p>
-          <a:p>
-            <a:pPr lvl="1"/>
-            <a:r>
-              <a:rPr lang="en-US"/>
-              <a:t>Each .vue file is a self contained Component</a:t>
-            </a:r>
-          </a:p>
-          <a:p>
-            <a:pPr lvl="1"/>
-            <a:r>
-              <a:rPr lang="en-US"/>
-              <a:t>Dependency access via JavaScript Module Loading</a:t>
-            </a:r>
-          </a:p>
-          <a:p>
-            <a:pPr lvl="1"/>
-            <a:r>
-              <a:rPr lang="en-US"/>
-              <a:t>Ideally break down logic into small re-usable components</a:t>
-            </a:r>
-          </a:p>
-          <a:p>
-            <a:pPr lvl="1"/>
-            <a:r>
-              <a:rPr lang="en-US"/>
-              <a:t>Components are small and easy to maintain</a:t>
-            </a:r>
-          </a:p>
-          <a:p>
-            <a:endParaRPr lang="en-US"/>
-          </a:p>
-          <a:p>
-            <a:pPr lvl="1"/>
-            <a:endParaRPr lang="en-US"/>
-          </a:p>
-          <a:p>
-            <a:endParaRPr lang="en-US"/>
-          </a:p>
-        </p:txBody>
-      </p:sp>
-      <p:pic>
-        <p:nvPicPr>
-          <p:cNvPr id="4" name="Picture 3">
-            <a:extLst>
-              <a:ext uri="{FF2B5EF4-FFF2-40B4-BE49-F238E27FC236}">
-                <a16:creationId xmlns:a16="http://schemas.microsoft.com/office/drawing/2014/main" id="{E1611EED-E127-4F8C-AFF6-25C3CFFE4279}"/>
-              </a:ext>
-            </a:extLst>
-          </p:cNvPr>
-          <p:cNvPicPr>
-            <a:picLocks noChangeAspect="1"/>
-          </p:cNvPicPr>
-          <p:nvPr/>
-        </p:nvPicPr>
-        <p:blipFill>
-          <a:blip r:embed="rId2"/>
-          <a:stretch>
-            <a:fillRect/>
-          </a:stretch>
-        </p:blipFill>
-        <p:spPr>
-          <a:xfrm flipH="1">
-            <a:off x="120595" y="6191250"/>
-            <a:ext cx="571610" cy="495300"/>
-          </a:xfrm>
-          <a:prstGeom prst="rect">
-            <a:avLst/>
-          </a:prstGeom>
-        </p:spPr>
-      </p:pic>
-    </p:spTree>
-    <p:extLst>
-      <p:ext uri="{BB962C8B-B14F-4D97-AF65-F5344CB8AC3E}">
-        <p14:creationId xmlns:p14="http://schemas.microsoft.com/office/powerpoint/2010/main" val="565550889"/>
-      </p:ext>
-    </p:extLst>
-  </p:cSld>
-  <p:clrMapOvr>
-    <a:masterClrMapping/>
-  </p:clrMapOvr>
-  <p:transition>
-    <p:wipe/>
-  </p:transition>
-</p:sld>
-</file>
-
-<file path=ppt/slides/slide17.xml><?xml version="1.0" encoding="utf-8"?>
-<p:sld xmlns:a="http://schemas.openxmlformats.org/drawingml/2006/main" xmlns:r="http://schemas.openxmlformats.org/officeDocument/2006/relationships" xmlns:p="http://schemas.openxmlformats.org/presentationml/2006/main">
-  <p:cSld>
-    <p:spTree>
-      <p:nvGrpSpPr>
-        <p:cNvPr id="1" name=""/>
-        <p:cNvGrpSpPr/>
-        <p:nvPr/>
-      </p:nvGrpSpPr>
-      <p:grpSpPr>
-        <a:xfrm>
-          <a:off x="0" y="0"/>
-          <a:ext cx="0" cy="0"/>
-          <a:chOff x="0" y="0"/>
-          <a:chExt cx="0" cy="0"/>
-        </a:xfrm>
-      </p:grpSpPr>
-      <p:sp>
-        <p:nvSpPr>
-          <p:cNvPr id="4" name="Title 3">
-            <a:extLst>
-              <a:ext uri="{FF2B5EF4-FFF2-40B4-BE49-F238E27FC236}">
-                <a16:creationId xmlns:a16="http://schemas.microsoft.com/office/drawing/2014/main" id="{54FC7C96-9489-4E33-A639-18240CDA0522}"/>
-              </a:ext>
-            </a:extLst>
-          </p:cNvPr>
-          <p:cNvSpPr>
-            <a:spLocks noGrp="1"/>
-          </p:cNvSpPr>
-          <p:nvPr>
-            <p:ph type="ctrTitle"/>
-          </p:nvPr>
-        </p:nvSpPr>
-        <p:spPr>
-          <a:xfrm>
-            <a:off x="1676400" y="1600201"/>
-            <a:ext cx="10414000" cy="1470025"/>
-          </a:xfrm>
-        </p:spPr>
-        <p:txBody>
-          <a:bodyPr/>
-          <a:lstStyle/>
-          <a:p>
-            <a:r>
-              <a:rPr lang="en-US"/>
-              <a:t>Serving Data from FoxPro</a:t>
-            </a:r>
-            <a:br>
-              <a:rPr lang="en-US"/>
-            </a:br>
-            <a:r>
-              <a:rPr lang="en-US" sz="2400"/>
-              <a:t>with Web Connection JSON REST Services</a:t>
-            </a:r>
-            <a:br>
-              <a:rPr lang="en-US" sz="2800"/>
-            </a:br>
-            <a:endParaRPr lang="en-US" sz="3600"/>
-          </a:p>
-        </p:txBody>
-      </p:sp>
-      <p:sp>
-        <p:nvSpPr>
-          <p:cNvPr id="5" name="Subtitle 4">
-            <a:extLst>
-              <a:ext uri="{FF2B5EF4-FFF2-40B4-BE49-F238E27FC236}">
-                <a16:creationId xmlns:a16="http://schemas.microsoft.com/office/drawing/2014/main" id="{789E481E-35BA-40AE-A7F5-8FCC0D770C4C}"/>
-              </a:ext>
-            </a:extLst>
-          </p:cNvPr>
-          <p:cNvSpPr>
-            <a:spLocks noGrp="1"/>
-          </p:cNvSpPr>
-          <p:nvPr>
-            <p:ph type="subTitle" idx="1"/>
-          </p:nvPr>
-        </p:nvSpPr>
-        <p:spPr>
-          <a:xfrm>
-            <a:off x="3556000" y="3392557"/>
-            <a:ext cx="8534400" cy="1752600"/>
-          </a:xfrm>
-        </p:spPr>
-        <p:txBody>
-          <a:bodyPr/>
-          <a:lstStyle/>
-          <a:p>
-            <a:r>
-              <a:rPr lang="en-US"/>
-              <a:t>server side implementation</a:t>
-            </a:r>
-          </a:p>
-        </p:txBody>
-      </p:sp>
-    </p:spTree>
-    <p:extLst>
-      <p:ext uri="{BB962C8B-B14F-4D97-AF65-F5344CB8AC3E}">
-        <p14:creationId xmlns:p14="http://schemas.microsoft.com/office/powerpoint/2010/main" val="4232878762"/>
-      </p:ext>
-    </p:extLst>
-  </p:cSld>
-  <p:clrMapOvr>
-    <a:masterClrMapping/>
-  </p:clrMapOvr>
-  <p:transition>
-    <p:wipe/>
-  </p:transition>
-</p:sld>
-</file>
-
-<file path=ppt/slides/slide18.xml><?xml version="1.0" encoding="utf-8"?>
-<p:sld xmlns:a="http://schemas.openxmlformats.org/drawingml/2006/main" xmlns:r="http://schemas.openxmlformats.org/officeDocument/2006/relationships" xmlns:p="http://schemas.openxmlformats.org/presentationml/2006/main">
-  <p:cSld>
-    <p:spTree>
-      <p:nvGrpSpPr>
-        <p:cNvPr id="1" name=""/>
-        <p:cNvGrpSpPr/>
-        <p:nvPr/>
-      </p:nvGrpSpPr>
-      <p:grpSpPr>
-        <a:xfrm>
-          <a:off x="0" y="0"/>
-          <a:ext cx="0" cy="0"/>
-          <a:chOff x="0" y="0"/>
-          <a:chExt cx="0" cy="0"/>
-        </a:xfrm>
-      </p:grpSpPr>
-      <p:sp>
-        <p:nvSpPr>
-          <p:cNvPr id="2" name="Text Placeholder 1">
-            <a:extLst>
-              <a:ext uri="{FF2B5EF4-FFF2-40B4-BE49-F238E27FC236}">
-                <a16:creationId xmlns:a16="http://schemas.microsoft.com/office/drawing/2014/main" id="{18258FE4-0426-4DE3-802F-8A6B49671496}"/>
-              </a:ext>
-            </a:extLst>
-          </p:cNvPr>
-          <p:cNvSpPr>
-            <a:spLocks noGrp="1"/>
-          </p:cNvSpPr>
-          <p:nvPr>
-            <p:ph type="body" idx="1"/>
-          </p:nvPr>
-        </p:nvSpPr>
-        <p:spPr>
-          <a:xfrm>
-            <a:off x="-9787" y="876300"/>
-            <a:ext cx="11480800" cy="5105400"/>
-          </a:xfrm>
-        </p:spPr>
-        <p:txBody>
-          <a:bodyPr/>
-          <a:lstStyle/>
-          <a:p>
-            <a:r>
-              <a:rPr lang="en-US" sz="1800"/>
-              <a:t>wwRestService</a:t>
-            </a:r>
-          </a:p>
-          <a:p>
-            <a:pPr lvl="1"/>
-            <a:r>
-              <a:rPr lang="en-US" sz="1400"/>
-              <a:t>Web Connection Process Class Implementation</a:t>
-            </a:r>
-          </a:p>
-          <a:p>
-            <a:pPr lvl="1"/>
-            <a:r>
-              <a:rPr lang="en-US" sz="1400"/>
-              <a:t>Routes JSON requests to Process Methods</a:t>
-            </a:r>
-          </a:p>
-          <a:p>
-            <a:pPr lvl="1"/>
-            <a:r>
-              <a:rPr lang="en-US" sz="1400"/>
-              <a:t>Deserializes JSON input as FoxPro parameter</a:t>
-            </a:r>
-          </a:p>
-          <a:p>
-            <a:pPr lvl="1"/>
-            <a:r>
-              <a:rPr lang="en-US" sz="1400"/>
-              <a:t>Seriales return value as JSON output</a:t>
-            </a:r>
-          </a:p>
-          <a:p>
-            <a:pPr lvl="1"/>
-            <a:r>
-              <a:rPr lang="en-US" sz="1400"/>
-              <a:t>Handles errors and returns JSON error info</a:t>
-            </a:r>
-          </a:p>
-          <a:p>
-            <a:r>
-              <a:rPr lang="en-US" sz="1800"/>
-              <a:t>JSON Processing</a:t>
-            </a:r>
-          </a:p>
-          <a:p>
-            <a:pPr lvl="1"/>
-            <a:r>
-              <a:rPr lang="en-US" sz="1400"/>
-              <a:t>Parses incoming JSON to an object</a:t>
-            </a:r>
-          </a:p>
-          <a:p>
-            <a:pPr lvl="1"/>
-            <a:r>
-              <a:rPr lang="en-US" sz="1400"/>
-              <a:t>Calls a method </a:t>
-            </a:r>
-          </a:p>
-          <a:p>
-            <a:pPr lvl="1"/>
-            <a:r>
-              <a:rPr lang="en-US" sz="1400"/>
-              <a:t>Captures result from the method</a:t>
-            </a:r>
-          </a:p>
-          <a:p>
-            <a:pPr lvl="1"/>
-            <a:r>
-              <a:rPr lang="en-US" sz="1400"/>
-              <a:t>Serializes the result</a:t>
-            </a:r>
-          </a:p>
-          <a:p>
-            <a:r>
-              <a:rPr lang="en-US" sz="1800"/>
-              <a:t>JSON Results</a:t>
-            </a:r>
-          </a:p>
-          <a:p>
-            <a:pPr lvl="1"/>
-            <a:r>
-              <a:rPr lang="en-US" sz="1400"/>
-              <a:t>Return any FoxPro value</a:t>
-            </a:r>
-          </a:p>
-          <a:p>
-            <a:pPr lvl="1"/>
-            <a:r>
-              <a:rPr lang="en-US" sz="1400"/>
-              <a:t>Simple Values</a:t>
-            </a:r>
-          </a:p>
-          <a:p>
-            <a:pPr lvl="1"/>
-            <a:r>
-              <a:rPr lang="en-US" sz="1400"/>
-              <a:t>Objects and Collections</a:t>
-            </a:r>
-          </a:p>
-          <a:p>
-            <a:pPr lvl="1"/>
-            <a:r>
-              <a:rPr lang="en-US" sz="1400"/>
-              <a:t>FoxPro cursors</a:t>
-            </a:r>
-          </a:p>
-        </p:txBody>
-      </p:sp>
-      <p:sp>
-        <p:nvSpPr>
-          <p:cNvPr id="3" name="Title 2">
-            <a:extLst>
-              <a:ext uri="{FF2B5EF4-FFF2-40B4-BE49-F238E27FC236}">
-                <a16:creationId xmlns:a16="http://schemas.microsoft.com/office/drawing/2014/main" id="{4AD73A17-07FC-473E-AD2F-58E12B12B6A6}"/>
-              </a:ext>
-            </a:extLst>
-          </p:cNvPr>
-          <p:cNvSpPr>
-            <a:spLocks noGrp="1"/>
-          </p:cNvSpPr>
-          <p:nvPr>
-            <p:ph type="title"/>
-          </p:nvPr>
-        </p:nvSpPr>
-        <p:spPr/>
-        <p:txBody>
-          <a:bodyPr/>
-          <a:lstStyle/>
-          <a:p>
-            <a:r>
-              <a:rPr lang="en-US" sz="2400"/>
-              <a:t>wwRestService – JSON Processing</a:t>
-            </a:r>
-          </a:p>
-        </p:txBody>
-      </p:sp>
-      <p:pic>
-        <p:nvPicPr>
-          <p:cNvPr id="4" name="Picture 3">
-            <a:extLst>
-              <a:ext uri="{FF2B5EF4-FFF2-40B4-BE49-F238E27FC236}">
-                <a16:creationId xmlns:a16="http://schemas.microsoft.com/office/drawing/2014/main" id="{ECB4FCAB-BFD0-4B68-B9C7-CBAB0E08D23D}"/>
-              </a:ext>
-            </a:extLst>
-          </p:cNvPr>
-          <p:cNvPicPr>
-            <a:picLocks noChangeAspect="1"/>
-          </p:cNvPicPr>
-          <p:nvPr/>
-        </p:nvPicPr>
-        <p:blipFill>
-          <a:blip r:embed="rId2"/>
-          <a:stretch>
-            <a:fillRect/>
-          </a:stretch>
-        </p:blipFill>
-        <p:spPr>
-          <a:xfrm>
-            <a:off x="6400800" y="-19318"/>
-            <a:ext cx="5791200" cy="6877318"/>
-          </a:xfrm>
-          <a:prstGeom prst="rect">
-            <a:avLst/>
-          </a:prstGeom>
-        </p:spPr>
-      </p:pic>
-    </p:spTree>
-    <p:extLst>
-      <p:ext uri="{BB962C8B-B14F-4D97-AF65-F5344CB8AC3E}">
-        <p14:creationId xmlns:p14="http://schemas.microsoft.com/office/powerpoint/2010/main" val="974417694"/>
-      </p:ext>
-    </p:extLst>
-  </p:cSld>
-  <p:clrMapOvr>
-    <a:masterClrMapping/>
-  </p:clrMapOvr>
-  <p:transition>
-    <p:wipe/>
-  </p:transition>
-</p:sld>
-</file>
-
-<file path=ppt/slides/slide19.xml><?xml version="1.0" encoding="utf-8"?>
-<p:sld xmlns:a="http://schemas.openxmlformats.org/drawingml/2006/main" xmlns:r="http://schemas.openxmlformats.org/officeDocument/2006/relationships" xmlns:p="http://schemas.openxmlformats.org/presentationml/2006/main">
-  <p:cSld>
-    <p:spTree>
-      <p:nvGrpSpPr>
-        <p:cNvPr id="1" name=""/>
-        <p:cNvGrpSpPr/>
-        <p:nvPr/>
-      </p:nvGrpSpPr>
-      <p:grpSpPr>
-        <a:xfrm>
-          <a:off x="0" y="0"/>
-          <a:ext cx="0" cy="0"/>
-          <a:chOff x="0" y="0"/>
-          <a:chExt cx="0" cy="0"/>
-        </a:xfrm>
-      </p:grpSpPr>
-      <p:sp>
-        <p:nvSpPr>
-          <p:cNvPr id="2" name="Text Placeholder 1">
-            <a:extLst>
-              <a:ext uri="{FF2B5EF4-FFF2-40B4-BE49-F238E27FC236}">
-                <a16:creationId xmlns:a16="http://schemas.microsoft.com/office/drawing/2014/main" id="{2E529B49-4116-48C9-A402-937AD7F2F49F}"/>
-              </a:ext>
-            </a:extLst>
-          </p:cNvPr>
-          <p:cNvSpPr>
-            <a:spLocks noGrp="1"/>
-          </p:cNvSpPr>
-          <p:nvPr>
-            <p:ph type="body" idx="1"/>
-          </p:nvPr>
-        </p:nvSpPr>
-        <p:spPr>
-          <a:xfrm>
-            <a:off x="152400" y="1066800"/>
-            <a:ext cx="8839200" cy="5105400"/>
-          </a:xfrm>
-        </p:spPr>
-        <p:txBody>
-          <a:bodyPr/>
-          <a:lstStyle/>
-          <a:p>
-            <a:r>
-              <a:rPr lang="en-US" sz="2400"/>
-              <a:t>Use the New Project/Process Wizard</a:t>
-            </a:r>
-          </a:p>
-          <a:p>
-            <a:pPr lvl="1"/>
-            <a:r>
-              <a:rPr lang="en-US"/>
-              <a:t>Creates a new Project or Process class</a:t>
-            </a:r>
-          </a:p>
-          <a:p>
-            <a:pPr lvl="1"/>
-            <a:r>
-              <a:rPr lang="en-US"/>
-              <a:t>Attaches it to an existing application</a:t>
-            </a:r>
-          </a:p>
-        </p:txBody>
-      </p:sp>
-      <p:sp>
-        <p:nvSpPr>
-          <p:cNvPr id="3" name="Title 2">
-            <a:extLst>
-              <a:ext uri="{FF2B5EF4-FFF2-40B4-BE49-F238E27FC236}">
-                <a16:creationId xmlns:a16="http://schemas.microsoft.com/office/drawing/2014/main" id="{E554694C-D702-4352-829A-2EFC99DD97AD}"/>
-              </a:ext>
-            </a:extLst>
-          </p:cNvPr>
-          <p:cNvSpPr>
-            <a:spLocks noGrp="1"/>
-          </p:cNvSpPr>
-          <p:nvPr>
-            <p:ph type="title"/>
-          </p:nvPr>
-        </p:nvSpPr>
-        <p:spPr/>
-        <p:txBody>
-          <a:bodyPr/>
-          <a:lstStyle/>
-          <a:p>
-            <a:r>
-              <a:rPr lang="en-US"/>
-              <a:t>Creating REST Services</a:t>
-            </a:r>
-          </a:p>
-        </p:txBody>
-      </p:sp>
-      <p:pic>
-        <p:nvPicPr>
-          <p:cNvPr id="5" name="Picture 4">
-            <a:extLst>
-              <a:ext uri="{FF2B5EF4-FFF2-40B4-BE49-F238E27FC236}">
-                <a16:creationId xmlns:a16="http://schemas.microsoft.com/office/drawing/2014/main" id="{0F9E1F0D-94B2-451F-A549-68CD38A94724}"/>
-              </a:ext>
-            </a:extLst>
-          </p:cNvPr>
-          <p:cNvPicPr>
-            <a:picLocks noChangeAspect="1"/>
-          </p:cNvPicPr>
-          <p:nvPr/>
-        </p:nvPicPr>
-        <p:blipFill>
-          <a:blip r:embed="rId2"/>
-          <a:stretch>
-            <a:fillRect/>
-          </a:stretch>
-        </p:blipFill>
-        <p:spPr>
-          <a:xfrm>
-            <a:off x="1066800" y="2267438"/>
-            <a:ext cx="5828571" cy="3904762"/>
-          </a:xfrm>
-          <a:prstGeom prst="rect">
-            <a:avLst/>
-          </a:prstGeom>
-        </p:spPr>
-      </p:pic>
-    </p:spTree>
-    <p:extLst>
-      <p:ext uri="{BB962C8B-B14F-4D97-AF65-F5344CB8AC3E}">
-        <p14:creationId xmlns:p14="http://schemas.microsoft.com/office/powerpoint/2010/main" val="1032587597"/>
-      </p:ext>
-    </p:extLst>
-  </p:cSld>
-  <p:clrMapOvr>
-    <a:masterClrMapping/>
-  </p:clrMapOvr>
-  <p:transition>
-    <p:wipe/>
-  </p:transition>
-</p:sld>
-</file>
-
 <file path=ppt/slides/slide2.xml><?xml version="1.0" encoding="utf-8"?>
-<p:sld xmlns:a="http://schemas.openxmlformats.org/drawingml/2006/main" xmlns:r="http://schemas.openxmlformats.org/officeDocument/2006/relationships" xmlns:p="http://schemas.openxmlformats.org/presentationml/2006/main">
-  <p:cSld>
-    <p:spTree>
-      <p:nvGrpSpPr>
-        <p:cNvPr id="1" name=""/>
-        <p:cNvGrpSpPr/>
-        <p:nvPr/>
-      </p:nvGrpSpPr>
-      <p:grpSpPr>
-        <a:xfrm>
-          <a:off x="0" y="0"/>
-          <a:ext cx="0" cy="0"/>
-          <a:chOff x="0" y="0"/>
-          <a:chExt cx="0" cy="0"/>
-        </a:xfrm>
-      </p:grpSpPr>
-      <p:sp>
-        <p:nvSpPr>
-          <p:cNvPr id="4" name="Title 3">
-            <a:extLst>
-              <a:ext uri="{FF2B5EF4-FFF2-40B4-BE49-F238E27FC236}">
-                <a16:creationId xmlns:a16="http://schemas.microsoft.com/office/drawing/2014/main" id="{984A522C-AFD0-467A-8AA7-F82F6A1E89BF}"/>
-              </a:ext>
-            </a:extLst>
-          </p:cNvPr>
-          <p:cNvSpPr>
-            <a:spLocks noGrp="1"/>
-          </p:cNvSpPr>
-          <p:nvPr>
-            <p:ph type="title"/>
-          </p:nvPr>
-        </p:nvSpPr>
-        <p:spPr>
-          <a:xfrm>
-            <a:off x="576943" y="274638"/>
-            <a:ext cx="10972800" cy="639762"/>
-          </a:xfrm>
-        </p:spPr>
-        <p:txBody>
-          <a:bodyPr/>
-          <a:lstStyle/>
-          <a:p>
-            <a:r>
-              <a:rPr lang="en-US"/>
-              <a:t>Server Side or Client Side?</a:t>
-            </a:r>
-          </a:p>
-        </p:txBody>
-      </p:sp>
-      <p:sp>
-        <p:nvSpPr>
-          <p:cNvPr id="5" name="Text Placeholder 4">
-            <a:extLst>
-              <a:ext uri="{FF2B5EF4-FFF2-40B4-BE49-F238E27FC236}">
-                <a16:creationId xmlns:a16="http://schemas.microsoft.com/office/drawing/2014/main" id="{E3045C6B-3474-41D7-9A6A-294EB52E7BD8}"/>
-              </a:ext>
-            </a:extLst>
-          </p:cNvPr>
-          <p:cNvSpPr>
-            <a:spLocks noGrp="1"/>
-          </p:cNvSpPr>
-          <p:nvPr>
-            <p:ph type="body" idx="1"/>
-          </p:nvPr>
-        </p:nvSpPr>
-        <p:spPr>
-          <a:xfrm>
-            <a:off x="609600" y="1360714"/>
-            <a:ext cx="5386917" cy="639762"/>
-          </a:xfrm>
-        </p:spPr>
-        <p:txBody>
-          <a:bodyPr/>
-          <a:lstStyle/>
-          <a:p>
-            <a:r>
-              <a:rPr lang="en-US">
-                <a:solidFill>
-                  <a:srgbClr val="FFFFCC"/>
-                </a:solidFill>
-              </a:rPr>
-              <a:t>Server Side</a:t>
-            </a:r>
-          </a:p>
-        </p:txBody>
-      </p:sp>
-      <p:sp>
-        <p:nvSpPr>
-          <p:cNvPr id="6" name="Content Placeholder 5">
-            <a:extLst>
-              <a:ext uri="{FF2B5EF4-FFF2-40B4-BE49-F238E27FC236}">
-                <a16:creationId xmlns:a16="http://schemas.microsoft.com/office/drawing/2014/main" id="{679E5475-3D2F-4A7E-8ABB-08EA4062869B}"/>
-              </a:ext>
-            </a:extLst>
-          </p:cNvPr>
-          <p:cNvSpPr>
-            <a:spLocks noGrp="1"/>
-          </p:cNvSpPr>
-          <p:nvPr>
-            <p:ph sz="half" idx="2"/>
-          </p:nvPr>
-        </p:nvSpPr>
-        <p:spPr>
-          <a:xfrm>
-            <a:off x="609600" y="2057400"/>
-            <a:ext cx="5386917" cy="4088267"/>
-          </a:xfrm>
-        </p:spPr>
-        <p:txBody>
-          <a:bodyPr/>
-          <a:lstStyle/>
-          <a:p>
-            <a:r>
-              <a:rPr lang="en-US" sz="1800"/>
-              <a:t>Content Heavy</a:t>
-            </a:r>
-          </a:p>
-          <a:p>
-            <a:r>
-              <a:rPr lang="en-US" sz="1800"/>
-              <a:t>Highly indexed content (SEO)</a:t>
-            </a:r>
-          </a:p>
-          <a:p>
-            <a:r>
-              <a:rPr lang="en-US" sz="1800"/>
-              <a:t>Simple data entry </a:t>
-            </a:r>
-          </a:p>
-          <a:p>
-            <a:r>
-              <a:rPr lang="en-US" sz="1800"/>
-              <a:t>Single focus operations</a:t>
-            </a:r>
-          </a:p>
-          <a:p>
-            <a:r>
-              <a:rPr lang="en-US" sz="1800"/>
-              <a:t>Server side tends to be easier to build</a:t>
-            </a:r>
-          </a:p>
-          <a:p>
-            <a:endParaRPr lang="en-US" sz="1800"/>
-          </a:p>
-          <a:p>
-            <a:pPr marL="0" indent="0">
-              <a:buNone/>
-            </a:pPr>
-            <a:r>
-              <a:rPr lang="en-US" sz="1800" b="1"/>
-              <a:t>Examples:</a:t>
-            </a:r>
-          </a:p>
-          <a:p>
-            <a:r>
-              <a:rPr lang="en-US" sz="1800"/>
-              <a:t>E-commerce Sites</a:t>
-            </a:r>
-          </a:p>
-          <a:p>
-            <a:r>
-              <a:rPr lang="en-US" sz="1800"/>
-              <a:t>Message Boards</a:t>
-            </a:r>
-          </a:p>
-          <a:p>
-            <a:r>
-              <a:rPr lang="en-US" sz="1800"/>
-              <a:t>Site Administration</a:t>
-            </a:r>
-          </a:p>
-          <a:p>
-            <a:r>
-              <a:rPr lang="en-US" sz="1800"/>
-              <a:t>Reporting Sites</a:t>
-            </a:r>
-          </a:p>
-          <a:p>
-            <a:r>
-              <a:rPr lang="en-US" sz="1800"/>
-              <a:t>Simple management interfaces</a:t>
-            </a:r>
-          </a:p>
-          <a:p>
-            <a:endParaRPr lang="en-US" sz="1800"/>
-          </a:p>
-          <a:p>
-            <a:endParaRPr lang="en-US" sz="1800"/>
-          </a:p>
-          <a:p>
-            <a:endParaRPr lang="en-US" sz="1800"/>
-          </a:p>
-        </p:txBody>
-      </p:sp>
-      <p:sp>
-        <p:nvSpPr>
-          <p:cNvPr id="7" name="Text Placeholder 6">
-            <a:extLst>
-              <a:ext uri="{FF2B5EF4-FFF2-40B4-BE49-F238E27FC236}">
-                <a16:creationId xmlns:a16="http://schemas.microsoft.com/office/drawing/2014/main" id="{EECB0D62-F759-48CE-B505-6E055C0FC151}"/>
-              </a:ext>
-            </a:extLst>
-          </p:cNvPr>
-          <p:cNvSpPr>
-            <a:spLocks noGrp="1"/>
-          </p:cNvSpPr>
-          <p:nvPr>
-            <p:ph type="body" sz="quarter" idx="3"/>
-          </p:nvPr>
-        </p:nvSpPr>
-        <p:spPr>
-          <a:xfrm>
-            <a:off x="5638800" y="1389176"/>
-            <a:ext cx="5389033" cy="639762"/>
-          </a:xfrm>
-        </p:spPr>
-        <p:txBody>
-          <a:bodyPr/>
-          <a:lstStyle/>
-          <a:p>
-            <a:r>
-              <a:rPr lang="en-US">
-                <a:solidFill>
-                  <a:srgbClr val="FFFFCC"/>
-                </a:solidFill>
-              </a:rPr>
-              <a:t>Single Page App</a:t>
-            </a:r>
-          </a:p>
-        </p:txBody>
-      </p:sp>
-      <p:sp>
-        <p:nvSpPr>
-          <p:cNvPr id="8" name="Content Placeholder 7">
-            <a:extLst>
-              <a:ext uri="{FF2B5EF4-FFF2-40B4-BE49-F238E27FC236}">
-                <a16:creationId xmlns:a16="http://schemas.microsoft.com/office/drawing/2014/main" id="{08D97AF6-E70E-42B4-BD06-BCD75C41B2C5}"/>
-              </a:ext>
-            </a:extLst>
-          </p:cNvPr>
-          <p:cNvSpPr>
-            <a:spLocks noGrp="1"/>
-          </p:cNvSpPr>
-          <p:nvPr>
-            <p:ph sz="quarter" idx="4"/>
-          </p:nvPr>
-        </p:nvSpPr>
-        <p:spPr>
-          <a:xfrm>
-            <a:off x="5638800" y="2057400"/>
-            <a:ext cx="5389033" cy="4088267"/>
-          </a:xfrm>
-        </p:spPr>
-        <p:txBody>
-          <a:bodyPr/>
-          <a:lstStyle/>
-          <a:p>
-            <a:r>
-              <a:rPr lang="en-US" sz="1800"/>
-              <a:t>Highly interactive Apps</a:t>
-            </a:r>
-          </a:p>
-          <a:p>
-            <a:r>
-              <a:rPr lang="en-US" sz="1800"/>
-              <a:t>Dynamic data</a:t>
-            </a:r>
-          </a:p>
-          <a:p>
-            <a:r>
-              <a:rPr lang="en-US" sz="1800"/>
-              <a:t>Lots of data entry</a:t>
-            </a:r>
-          </a:p>
-          <a:p>
-            <a:r>
-              <a:rPr lang="en-US" sz="1800"/>
-              <a:t>Many components on a single page</a:t>
-            </a:r>
-          </a:p>
-          <a:p>
-            <a:r>
-              <a:rPr lang="en-US" sz="1800"/>
-              <a:t>Client side tends to be more complex</a:t>
-            </a:r>
-          </a:p>
-          <a:p>
-            <a:endParaRPr lang="en-US" sz="1800"/>
-          </a:p>
-          <a:p>
-            <a:pPr marL="0" indent="0">
-              <a:buNone/>
-            </a:pPr>
-            <a:r>
-              <a:rPr lang="en-US" sz="1800" b="1"/>
-              <a:t>Examples:</a:t>
-            </a:r>
-          </a:p>
-          <a:p>
-            <a:r>
-              <a:rPr lang="en-US" sz="1800"/>
-              <a:t>Insurance claim forms (lots of fields)</a:t>
-            </a:r>
-          </a:p>
-          <a:p>
-            <a:r>
-              <a:rPr lang="en-US" sz="1800"/>
-              <a:t>Auto-parts management (dynamic)</a:t>
-            </a:r>
-          </a:p>
-          <a:p>
-            <a:r>
-              <a:rPr lang="en-US" sz="1800"/>
-              <a:t>Dashboards</a:t>
-            </a:r>
-          </a:p>
-          <a:p>
-            <a:r>
-              <a:rPr lang="en-US" sz="1800"/>
-              <a:t>Games</a:t>
-            </a:r>
-          </a:p>
-          <a:p>
-            <a:r>
-              <a:rPr lang="en-US" sz="1800"/>
-              <a:t>Desktop Replacements</a:t>
-            </a:r>
-          </a:p>
-          <a:p>
-            <a:r>
-              <a:rPr lang="en-US" sz="1800"/>
-              <a:t>Streaming content</a:t>
-            </a:r>
-          </a:p>
-        </p:txBody>
-      </p:sp>
-    </p:spTree>
-    <p:extLst>
-      <p:ext uri="{BB962C8B-B14F-4D97-AF65-F5344CB8AC3E}">
-        <p14:creationId xmlns:p14="http://schemas.microsoft.com/office/powerpoint/2010/main" val="2920339441"/>
-      </p:ext>
-    </p:extLst>
-  </p:cSld>
-  <p:clrMapOvr>
-    <a:masterClrMapping/>
-  </p:clrMapOvr>
-  <p:transition>
-    <p:wipe/>
-  </p:transition>
-</p:sld>
-</file>
-
-<file path=ppt/slides/slide20.xml><?xml version="1.0" encoding="utf-8"?>
-<p:sld xmlns:a="http://schemas.openxmlformats.org/drawingml/2006/main" xmlns:r="http://schemas.openxmlformats.org/officeDocument/2006/relationships" xmlns:p="http://schemas.openxmlformats.org/presentationml/2006/main">
-  <p:cSld>
-    <p:spTree>
-      <p:nvGrpSpPr>
-        <p:cNvPr id="1" name=""/>
-        <p:cNvGrpSpPr/>
-        <p:nvPr/>
-      </p:nvGrpSpPr>
-      <p:grpSpPr>
-        <a:xfrm>
-          <a:off x="0" y="0"/>
-          <a:ext cx="0" cy="0"/>
-          <a:chOff x="0" y="0"/>
-          <a:chExt cx="0" cy="0"/>
-        </a:xfrm>
-      </p:grpSpPr>
-      <p:pic>
-        <p:nvPicPr>
-          <p:cNvPr id="4" name="Picture 3">
-            <a:extLst>
-              <a:ext uri="{FF2B5EF4-FFF2-40B4-BE49-F238E27FC236}">
-                <a16:creationId xmlns:a16="http://schemas.microsoft.com/office/drawing/2014/main" id="{7DBEEDB8-022C-4B6D-B152-57006B522EE6}"/>
-              </a:ext>
-            </a:extLst>
-          </p:cNvPr>
-          <p:cNvPicPr>
-            <a:picLocks noChangeAspect="1"/>
-          </p:cNvPicPr>
-          <p:nvPr/>
-        </p:nvPicPr>
-        <p:blipFill>
-          <a:blip r:embed="rId2"/>
-          <a:stretch>
-            <a:fillRect/>
-          </a:stretch>
-        </p:blipFill>
-        <p:spPr>
-          <a:xfrm>
-            <a:off x="3024809" y="1079090"/>
-            <a:ext cx="9144000" cy="5309419"/>
-          </a:xfrm>
-          <a:prstGeom prst="rect">
-            <a:avLst/>
-          </a:prstGeom>
-        </p:spPr>
-      </p:pic>
-      <p:sp>
-        <p:nvSpPr>
-          <p:cNvPr id="3" name="Title 2">
-            <a:extLst>
-              <a:ext uri="{FF2B5EF4-FFF2-40B4-BE49-F238E27FC236}">
-                <a16:creationId xmlns:a16="http://schemas.microsoft.com/office/drawing/2014/main" id="{95DED0C5-0E71-4BF1-BA8A-36BF9638224D}"/>
-              </a:ext>
-            </a:extLst>
-          </p:cNvPr>
-          <p:cNvSpPr>
-            <a:spLocks noGrp="1"/>
-          </p:cNvSpPr>
-          <p:nvPr>
-            <p:ph type="title"/>
-          </p:nvPr>
-        </p:nvSpPr>
-        <p:spPr/>
-        <p:txBody>
-          <a:bodyPr/>
-          <a:lstStyle/>
-          <a:p>
-            <a:r>
-              <a:rPr lang="en-US"/>
-              <a:t>wwRestService Methods</a:t>
-            </a:r>
-          </a:p>
-        </p:txBody>
-      </p:sp>
-      <p:sp>
-        <p:nvSpPr>
-          <p:cNvPr id="7" name="TextBox 6">
-            <a:extLst>
-              <a:ext uri="{FF2B5EF4-FFF2-40B4-BE49-F238E27FC236}">
-                <a16:creationId xmlns:a16="http://schemas.microsoft.com/office/drawing/2014/main" id="{9D0DA615-7F66-4D80-AC99-3B23196471C3}"/>
-              </a:ext>
-            </a:extLst>
-          </p:cNvPr>
-          <p:cNvSpPr txBox="1"/>
-          <p:nvPr/>
-        </p:nvSpPr>
-        <p:spPr>
-          <a:xfrm>
-            <a:off x="203200" y="1752600"/>
-            <a:ext cx="2667000" cy="523220"/>
-          </a:xfrm>
-          <a:prstGeom prst="rect">
-            <a:avLst/>
-          </a:prstGeom>
-          <a:solidFill>
-            <a:srgbClr val="FFFFCC"/>
-          </a:solidFill>
-          <a:ln>
-            <a:noFill/>
-          </a:ln>
-        </p:spPr>
-        <p:txBody>
-          <a:bodyPr wrap="square" rtlCol="0">
-            <a:spAutoFit/>
-          </a:bodyPr>
-          <a:lstStyle/>
-          <a:p>
-            <a:r>
-              <a:rPr lang="en-US" sz="1400">
-                <a:solidFill>
-                  <a:schemeClr val="bg1">
-                    <a:lumMod val="75000"/>
-                    <a:lumOff val="25000"/>
-                  </a:schemeClr>
-                </a:solidFill>
-              </a:rPr>
-              <a:t>Single Input Parameter:</a:t>
-            </a:r>
-          </a:p>
-          <a:p>
-            <a:r>
-              <a:rPr lang="en-US" sz="1400">
-                <a:solidFill>
-                  <a:schemeClr val="bg1">
-                    <a:lumMod val="75000"/>
-                    <a:lumOff val="25000"/>
-                  </a:schemeClr>
-                </a:solidFill>
-              </a:rPr>
-              <a:t>deserialized from JSON</a:t>
-            </a:r>
-          </a:p>
-        </p:txBody>
-      </p:sp>
-      <p:sp>
-        <p:nvSpPr>
-          <p:cNvPr id="8" name="TextBox 7">
-            <a:extLst>
-              <a:ext uri="{FF2B5EF4-FFF2-40B4-BE49-F238E27FC236}">
-                <a16:creationId xmlns:a16="http://schemas.microsoft.com/office/drawing/2014/main" id="{BE2C9188-F7AB-4A28-85E2-2297FC150B07}"/>
-              </a:ext>
-            </a:extLst>
-          </p:cNvPr>
-          <p:cNvSpPr txBox="1"/>
-          <p:nvPr/>
-        </p:nvSpPr>
-        <p:spPr>
-          <a:xfrm>
-            <a:off x="203200" y="5943600"/>
-            <a:ext cx="2667000" cy="523220"/>
-          </a:xfrm>
-          <a:prstGeom prst="rect">
-            <a:avLst/>
-          </a:prstGeom>
-          <a:solidFill>
-            <a:srgbClr val="FFFFCC"/>
-          </a:solidFill>
-          <a:ln>
-            <a:noFill/>
-          </a:ln>
-        </p:spPr>
-        <p:txBody>
-          <a:bodyPr wrap="square" rtlCol="0">
-            <a:spAutoFit/>
-          </a:bodyPr>
-          <a:lstStyle/>
-          <a:p>
-            <a:r>
-              <a:rPr lang="en-US" sz="1400">
-                <a:solidFill>
-                  <a:schemeClr val="bg1">
-                    <a:lumMod val="75000"/>
-                    <a:lumOff val="25000"/>
-                  </a:schemeClr>
-                </a:solidFill>
-              </a:rPr>
-              <a:t>Any FoxPro result value:</a:t>
-            </a:r>
-          </a:p>
-          <a:p>
-            <a:r>
-              <a:rPr lang="en-US" sz="1400">
-                <a:solidFill>
-                  <a:schemeClr val="bg1">
-                    <a:lumMod val="75000"/>
-                    <a:lumOff val="25000"/>
-                  </a:schemeClr>
-                </a:solidFill>
-              </a:rPr>
-              <a:t>serialized to JSON</a:t>
-            </a:r>
-          </a:p>
-        </p:txBody>
-      </p:sp>
-      <p:sp>
-        <p:nvSpPr>
-          <p:cNvPr id="10" name="TextBox 9">
-            <a:extLst>
-              <a:ext uri="{FF2B5EF4-FFF2-40B4-BE49-F238E27FC236}">
-                <a16:creationId xmlns:a16="http://schemas.microsoft.com/office/drawing/2014/main" id="{A766237D-B1A3-4304-B0DD-1B7B7C48E783}"/>
-              </a:ext>
-            </a:extLst>
-          </p:cNvPr>
-          <p:cNvSpPr txBox="1"/>
-          <p:nvPr/>
-        </p:nvSpPr>
-        <p:spPr>
-          <a:xfrm>
-            <a:off x="203200" y="3624590"/>
-            <a:ext cx="2667000" cy="523220"/>
-          </a:xfrm>
-          <a:prstGeom prst="rect">
-            <a:avLst/>
-          </a:prstGeom>
-          <a:solidFill>
-            <a:srgbClr val="FFFFCC"/>
-          </a:solidFill>
-          <a:ln>
-            <a:noFill/>
-          </a:ln>
-        </p:spPr>
-        <p:txBody>
-          <a:bodyPr wrap="square" rtlCol="0">
-            <a:spAutoFit/>
-          </a:bodyPr>
-          <a:lstStyle/>
-          <a:p>
-            <a:r>
-              <a:rPr lang="en-US" sz="1400">
-                <a:solidFill>
-                  <a:schemeClr val="bg1">
-                    <a:lumMod val="75000"/>
-                    <a:lumOff val="25000"/>
-                  </a:schemeClr>
-                </a:solidFill>
-              </a:rPr>
-              <a:t>User code – any FoxPro code</a:t>
-            </a:r>
-          </a:p>
-          <a:p>
-            <a:r>
-              <a:rPr lang="en-US" sz="1400">
-                <a:solidFill>
-                  <a:schemeClr val="bg1">
-                    <a:lumMod val="75000"/>
-                    <a:lumOff val="25000"/>
-                  </a:schemeClr>
-                </a:solidFill>
-              </a:rPr>
-              <a:t>to produce a result value</a:t>
-            </a:r>
-          </a:p>
-        </p:txBody>
-      </p:sp>
-      <p:sp>
-        <p:nvSpPr>
-          <p:cNvPr id="11" name="TextBox 10">
-            <a:extLst>
-              <a:ext uri="{FF2B5EF4-FFF2-40B4-BE49-F238E27FC236}">
-                <a16:creationId xmlns:a16="http://schemas.microsoft.com/office/drawing/2014/main" id="{506FD5B7-475E-439C-A41D-766E405780AF}"/>
-              </a:ext>
-            </a:extLst>
-          </p:cNvPr>
-          <p:cNvSpPr txBox="1"/>
-          <p:nvPr/>
-        </p:nvSpPr>
-        <p:spPr>
-          <a:xfrm>
-            <a:off x="2873513" y="685800"/>
-            <a:ext cx="7185991" cy="369332"/>
-          </a:xfrm>
-          <a:prstGeom prst="rect">
-            <a:avLst/>
-          </a:prstGeom>
-          <a:noFill/>
-        </p:spPr>
-        <p:txBody>
-          <a:bodyPr wrap="square" rtlCol="0">
-            <a:spAutoFit/>
-          </a:bodyPr>
-          <a:lstStyle/>
-          <a:p>
-            <a:r>
-              <a:rPr lang="en-US">
-                <a:solidFill>
-                  <a:srgbClr val="FFFFCC"/>
-                </a:solidFill>
-              </a:rPr>
-              <a:t>POST http://localhost/tt/CustomersRecentEntries.rest HTTP/1.1</a:t>
-            </a:r>
-          </a:p>
-        </p:txBody>
-      </p:sp>
-    </p:spTree>
-    <p:extLst>
-      <p:ext uri="{BB962C8B-B14F-4D97-AF65-F5344CB8AC3E}">
-        <p14:creationId xmlns:p14="http://schemas.microsoft.com/office/powerpoint/2010/main" val="931518249"/>
-      </p:ext>
-    </p:extLst>
-  </p:cSld>
-  <p:clrMapOvr>
-    <a:masterClrMapping/>
-  </p:clrMapOvr>
-  <p:transition>
-    <p:wipe/>
-  </p:transition>
-</p:sld>
-</file>
-
-<file path=ppt/slides/slide21.xml><?xml version="1.0" encoding="utf-8"?>
-<p:sld xmlns:a="http://schemas.openxmlformats.org/drawingml/2006/main" xmlns:r="http://schemas.openxmlformats.org/officeDocument/2006/relationships" xmlns:p="http://schemas.openxmlformats.org/presentationml/2006/main">
-  <p:cSld>
-    <p:spTree>
-      <p:nvGrpSpPr>
-        <p:cNvPr id="1" name=""/>
-        <p:cNvGrpSpPr/>
-        <p:nvPr/>
-      </p:nvGrpSpPr>
-      <p:grpSpPr>
-        <a:xfrm>
-          <a:off x="0" y="0"/>
-          <a:ext cx="0" cy="0"/>
-          <a:chOff x="0" y="0"/>
-          <a:chExt cx="0" cy="0"/>
-        </a:xfrm>
-      </p:grpSpPr>
-      <p:sp>
-        <p:nvSpPr>
-          <p:cNvPr id="2" name="Title 1">
-            <a:extLst>
-              <a:ext uri="{FF2B5EF4-FFF2-40B4-BE49-F238E27FC236}">
-                <a16:creationId xmlns:a16="http://schemas.microsoft.com/office/drawing/2014/main" id="{575D4C64-22A9-4E7D-8383-24F71651483D}"/>
-              </a:ext>
-            </a:extLst>
-          </p:cNvPr>
-          <p:cNvSpPr>
-            <a:spLocks noGrp="1"/>
-          </p:cNvSpPr>
-          <p:nvPr>
-            <p:ph type="title"/>
-          </p:nvPr>
-        </p:nvSpPr>
-        <p:spPr/>
-        <p:txBody>
-          <a:bodyPr/>
-          <a:lstStyle/>
-          <a:p>
-            <a:r>
-              <a:rPr lang="en-US" sz="2000"/>
-              <a:t>Mixing Vue into existing Content</a:t>
-            </a:r>
-          </a:p>
-        </p:txBody>
-      </p:sp>
-      <p:sp>
-        <p:nvSpPr>
-          <p:cNvPr id="4" name="Content Placeholder 3">
-            <a:extLst>
-              <a:ext uri="{FF2B5EF4-FFF2-40B4-BE49-F238E27FC236}">
-                <a16:creationId xmlns:a16="http://schemas.microsoft.com/office/drawing/2014/main" id="{7EBC9680-C6DE-4411-82AC-EC23876BB31E}"/>
-              </a:ext>
-            </a:extLst>
-          </p:cNvPr>
-          <p:cNvSpPr>
-            <a:spLocks noGrp="1"/>
-          </p:cNvSpPr>
-          <p:nvPr>
-            <p:ph idx="1"/>
-          </p:nvPr>
-        </p:nvSpPr>
-        <p:spPr>
-          <a:xfrm>
-            <a:off x="0" y="876300"/>
-            <a:ext cx="11480800" cy="5105400"/>
-          </a:xfrm>
-        </p:spPr>
-        <p:txBody>
-          <a:bodyPr/>
-          <a:lstStyle/>
-          <a:p>
-            <a:r>
-              <a:rPr lang="en-US" sz="1600"/>
-              <a:t>Server Rendered Page</a:t>
-            </a:r>
-          </a:p>
-          <a:p>
-            <a:pPr lvl="1"/>
-            <a:r>
-              <a:rPr lang="en-US" sz="1400"/>
-              <a:t>Initially rendered on Server</a:t>
-            </a:r>
-          </a:p>
-          <a:p>
-            <a:pPr lvl="1"/>
-            <a:r>
-              <a:rPr lang="en-US" sz="1400"/>
-              <a:t>Static HTML for main portion</a:t>
-            </a:r>
-          </a:p>
-          <a:p>
-            <a:pPr lvl="1"/>
-            <a:r>
-              <a:rPr lang="en-US" sz="1400"/>
-              <a:t>Main Form submits with full Page Refresh</a:t>
-            </a:r>
-          </a:p>
-          <a:p>
-            <a:pPr lvl="1"/>
-            <a:r>
-              <a:rPr lang="en-US" sz="1400"/>
-              <a:t>Standard MVC/Scripting etc.</a:t>
-            </a:r>
-          </a:p>
-          <a:p>
-            <a:pPr lvl="1"/>
-            <a:r>
-              <a:rPr lang="en-US" sz="1400"/>
-              <a:t>Quick to build server side</a:t>
-            </a:r>
-          </a:p>
-          <a:p>
-            <a:pPr lvl="1"/>
-            <a:endParaRPr lang="en-US" sz="1400"/>
-          </a:p>
-          <a:p>
-            <a:pPr marL="457200" lvl="1" indent="0">
-              <a:buNone/>
-            </a:pPr>
-            <a:endParaRPr lang="en-US" sz="1400"/>
-          </a:p>
-          <a:p>
-            <a:pPr lvl="1"/>
-            <a:endParaRPr lang="en-US" sz="1400"/>
-          </a:p>
-          <a:p>
-            <a:pPr lvl="1"/>
-            <a:endParaRPr lang="en-US" sz="1400"/>
-          </a:p>
-          <a:p>
-            <a:pPr lvl="1"/>
-            <a:endParaRPr lang="en-US" sz="1400"/>
-          </a:p>
-          <a:p>
-            <a:r>
-              <a:rPr lang="en-US" sz="1600"/>
-              <a:t>Interactive Component loads Dynamically</a:t>
-            </a:r>
-          </a:p>
-          <a:p>
-            <a:pPr lvl="1"/>
-            <a:r>
-              <a:rPr lang="en-US" sz="1400"/>
-              <a:t>After page load load the list of projects</a:t>
-            </a:r>
-          </a:p>
-          <a:p>
-            <a:pPr lvl="1"/>
-            <a:r>
-              <a:rPr lang="en-US" sz="1400"/>
-              <a:t>More interactive component</a:t>
-            </a:r>
-          </a:p>
-          <a:p>
-            <a:pPr lvl="1"/>
-            <a:r>
-              <a:rPr lang="en-US" sz="1400"/>
-              <a:t>JavaScript makes this easier to build</a:t>
-            </a:r>
-          </a:p>
-          <a:p>
-            <a:pPr lvl="1"/>
-            <a:r>
-              <a:rPr lang="en-US" sz="1400"/>
-              <a:t>More user friendly to interact with</a:t>
-            </a:r>
-          </a:p>
-          <a:p>
-            <a:pPr lvl="1"/>
-            <a:r>
-              <a:rPr lang="en-US" sz="1400"/>
-              <a:t>No Page Refreshes</a:t>
-            </a:r>
-          </a:p>
-        </p:txBody>
-      </p:sp>
-      <p:pic>
-        <p:nvPicPr>
-          <p:cNvPr id="1028" name="Picture 4">
-            <a:extLst>
-              <a:ext uri="{FF2B5EF4-FFF2-40B4-BE49-F238E27FC236}">
-                <a16:creationId xmlns:a16="http://schemas.microsoft.com/office/drawing/2014/main" id="{8DDF82FB-2359-4327-BFE1-34F0B0153270}"/>
-              </a:ext>
-            </a:extLst>
-          </p:cNvPr>
-          <p:cNvPicPr>
-            <a:picLocks noChangeAspect="1" noChangeArrowheads="1"/>
-          </p:cNvPicPr>
-          <p:nvPr/>
-        </p:nvPicPr>
-        <p:blipFill>
-          <a:blip r:embed="rId2">
-            <a:extLst>
-              <a:ext uri="{28A0092B-C50C-407E-A947-70E740481C1C}">
-                <a14:useLocalDpi xmlns:a14="http://schemas.microsoft.com/office/drawing/2010/main" val="0"/>
-              </a:ext>
-            </a:extLst>
-          </a:blip>
-          <a:srcRect/>
-          <a:stretch>
-            <a:fillRect/>
-          </a:stretch>
-        </p:blipFill>
-        <p:spPr bwMode="auto">
-          <a:xfrm>
-            <a:off x="5105401" y="0"/>
-            <a:ext cx="7086600" cy="6858000"/>
-          </a:xfrm>
-          <a:prstGeom prst="rect">
-            <a:avLst/>
-          </a:prstGeom>
-          <a:noFill/>
-          <a:extLst>
-            <a:ext uri="{909E8E84-426E-40DD-AFC4-6F175D3DCCD1}">
-              <a14:hiddenFill xmlns:a14="http://schemas.microsoft.com/office/drawing/2010/main">
-                <a:solidFill>
-                  <a:srgbClr val="FFFFFF"/>
-                </a:solidFill>
-              </a14:hiddenFill>
-            </a:ext>
-          </a:extLst>
-        </p:spPr>
-      </p:pic>
-      <p:pic>
-        <p:nvPicPr>
-          <p:cNvPr id="8" name="Picture 7">
-            <a:extLst>
-              <a:ext uri="{FF2B5EF4-FFF2-40B4-BE49-F238E27FC236}">
-                <a16:creationId xmlns:a16="http://schemas.microsoft.com/office/drawing/2014/main" id="{048951BF-6AF1-4BC7-8664-E4157F03680A}"/>
-              </a:ext>
-            </a:extLst>
-          </p:cNvPr>
-          <p:cNvPicPr>
-            <a:picLocks noChangeAspect="1"/>
-          </p:cNvPicPr>
-          <p:nvPr/>
-        </p:nvPicPr>
-        <p:blipFill>
-          <a:blip r:embed="rId3"/>
-          <a:stretch>
-            <a:fillRect/>
-          </a:stretch>
-        </p:blipFill>
-        <p:spPr>
-          <a:xfrm flipH="1">
-            <a:off x="120595" y="6191250"/>
-            <a:ext cx="571610" cy="495300"/>
-          </a:xfrm>
-          <a:prstGeom prst="rect">
-            <a:avLst/>
-          </a:prstGeom>
-        </p:spPr>
-      </p:pic>
-    </p:spTree>
-    <p:extLst>
-      <p:ext uri="{BB962C8B-B14F-4D97-AF65-F5344CB8AC3E}">
-        <p14:creationId xmlns:p14="http://schemas.microsoft.com/office/powerpoint/2010/main" val="1792799275"/>
-      </p:ext>
-    </p:extLst>
-  </p:cSld>
-  <p:clrMapOvr>
-    <a:masterClrMapping/>
-  </p:clrMapOvr>
-  <p:transition>
-    <p:wipe/>
-  </p:transition>
-</p:sld>
-</file>
-
-<file path=ppt/slides/slide22.xml><?xml version="1.0" encoding="utf-8"?>
-<p:sld xmlns:a="http://schemas.openxmlformats.org/drawingml/2006/main" xmlns:r="http://schemas.openxmlformats.org/officeDocument/2006/relationships" xmlns:p="http://schemas.openxmlformats.org/presentationml/2006/main" show="0">
-  <p:cSld>
-    <p:spTree>
-      <p:nvGrpSpPr>
-        <p:cNvPr id="1" name=""/>
-        <p:cNvGrpSpPr/>
-        <p:nvPr/>
-      </p:nvGrpSpPr>
-      <p:grpSpPr>
-        <a:xfrm>
-          <a:off x="0" y="0"/>
-          <a:ext cx="0" cy="0"/>
-          <a:chOff x="0" y="0"/>
-          <a:chExt cx="0" cy="0"/>
-        </a:xfrm>
-      </p:grpSpPr>
-      <p:sp>
-        <p:nvSpPr>
-          <p:cNvPr id="2" name="Text Placeholder 1">
-            <a:extLst>
-              <a:ext uri="{FF2B5EF4-FFF2-40B4-BE49-F238E27FC236}">
-                <a16:creationId xmlns:a16="http://schemas.microsoft.com/office/drawing/2014/main" id="{C0B51C41-BF3A-486C-B5BF-BF65A9224B1C}"/>
-              </a:ext>
-            </a:extLst>
-          </p:cNvPr>
-          <p:cNvSpPr>
-            <a:spLocks noGrp="1"/>
-          </p:cNvSpPr>
-          <p:nvPr>
-            <p:ph type="body" idx="1"/>
-          </p:nvPr>
-        </p:nvSpPr>
-        <p:spPr>
-          <a:xfrm>
-            <a:off x="508000" y="838200"/>
-            <a:ext cx="11480800" cy="5181600"/>
-          </a:xfrm>
-        </p:spPr>
-        <p:txBody>
-          <a:bodyPr/>
-          <a:lstStyle/>
-          <a:p>
-            <a:r>
-              <a:rPr lang="en-US"/>
-              <a:t>Extensionless Urls</a:t>
-            </a:r>
-          </a:p>
-          <a:p>
-            <a:pPr lvl="1"/>
-            <a:r>
-              <a:rPr lang="en-US"/>
-              <a:t>Clean URLs – purely aesthetic</a:t>
-            </a:r>
-          </a:p>
-          <a:p>
-            <a:pPr lvl="1"/>
-            <a:r>
-              <a:rPr lang="en-US"/>
-              <a:t>Urls that don’t have an extension</a:t>
-            </a:r>
-            <a:br>
-              <a:rPr lang="en-US"/>
-            </a:br>
-            <a:r>
-              <a:rPr lang="en-US" b="1">
-                <a:solidFill>
-                  <a:srgbClr val="FFFFCC"/>
-                </a:solidFill>
-                <a:latin typeface="Consolas" panose="020B0609020204030204" pitchFamily="49" charset="0"/>
-              </a:rPr>
-              <a:t>/tt/customers.ttr vs.</a:t>
-            </a:r>
-            <a:r>
-              <a:rPr lang="en-US"/>
-              <a:t> </a:t>
-            </a:r>
-            <a:r>
-              <a:rPr lang="en-US" b="1">
-                <a:solidFill>
-                  <a:srgbClr val="FFFFCC"/>
-                </a:solidFill>
-                <a:latin typeface="Consolas" panose="020B0609020204030204" pitchFamily="49" charset="0"/>
-              </a:rPr>
-              <a:t>/tt/customers</a:t>
-            </a:r>
-          </a:p>
-          <a:p>
-            <a:pPr lvl="1"/>
-            <a:r>
-              <a:rPr lang="en-US"/>
-              <a:t>Extensionless URLs are re-mapped as if they had an extension</a:t>
-            </a:r>
-          </a:p>
-          <a:p>
-            <a:r>
-              <a:rPr lang="en-US"/>
-              <a:t>Using UrlRewrite to rewrite Urls</a:t>
-            </a:r>
-          </a:p>
-          <a:p>
-            <a:pPr lvl="1"/>
-            <a:r>
-              <a:rPr lang="en-US"/>
-              <a:t>Requires installation of URL Rewrite Module</a:t>
-            </a:r>
-          </a:p>
-          <a:p>
-            <a:pPr lvl="1"/>
-            <a:r>
-              <a:rPr lang="en-US"/>
-              <a:t>Set up a generic UrlRewrite Rule</a:t>
-            </a:r>
-          </a:p>
-          <a:p>
-            <a:r>
-              <a:rPr lang="en-US"/>
-              <a:t>Override wwProcess::OnUrlRewrite</a:t>
-            </a:r>
-          </a:p>
-          <a:p>
-            <a:pPr lvl="1"/>
-            <a:r>
-              <a:rPr lang="en-US"/>
-              <a:t>Extensionless Urls are routed to OnUrlRewrite</a:t>
-            </a:r>
-          </a:p>
-          <a:p>
-            <a:pPr lvl="1"/>
-            <a:r>
-              <a:rPr lang="en-US"/>
-              <a:t>Method has to parse the URL and then call other methods</a:t>
-            </a:r>
-          </a:p>
-          <a:p>
-            <a:pPr lvl="1"/>
-            <a:r>
-              <a:rPr lang="en-US"/>
-              <a:t>Exact steps in the documentation</a:t>
-            </a:r>
-            <a:br>
-              <a:rPr lang="en-US"/>
-            </a:br>
-            <a:r>
-              <a:rPr lang="en-US">
-                <a:hlinkClick r:id="rId2"/>
-              </a:rPr>
-              <a:t>https://webconnection.west-wind.com/docs/_3k812udq3.htm</a:t>
-            </a:r>
-            <a:r>
-              <a:rPr lang="en-US"/>
-              <a:t> </a:t>
-            </a:r>
-          </a:p>
-          <a:p>
-            <a:pPr lvl="1"/>
-            <a:r>
-              <a:rPr lang="en-US"/>
-              <a:t>Pretty much a cut and paste configuration</a:t>
-            </a:r>
-          </a:p>
-        </p:txBody>
-      </p:sp>
-      <p:sp>
-        <p:nvSpPr>
-          <p:cNvPr id="3" name="Title 2">
-            <a:extLst>
-              <a:ext uri="{FF2B5EF4-FFF2-40B4-BE49-F238E27FC236}">
-                <a16:creationId xmlns:a16="http://schemas.microsoft.com/office/drawing/2014/main" id="{B794BC46-3D3D-4CE9-85D8-AB2086452BA9}"/>
-              </a:ext>
-            </a:extLst>
-          </p:cNvPr>
-          <p:cNvSpPr>
-            <a:spLocks noGrp="1"/>
-          </p:cNvSpPr>
-          <p:nvPr>
-            <p:ph type="title"/>
-          </p:nvPr>
-        </p:nvSpPr>
-        <p:spPr/>
-        <p:txBody>
-          <a:bodyPr/>
-          <a:lstStyle/>
-          <a:p>
-            <a:r>
-              <a:rPr lang="en-US"/>
-              <a:t>Extensionless Urls</a:t>
-            </a:r>
-          </a:p>
-        </p:txBody>
-      </p:sp>
-    </p:spTree>
-    <p:extLst>
-      <p:ext uri="{BB962C8B-B14F-4D97-AF65-F5344CB8AC3E}">
-        <p14:creationId xmlns:p14="http://schemas.microsoft.com/office/powerpoint/2010/main" val="2984870452"/>
-      </p:ext>
-    </p:extLst>
-  </p:cSld>
-  <p:clrMapOvr>
-    <a:masterClrMapping/>
-  </p:clrMapOvr>
-  <p:transition>
-    <p:wipe/>
-  </p:transition>
-</p:sld>
-</file>
-
-<file path=ppt/slides/slide23.xml><?xml version="1.0" encoding="utf-8"?>
-<p:sld xmlns:a="http://schemas.openxmlformats.org/drawingml/2006/main" xmlns:r="http://schemas.openxmlformats.org/officeDocument/2006/relationships" xmlns:p="http://schemas.openxmlformats.org/presentationml/2006/main">
-  <p:cSld>
-    <p:spTree>
-      <p:nvGrpSpPr>
-        <p:cNvPr id="1" name=""/>
-        <p:cNvGrpSpPr/>
-        <p:nvPr/>
-      </p:nvGrpSpPr>
-      <p:grpSpPr>
-        <a:xfrm>
-          <a:off x="0" y="0"/>
-          <a:ext cx="0" cy="0"/>
-          <a:chOff x="0" y="0"/>
-          <a:chExt cx="0" cy="0"/>
-        </a:xfrm>
-      </p:grpSpPr>
-      <p:sp>
-        <p:nvSpPr>
-          <p:cNvPr id="2" name="Text Placeholder 1">
-            <a:extLst>
-              <a:ext uri="{FF2B5EF4-FFF2-40B4-BE49-F238E27FC236}">
-                <a16:creationId xmlns:a16="http://schemas.microsoft.com/office/drawing/2014/main" id="{1E30E3B7-E5C6-42A5-8685-63037758644A}"/>
-              </a:ext>
-            </a:extLst>
-          </p:cNvPr>
-          <p:cNvSpPr>
-            <a:spLocks noGrp="1"/>
-          </p:cNvSpPr>
-          <p:nvPr>
-            <p:ph type="body" idx="1"/>
-          </p:nvPr>
-        </p:nvSpPr>
-        <p:spPr>
-          <a:xfrm>
-            <a:off x="457200" y="685800"/>
-            <a:ext cx="11480800" cy="5105400"/>
-          </a:xfrm>
-        </p:spPr>
-        <p:txBody>
-          <a:bodyPr/>
-          <a:lstStyle/>
-          <a:p>
-            <a:r>
-              <a:rPr lang="en-US" sz="2000"/>
-              <a:t>Cross Origin Resource Sharing</a:t>
-            </a:r>
-          </a:p>
-          <a:p>
-            <a:pPr lvl="1"/>
-            <a:r>
-              <a:rPr lang="en-US" sz="1600"/>
-              <a:t>By default browsers can’t access data from another server</a:t>
-            </a:r>
-          </a:p>
-          <a:p>
-            <a:pPr lvl="1"/>
-            <a:r>
-              <a:rPr lang="en-US" sz="1600"/>
-              <a:t>Cross-domain XHR/Fetch request fail without CORS in client browser</a:t>
-            </a:r>
-          </a:p>
-          <a:p>
-            <a:pPr lvl="1"/>
-            <a:r>
-              <a:rPr lang="en-US" sz="1600"/>
-              <a:t>Server has to allow access to the data</a:t>
-            </a:r>
-          </a:p>
-          <a:p>
-            <a:pPr lvl="1"/>
-            <a:r>
-              <a:rPr lang="en-US" sz="1600"/>
-              <a:t>Server presents CORS headers to specify what can be accessed</a:t>
-            </a:r>
-          </a:p>
-          <a:p>
-            <a:r>
-              <a:rPr lang="en-US" sz="2000"/>
-              <a:t>When do you need it?</a:t>
-            </a:r>
-          </a:p>
-          <a:p>
-            <a:pPr lvl="1"/>
-            <a:r>
-              <a:rPr lang="en-US" sz="1600"/>
-              <a:t>JavaScript clients calling to domain other than server domain</a:t>
-            </a:r>
-          </a:p>
-          <a:p>
-            <a:pPr lvl="1"/>
-            <a:r>
-              <a:rPr lang="en-US" sz="1600"/>
-              <a:t>Not needed for non-JavaScript clients or same domain JavaScript calls</a:t>
-            </a:r>
-          </a:p>
-          <a:p>
-            <a:pPr lvl="1"/>
-            <a:r>
-              <a:rPr lang="en-US" sz="1600" b="1"/>
-              <a:t>Uncomment code in OnProcessInit() </a:t>
-            </a:r>
-            <a:r>
-              <a:rPr lang="en-US" sz="1600"/>
-              <a:t>for REST Service</a:t>
-            </a:r>
-          </a:p>
-          <a:p>
-            <a:pPr marL="457200" lvl="1" indent="0">
-              <a:buNone/>
-            </a:pPr>
-            <a:endParaRPr lang="en-US" sz="1600"/>
-          </a:p>
-        </p:txBody>
-      </p:sp>
-      <p:sp>
-        <p:nvSpPr>
-          <p:cNvPr id="3" name="Title 2">
-            <a:extLst>
-              <a:ext uri="{FF2B5EF4-FFF2-40B4-BE49-F238E27FC236}">
-                <a16:creationId xmlns:a16="http://schemas.microsoft.com/office/drawing/2014/main" id="{830F83AC-C5FA-4D1A-A387-D5EC4484672C}"/>
-              </a:ext>
-            </a:extLst>
-          </p:cNvPr>
-          <p:cNvSpPr>
-            <a:spLocks noGrp="1"/>
-          </p:cNvSpPr>
-          <p:nvPr>
-            <p:ph type="title"/>
-          </p:nvPr>
-        </p:nvSpPr>
-        <p:spPr/>
-        <p:txBody>
-          <a:bodyPr/>
-          <a:lstStyle/>
-          <a:p>
-            <a:r>
-              <a:rPr lang="en-US"/>
-              <a:t>JavaScript Clients need CORS</a:t>
-            </a:r>
-          </a:p>
-        </p:txBody>
-      </p:sp>
-      <p:pic>
-        <p:nvPicPr>
-          <p:cNvPr id="5" name="Picture 4">
-            <a:extLst>
-              <a:ext uri="{FF2B5EF4-FFF2-40B4-BE49-F238E27FC236}">
-                <a16:creationId xmlns:a16="http://schemas.microsoft.com/office/drawing/2014/main" id="{20D08A25-344E-4B9C-8E4A-01D1CA58121F}"/>
-              </a:ext>
-            </a:extLst>
-          </p:cNvPr>
-          <p:cNvPicPr>
-            <a:picLocks noChangeAspect="1"/>
-          </p:cNvPicPr>
-          <p:nvPr/>
-        </p:nvPicPr>
-        <p:blipFill>
-          <a:blip r:embed="rId2"/>
-          <a:stretch>
-            <a:fillRect/>
-          </a:stretch>
-        </p:blipFill>
-        <p:spPr>
-          <a:xfrm>
-            <a:off x="1066801" y="3735996"/>
-            <a:ext cx="8229600" cy="3122003"/>
-          </a:xfrm>
-          <a:prstGeom prst="rect">
-            <a:avLst/>
-          </a:prstGeom>
-        </p:spPr>
-      </p:pic>
-    </p:spTree>
-    <p:extLst>
-      <p:ext uri="{BB962C8B-B14F-4D97-AF65-F5344CB8AC3E}">
-        <p14:creationId xmlns:p14="http://schemas.microsoft.com/office/powerpoint/2010/main" val="1044527212"/>
-      </p:ext>
-    </p:extLst>
-  </p:cSld>
-  <p:clrMapOvr>
-    <a:masterClrMapping/>
-  </p:clrMapOvr>
-  <p:transition>
-    <p:wipe/>
-  </p:transition>
-</p:sld>
-</file>
-
-<file path=ppt/slides/slide24.xml><?xml version="1.0" encoding="utf-8"?>
 <p:sld xmlns:a="http://schemas.openxmlformats.org/drawingml/2006/main" xmlns:r="http://schemas.openxmlformats.org/officeDocument/2006/relationships" xmlns:p="http://schemas.openxmlformats.org/presentationml/2006/main">
   <p:cSld>
     <p:spTree>
@@ -7944,7 +4117,7 @@
 </p:sld>
 </file>
 
-<file path=ppt/slides/slide25.xml><?xml version="1.0" encoding="utf-8"?>
+<file path=ppt/slides/slide3.xml><?xml version="1.0" encoding="utf-8"?>
 <p:sld xmlns:a="http://schemas.openxmlformats.org/drawingml/2006/main" xmlns:r="http://schemas.openxmlformats.org/officeDocument/2006/relationships" xmlns:p="http://schemas.openxmlformats.org/presentationml/2006/main">
   <p:cSld>
     <p:spTree>
@@ -8106,1181 +4279,6 @@
     <p:extLst>
       <p:ext uri="{BB962C8B-B14F-4D97-AF65-F5344CB8AC3E}">
         <p14:creationId xmlns:p14="http://schemas.microsoft.com/office/powerpoint/2010/main" val="144676648"/>
-      </p:ext>
-    </p:extLst>
-  </p:cSld>
-  <p:clrMapOvr>
-    <a:masterClrMapping/>
-  </p:clrMapOvr>
-  <p:transition>
-    <p:wipe/>
-  </p:transition>
-</p:sld>
-</file>
-
-<file path=ppt/slides/slide3.xml><?xml version="1.0" encoding="utf-8"?>
-<p:sld xmlns:a="http://schemas.openxmlformats.org/drawingml/2006/main" xmlns:r="http://schemas.openxmlformats.org/officeDocument/2006/relationships" xmlns:p="http://schemas.openxmlformats.org/presentationml/2006/main">
-  <p:cSld>
-    <p:spTree>
-      <p:nvGrpSpPr>
-        <p:cNvPr id="1" name=""/>
-        <p:cNvGrpSpPr/>
-        <p:nvPr/>
-      </p:nvGrpSpPr>
-      <p:grpSpPr>
-        <a:xfrm>
-          <a:off x="0" y="0"/>
-          <a:ext cx="0" cy="0"/>
-          <a:chOff x="0" y="0"/>
-          <a:chExt cx="0" cy="0"/>
-        </a:xfrm>
-      </p:grpSpPr>
-      <p:sp>
-        <p:nvSpPr>
-          <p:cNvPr id="7" name="Title 6">
-            <a:extLst>
-              <a:ext uri="{FF2B5EF4-FFF2-40B4-BE49-F238E27FC236}">
-                <a16:creationId xmlns:a16="http://schemas.microsoft.com/office/drawing/2014/main" id="{9D6DD388-0C5F-45C4-9F80-B6169AA98B68}"/>
-              </a:ext>
-            </a:extLst>
-          </p:cNvPr>
-          <p:cNvSpPr>
-            <a:spLocks noGrp="1"/>
-          </p:cNvSpPr>
-          <p:nvPr>
-            <p:ph type="title"/>
-          </p:nvPr>
-        </p:nvSpPr>
-        <p:spPr/>
-        <p:txBody>
-          <a:bodyPr/>
-          <a:lstStyle/>
-          <a:p>
-            <a:r>
-              <a:rPr lang="en-US"/>
-              <a:t>The Modern JavaScript Dilemma</a:t>
-            </a:r>
-          </a:p>
-        </p:txBody>
-      </p:sp>
-      <p:sp>
-        <p:nvSpPr>
-          <p:cNvPr id="8" name="Content Placeholder 7">
-            <a:extLst>
-              <a:ext uri="{FF2B5EF4-FFF2-40B4-BE49-F238E27FC236}">
-                <a16:creationId xmlns:a16="http://schemas.microsoft.com/office/drawing/2014/main" id="{87F1CE1B-73F8-4BA2-B11C-335D8B08F54F}"/>
-              </a:ext>
-            </a:extLst>
-          </p:cNvPr>
-          <p:cNvSpPr>
-            <a:spLocks noGrp="1"/>
-          </p:cNvSpPr>
-          <p:nvPr>
-            <p:ph idx="1"/>
-          </p:nvPr>
-        </p:nvSpPr>
-        <p:spPr>
-          <a:xfrm>
-            <a:off x="355600" y="838200"/>
-            <a:ext cx="11480800" cy="5486400"/>
-          </a:xfrm>
-        </p:spPr>
-        <p:txBody>
-          <a:bodyPr/>
-          <a:lstStyle/>
-          <a:p>
-            <a:r>
-              <a:rPr lang="en-US" sz="1800"/>
-              <a:t>JavaScript used to be a toy</a:t>
-            </a:r>
-          </a:p>
-          <a:p>
-            <a:pPr lvl="1"/>
-            <a:r>
-              <a:rPr lang="en-US" sz="1600"/>
-              <a:t>Originally designed for scripting simple things</a:t>
-            </a:r>
-          </a:p>
-          <a:p>
-            <a:pPr lvl="1"/>
-            <a:r>
-              <a:rPr lang="en-US" sz="1600"/>
-              <a:t>Initially hampered by a laughable feature set</a:t>
-            </a:r>
-          </a:p>
-          <a:p>
-            <a:r>
-              <a:rPr lang="en-US" sz="1800"/>
-              <a:t>JavaScript has matured</a:t>
-            </a:r>
-          </a:p>
-          <a:p>
-            <a:pPr lvl="1"/>
-            <a:r>
-              <a:rPr lang="en-US" sz="1600"/>
-              <a:t>Many language improvements</a:t>
-            </a:r>
-          </a:p>
-          <a:p>
-            <a:pPr lvl="1"/>
-            <a:r>
-              <a:rPr lang="en-US" sz="1600"/>
-              <a:t>Javascript is now the most popular development language</a:t>
-            </a:r>
-          </a:p>
-          <a:p>
-            <a:pPr lvl="1"/>
-            <a:r>
-              <a:rPr lang="en-US" sz="1600"/>
-              <a:t>Client side and server side (NodeJs)</a:t>
-            </a:r>
-          </a:p>
-          <a:p>
-            <a:pPr lvl="1"/>
-            <a:r>
-              <a:rPr lang="en-US" sz="1600"/>
-              <a:t>ES 2015+/ES6+ adds many language enhancements</a:t>
-            </a:r>
-          </a:p>
-          <a:p>
-            <a:pPr lvl="1"/>
-            <a:r>
-              <a:rPr lang="en-US" sz="1600"/>
-              <a:t>JavaScript has been blazing fast – the browser is the runtime</a:t>
-            </a:r>
-          </a:p>
-          <a:p>
-            <a:r>
-              <a:rPr lang="en-US" sz="1800"/>
-              <a:t>Complexity has grown Exponentially</a:t>
-            </a:r>
-          </a:p>
-          <a:p>
-            <a:pPr lvl="1"/>
-            <a:r>
-              <a:rPr lang="en-US" sz="1600"/>
-              <a:t>Modern frameworks </a:t>
-            </a:r>
-            <a:r>
-              <a:rPr lang="en-US" sz="1600" b="1"/>
-              <a:t>require</a:t>
-            </a:r>
-            <a:r>
-              <a:rPr lang="en-US" sz="1600"/>
-              <a:t> build systems </a:t>
-            </a:r>
-          </a:p>
-          <a:p>
-            <a:pPr lvl="1"/>
-            <a:r>
-              <a:rPr lang="en-US" sz="1600"/>
-              <a:t>No more simple add a script and run some code – </a:t>
-            </a:r>
-            <a:r>
-              <a:rPr lang="en-US" sz="1600" b="1"/>
-              <a:t>you have to build</a:t>
-            </a:r>
-          </a:p>
-          <a:p>
-            <a:pPr lvl="1"/>
-            <a:r>
-              <a:rPr lang="en-US" sz="1600"/>
-              <a:t>You have to pick a framework – and there are many choices</a:t>
-            </a:r>
-          </a:p>
-          <a:p>
-            <a:r>
-              <a:rPr lang="en-US" sz="1800"/>
-              <a:t>KISS</a:t>
-            </a:r>
-          </a:p>
-          <a:p>
-            <a:pPr lvl="1"/>
-            <a:r>
-              <a:rPr lang="en-US" sz="1600"/>
-              <a:t>Keep It Simple Stupid</a:t>
-            </a:r>
-          </a:p>
-          <a:p>
-            <a:pPr lvl="1"/>
-            <a:r>
-              <a:rPr lang="en-US" sz="1600"/>
-              <a:t>This session we focus on simpler JavaScript integration</a:t>
-            </a:r>
-          </a:p>
-          <a:p>
-            <a:pPr marL="457200" lvl="1" indent="0">
-              <a:buNone/>
-            </a:pPr>
-            <a:endParaRPr lang="en-US" sz="1600"/>
-          </a:p>
-        </p:txBody>
-      </p:sp>
-    </p:spTree>
-    <p:extLst>
-      <p:ext uri="{BB962C8B-B14F-4D97-AF65-F5344CB8AC3E}">
-        <p14:creationId xmlns:p14="http://schemas.microsoft.com/office/powerpoint/2010/main" val="3822476116"/>
-      </p:ext>
-    </p:extLst>
-  </p:cSld>
-  <p:clrMapOvr>
-    <a:masterClrMapping/>
-  </p:clrMapOvr>
-  <p:transition>
-    <p:wipe/>
-  </p:transition>
-</p:sld>
-</file>
-
-<file path=ppt/slides/slide4.xml><?xml version="1.0" encoding="utf-8"?>
-<p:sld xmlns:a="http://schemas.openxmlformats.org/drawingml/2006/main" xmlns:r="http://schemas.openxmlformats.org/officeDocument/2006/relationships" xmlns:p="http://schemas.openxmlformats.org/presentationml/2006/main">
-  <p:cSld>
-    <p:spTree>
-      <p:nvGrpSpPr>
-        <p:cNvPr id="1" name=""/>
-        <p:cNvGrpSpPr/>
-        <p:nvPr/>
-      </p:nvGrpSpPr>
-      <p:grpSpPr>
-        <a:xfrm>
-          <a:off x="0" y="0"/>
-          <a:ext cx="0" cy="0"/>
-          <a:chOff x="0" y="0"/>
-          <a:chExt cx="0" cy="0"/>
-        </a:xfrm>
-      </p:grpSpPr>
-      <p:sp>
-        <p:nvSpPr>
-          <p:cNvPr id="7" name="Title 6">
-            <a:extLst>
-              <a:ext uri="{FF2B5EF4-FFF2-40B4-BE49-F238E27FC236}">
-                <a16:creationId xmlns:a16="http://schemas.microsoft.com/office/drawing/2014/main" id="{7F8DF65A-BAB6-48C9-B8F2-CC17289D7FE9}"/>
-              </a:ext>
-            </a:extLst>
-          </p:cNvPr>
-          <p:cNvSpPr>
-            <a:spLocks noGrp="1"/>
-          </p:cNvSpPr>
-          <p:nvPr>
-            <p:ph type="title"/>
-          </p:nvPr>
-        </p:nvSpPr>
-        <p:spPr/>
-        <p:txBody>
-          <a:bodyPr/>
-          <a:lstStyle/>
-          <a:p>
-            <a:r>
-              <a:rPr lang="en-US"/>
-              <a:t>Hybrid Applications</a:t>
-            </a:r>
-          </a:p>
-        </p:txBody>
-      </p:sp>
-      <p:sp>
-        <p:nvSpPr>
-          <p:cNvPr id="8" name="Content Placeholder 7">
-            <a:extLst>
-              <a:ext uri="{FF2B5EF4-FFF2-40B4-BE49-F238E27FC236}">
-                <a16:creationId xmlns:a16="http://schemas.microsoft.com/office/drawing/2014/main" id="{2815F300-12A8-4957-80A3-090C8E589412}"/>
-              </a:ext>
-            </a:extLst>
-          </p:cNvPr>
-          <p:cNvSpPr>
-            <a:spLocks noGrp="1"/>
-          </p:cNvSpPr>
-          <p:nvPr>
-            <p:ph idx="1"/>
-          </p:nvPr>
-        </p:nvSpPr>
-        <p:spPr/>
-        <p:txBody>
-          <a:bodyPr/>
-          <a:lstStyle/>
-          <a:p>
-            <a:r>
-              <a:rPr lang="en-US"/>
-              <a:t>The best of both worlds</a:t>
-            </a:r>
-          </a:p>
-          <a:p>
-            <a:pPr lvl="1"/>
-            <a:r>
-              <a:rPr lang="en-US"/>
-              <a:t>Mixing Server Side and Client Side</a:t>
-            </a:r>
-          </a:p>
-          <a:p>
-            <a:pPr lvl="1"/>
-            <a:r>
-              <a:rPr lang="en-US"/>
-              <a:t>Render most content on the server</a:t>
-            </a:r>
-          </a:p>
-          <a:p>
-            <a:pPr lvl="1"/>
-            <a:r>
-              <a:rPr lang="en-US"/>
-              <a:t>Enhance incrementally with JavaScript</a:t>
-            </a:r>
-          </a:p>
-          <a:p>
-            <a:r>
-              <a:rPr lang="en-US"/>
-              <a:t>Development with App Silos</a:t>
-            </a:r>
-          </a:p>
-          <a:p>
-            <a:pPr lvl="1"/>
-            <a:r>
-              <a:rPr lang="en-US"/>
-              <a:t>Rather than one big SPA – create smaller App Silos</a:t>
-            </a:r>
-          </a:p>
-          <a:p>
-            <a:pPr lvl="1"/>
-            <a:r>
-              <a:rPr lang="en-US"/>
-              <a:t>Allows breaking complex apps into smaller pieces</a:t>
-            </a:r>
-          </a:p>
-          <a:p>
-            <a:pPr lvl="1"/>
-            <a:r>
-              <a:rPr lang="en-US"/>
-              <a:t>Easier to work with and maintain than one big massive SPA</a:t>
-            </a:r>
-          </a:p>
-          <a:p>
-            <a:r>
-              <a:rPr lang="en-US"/>
-              <a:t>Useful for:</a:t>
-            </a:r>
-          </a:p>
-          <a:p>
-            <a:pPr lvl="1"/>
-            <a:r>
-              <a:rPr lang="en-US"/>
-              <a:t>Content heavy sites that needs some dynamic features</a:t>
-            </a:r>
-          </a:p>
-          <a:p>
-            <a:pPr lvl="1"/>
-            <a:r>
-              <a:rPr lang="en-US"/>
-              <a:t>Existing server sites that need to add interactive forms</a:t>
-            </a:r>
-          </a:p>
-          <a:p>
-            <a:pPr lvl="1"/>
-            <a:r>
-              <a:rPr lang="en-US"/>
-              <a:t>Ideal for existing sites or sites that work well as server apps</a:t>
-            </a:r>
-          </a:p>
-        </p:txBody>
-      </p:sp>
-    </p:spTree>
-    <p:extLst>
-      <p:ext uri="{BB962C8B-B14F-4D97-AF65-F5344CB8AC3E}">
-        <p14:creationId xmlns:p14="http://schemas.microsoft.com/office/powerpoint/2010/main" val="3200885629"/>
-      </p:ext>
-    </p:extLst>
-  </p:cSld>
-  <p:clrMapOvr>
-    <a:masterClrMapping/>
-  </p:clrMapOvr>
-  <p:transition>
-    <p:wipe/>
-  </p:transition>
-</p:sld>
-</file>
-
-<file path=ppt/slides/slide5.xml><?xml version="1.0" encoding="utf-8"?>
-<p:sld xmlns:a="http://schemas.openxmlformats.org/drawingml/2006/main" xmlns:r="http://schemas.openxmlformats.org/officeDocument/2006/relationships" xmlns:p="http://schemas.openxmlformats.org/presentationml/2006/main" show="0">
-  <p:cSld>
-    <p:spTree>
-      <p:nvGrpSpPr>
-        <p:cNvPr id="1" name=""/>
-        <p:cNvGrpSpPr/>
-        <p:nvPr/>
-      </p:nvGrpSpPr>
-      <p:grpSpPr>
-        <a:xfrm>
-          <a:off x="0" y="0"/>
-          <a:ext cx="0" cy="0"/>
-          <a:chOff x="0" y="0"/>
-          <a:chExt cx="0" cy="0"/>
-        </a:xfrm>
-      </p:grpSpPr>
-      <p:sp>
-        <p:nvSpPr>
-          <p:cNvPr id="2" name="Title 1">
-            <a:extLst>
-              <a:ext uri="{FF2B5EF4-FFF2-40B4-BE49-F238E27FC236}">
-                <a16:creationId xmlns:a16="http://schemas.microsoft.com/office/drawing/2014/main" id="{3DCBC1CD-F1F7-4838-848C-09106BA9FD7D}"/>
-              </a:ext>
-            </a:extLst>
-          </p:cNvPr>
-          <p:cNvSpPr>
-            <a:spLocks noGrp="1"/>
-          </p:cNvSpPr>
-          <p:nvPr>
-            <p:ph type="title"/>
-          </p:nvPr>
-        </p:nvSpPr>
-        <p:spPr/>
-        <p:txBody>
-          <a:bodyPr/>
-          <a:lstStyle/>
-          <a:p>
-            <a:r>
-              <a:rPr lang="en-US"/>
-              <a:t>Taking a Stand</a:t>
-            </a:r>
-          </a:p>
-        </p:txBody>
-      </p:sp>
-      <p:sp>
-        <p:nvSpPr>
-          <p:cNvPr id="3" name="Content Placeholder 2">
-            <a:extLst>
-              <a:ext uri="{FF2B5EF4-FFF2-40B4-BE49-F238E27FC236}">
-                <a16:creationId xmlns:a16="http://schemas.microsoft.com/office/drawing/2014/main" id="{78682C01-4B19-44DE-9790-65C4A35CFFB2}"/>
-              </a:ext>
-            </a:extLst>
-          </p:cNvPr>
-          <p:cNvSpPr>
-            <a:spLocks noGrp="1"/>
-          </p:cNvSpPr>
-          <p:nvPr>
-            <p:ph idx="1"/>
-          </p:nvPr>
-        </p:nvSpPr>
-        <p:spPr>
-          <a:xfrm>
-            <a:off x="196351" y="876300"/>
-            <a:ext cx="11480800" cy="5105400"/>
-          </a:xfrm>
-        </p:spPr>
-        <p:txBody>
-          <a:bodyPr/>
-          <a:lstStyle/>
-          <a:p>
-            <a:r>
-              <a:rPr lang="en-US" sz="1800"/>
-              <a:t>You have to make choices</a:t>
-            </a:r>
-          </a:p>
-          <a:p>
-            <a:pPr lvl="1"/>
-            <a:r>
-              <a:rPr lang="en-US" sz="1600"/>
-              <a:t>Pick what works for you</a:t>
-            </a:r>
-          </a:p>
-          <a:p>
-            <a:pPr lvl="1"/>
-            <a:r>
-              <a:rPr lang="en-US" sz="1600"/>
-              <a:t>Different models for different apps</a:t>
-            </a:r>
-          </a:p>
-          <a:p>
-            <a:r>
-              <a:rPr lang="en-US" sz="1800"/>
-              <a:t>For Hybrid Apps (Page Silos)</a:t>
-            </a:r>
-          </a:p>
-          <a:p>
-            <a:pPr lvl="1"/>
-            <a:r>
-              <a:rPr lang="en-US" sz="1600" b="1">
-                <a:solidFill>
-                  <a:srgbClr val="FFFFCC"/>
-                </a:solidFill>
-              </a:rPr>
-              <a:t>jQuery</a:t>
-            </a:r>
-            <a:r>
-              <a:rPr lang="en-US" sz="1600"/>
-              <a:t> is still a good choice for simple page manipulation and AJAX</a:t>
-            </a:r>
-          </a:p>
-          <a:p>
-            <a:pPr lvl="1"/>
-            <a:r>
-              <a:rPr lang="en-US" sz="1600"/>
-              <a:t>jQuery controls exist for almost anything</a:t>
-            </a:r>
-          </a:p>
-          <a:p>
-            <a:pPr lvl="1"/>
-            <a:r>
-              <a:rPr lang="en-US" sz="1600"/>
-              <a:t>Less relevant today as DOM includes many features</a:t>
-            </a:r>
-          </a:p>
-          <a:p>
-            <a:pPr lvl="1"/>
-            <a:r>
-              <a:rPr lang="en-US" sz="1600" b="1">
-                <a:solidFill>
-                  <a:srgbClr val="FFFFCC"/>
-                </a:solidFill>
-              </a:rPr>
-              <a:t>VueJs</a:t>
-            </a:r>
-            <a:r>
-              <a:rPr lang="en-US" sz="1600"/>
-              <a:t> for page level ‘apps’ that require data binding</a:t>
-            </a:r>
-          </a:p>
-          <a:p>
-            <a:pPr lvl="1"/>
-            <a:r>
-              <a:rPr lang="en-US" sz="1600"/>
-              <a:t>VueJs provides features of Angular, React, in a small package</a:t>
-            </a:r>
-          </a:p>
-          <a:p>
-            <a:pPr lvl="1"/>
-            <a:r>
-              <a:rPr lang="en-US" sz="1600"/>
-              <a:t>VueJs still works with plain old JavaScript</a:t>
-            </a:r>
-          </a:p>
-          <a:p>
-            <a:r>
-              <a:rPr lang="en-US" sz="1800"/>
-              <a:t>For SPA Apps</a:t>
-            </a:r>
-          </a:p>
-          <a:p>
-            <a:pPr lvl="1"/>
-            <a:r>
-              <a:rPr lang="en-US" sz="1600"/>
-              <a:t>I like to use </a:t>
-            </a:r>
-            <a:r>
-              <a:rPr lang="en-US" sz="1600" b="1"/>
-              <a:t>Angular</a:t>
-            </a:r>
-            <a:r>
-              <a:rPr lang="en-US" sz="1600"/>
-              <a:t> – other choices are React, Vue, Ember etc.</a:t>
-            </a:r>
-          </a:p>
-          <a:p>
-            <a:pPr lvl="1"/>
-            <a:r>
-              <a:rPr lang="en-US" sz="1600"/>
-              <a:t>Angular is very complex to start, but very efficient to build large apps with</a:t>
-            </a:r>
-          </a:p>
-          <a:p>
-            <a:pPr lvl="1"/>
-            <a:r>
-              <a:rPr lang="en-US" sz="1600"/>
-              <a:t>Angular’s approach is closest to Desktop application concepts</a:t>
-            </a:r>
-          </a:p>
-          <a:p>
-            <a:pPr lvl="1"/>
-            <a:r>
-              <a:rPr lang="en-US" sz="1600"/>
-              <a:t>Any of the SPA frameworks require knowledge of a lot of support technologies</a:t>
-            </a:r>
-          </a:p>
-          <a:p>
-            <a:pPr lvl="1"/>
-            <a:endParaRPr lang="en-US" sz="1600"/>
-          </a:p>
-        </p:txBody>
-      </p:sp>
-    </p:spTree>
-    <p:extLst>
-      <p:ext uri="{BB962C8B-B14F-4D97-AF65-F5344CB8AC3E}">
-        <p14:creationId xmlns:p14="http://schemas.microsoft.com/office/powerpoint/2010/main" val="3882829"/>
-      </p:ext>
-    </p:extLst>
-  </p:cSld>
-  <p:clrMapOvr>
-    <a:masterClrMapping/>
-  </p:clrMapOvr>
-  <p:transition>
-    <p:wipe/>
-  </p:transition>
-</p:sld>
-</file>
-
-<file path=ppt/slides/slide6.xml><?xml version="1.0" encoding="utf-8"?>
-<p:sld xmlns:a="http://schemas.openxmlformats.org/drawingml/2006/main" xmlns:r="http://schemas.openxmlformats.org/officeDocument/2006/relationships" xmlns:p="http://schemas.openxmlformats.org/presentationml/2006/main">
-  <p:cSld>
-    <p:spTree>
-      <p:nvGrpSpPr>
-        <p:cNvPr id="1" name=""/>
-        <p:cNvGrpSpPr/>
-        <p:nvPr/>
-      </p:nvGrpSpPr>
-      <p:grpSpPr>
-        <a:xfrm>
-          <a:off x="0" y="0"/>
-          <a:ext cx="0" cy="0"/>
-          <a:chOff x="0" y="0"/>
-          <a:chExt cx="0" cy="0"/>
-        </a:xfrm>
-      </p:grpSpPr>
-      <p:sp>
-        <p:nvSpPr>
-          <p:cNvPr id="5" name="Subtitle 4">
-            <a:extLst>
-              <a:ext uri="{FF2B5EF4-FFF2-40B4-BE49-F238E27FC236}">
-                <a16:creationId xmlns:a16="http://schemas.microsoft.com/office/drawing/2014/main" id="{94DCC432-67E4-424F-815C-5A048CA39398}"/>
-              </a:ext>
-            </a:extLst>
-          </p:cNvPr>
-          <p:cNvSpPr>
-            <a:spLocks noGrp="1"/>
-          </p:cNvSpPr>
-          <p:nvPr>
-            <p:ph type="subTitle" idx="1"/>
-          </p:nvPr>
-        </p:nvSpPr>
-        <p:spPr>
-          <a:xfrm>
-            <a:off x="2971800" y="3733800"/>
-            <a:ext cx="8102600" cy="1752600"/>
-          </a:xfrm>
-        </p:spPr>
-        <p:txBody>
-          <a:bodyPr/>
-          <a:lstStyle/>
-          <a:p>
-            <a:r>
-              <a:rPr lang="en-US"/>
-              <a:t>imperative document updates</a:t>
-            </a:r>
-          </a:p>
-          <a:p>
-            <a:r>
-              <a:rPr lang="en-US"/>
-              <a:t>still useful for simple things</a:t>
-            </a:r>
-          </a:p>
-        </p:txBody>
-      </p:sp>
-      <p:pic>
-        <p:nvPicPr>
-          <p:cNvPr id="6" name="Picture 5">
-            <a:extLst>
-              <a:ext uri="{FF2B5EF4-FFF2-40B4-BE49-F238E27FC236}">
-                <a16:creationId xmlns:a16="http://schemas.microsoft.com/office/drawing/2014/main" id="{1731E255-AE52-4F71-B0B6-A29951394167}"/>
-              </a:ext>
-            </a:extLst>
-          </p:cNvPr>
-          <p:cNvPicPr>
-            <a:picLocks noChangeAspect="1"/>
-          </p:cNvPicPr>
-          <p:nvPr/>
-        </p:nvPicPr>
-        <p:blipFill>
-          <a:blip r:embed="rId2"/>
-          <a:stretch>
-            <a:fillRect/>
-          </a:stretch>
-        </p:blipFill>
-        <p:spPr>
-          <a:xfrm>
-            <a:off x="6324600" y="152400"/>
-            <a:ext cx="4631356" cy="4631356"/>
-          </a:xfrm>
-          <a:prstGeom prst="rect">
-            <a:avLst/>
-          </a:prstGeom>
-        </p:spPr>
-      </p:pic>
-    </p:spTree>
-    <p:extLst>
-      <p:ext uri="{BB962C8B-B14F-4D97-AF65-F5344CB8AC3E}">
-        <p14:creationId xmlns:p14="http://schemas.microsoft.com/office/powerpoint/2010/main" val="396751353"/>
-      </p:ext>
-    </p:extLst>
-  </p:cSld>
-  <p:clrMapOvr>
-    <a:masterClrMapping/>
-  </p:clrMapOvr>
-  <p:transition>
-    <p:wipe/>
-  </p:transition>
-</p:sld>
-</file>
-
-<file path=ppt/slides/slide7.xml><?xml version="1.0" encoding="utf-8"?>
-<p:sld xmlns:a="http://schemas.openxmlformats.org/drawingml/2006/main" xmlns:r="http://schemas.openxmlformats.org/officeDocument/2006/relationships" xmlns:p="http://schemas.openxmlformats.org/presentationml/2006/main" show="0">
-  <p:cSld>
-    <p:spTree>
-      <p:nvGrpSpPr>
-        <p:cNvPr id="1" name=""/>
-        <p:cNvGrpSpPr/>
-        <p:nvPr/>
-      </p:nvGrpSpPr>
-      <p:grpSpPr>
-        <a:xfrm>
-          <a:off x="0" y="0"/>
-          <a:ext cx="0" cy="0"/>
-          <a:chOff x="0" y="0"/>
-          <a:chExt cx="0" cy="0"/>
-        </a:xfrm>
-      </p:grpSpPr>
-      <p:sp>
-        <p:nvSpPr>
-          <p:cNvPr id="4" name="Title 3">
-            <a:extLst>
-              <a:ext uri="{FF2B5EF4-FFF2-40B4-BE49-F238E27FC236}">
-                <a16:creationId xmlns:a16="http://schemas.microsoft.com/office/drawing/2014/main" id="{23290501-C27D-460C-A532-3B113ACDB9F4}"/>
-              </a:ext>
-            </a:extLst>
-          </p:cNvPr>
-          <p:cNvSpPr>
-            <a:spLocks noGrp="1"/>
-          </p:cNvSpPr>
-          <p:nvPr>
-            <p:ph type="title"/>
-          </p:nvPr>
-        </p:nvSpPr>
-        <p:spPr/>
-        <p:txBody>
-          <a:bodyPr/>
-          <a:lstStyle/>
-          <a:p>
-            <a:r>
-              <a:rPr lang="en-US"/>
-              <a:t>Out of Favor, but still Useful</a:t>
-            </a:r>
-          </a:p>
-        </p:txBody>
-      </p:sp>
-      <p:sp>
-        <p:nvSpPr>
-          <p:cNvPr id="5" name="Content Placeholder 4">
-            <a:extLst>
-              <a:ext uri="{FF2B5EF4-FFF2-40B4-BE49-F238E27FC236}">
-                <a16:creationId xmlns:a16="http://schemas.microsoft.com/office/drawing/2014/main" id="{EBA9137A-4796-4814-AAC1-43341C82ED21}"/>
-              </a:ext>
-            </a:extLst>
-          </p:cNvPr>
-          <p:cNvSpPr>
-            <a:spLocks noGrp="1"/>
-          </p:cNvSpPr>
-          <p:nvPr>
-            <p:ph idx="1"/>
-          </p:nvPr>
-        </p:nvSpPr>
-        <p:spPr>
-          <a:xfrm>
-            <a:off x="355600" y="838200"/>
-            <a:ext cx="11480800" cy="5486400"/>
-          </a:xfrm>
-        </p:spPr>
-        <p:txBody>
-          <a:bodyPr/>
-          <a:lstStyle/>
-          <a:p>
-            <a:r>
-              <a:rPr lang="en-US" sz="1800"/>
-              <a:t>Imperative UI Updates</a:t>
-            </a:r>
-          </a:p>
-          <a:p>
-            <a:pPr lvl="1"/>
-            <a:r>
-              <a:rPr lang="en-US" sz="1600"/>
-              <a:t>You explicitly interact with the DOM</a:t>
-            </a:r>
-          </a:p>
-          <a:p>
-            <a:pPr lvl="1"/>
-            <a:r>
-              <a:rPr lang="en-US" sz="1600"/>
-              <a:t>Write values into DOM nodes, read values from DOM nodes</a:t>
-            </a:r>
-          </a:p>
-          <a:p>
-            <a:r>
-              <a:rPr lang="en-US" sz="1800"/>
-              <a:t>Use Cases</a:t>
-            </a:r>
-          </a:p>
-          <a:p>
-            <a:pPr lvl="1"/>
-            <a:r>
-              <a:rPr lang="en-US" sz="1600"/>
-              <a:t>For any small UI interactions </a:t>
-            </a:r>
-          </a:p>
-          <a:p>
-            <a:pPr lvl="1"/>
-            <a:r>
-              <a:rPr lang="en-US" sz="1600"/>
-              <a:t>Small data models, minimal DOM updates</a:t>
-            </a:r>
-          </a:p>
-          <a:p>
-            <a:pPr lvl="1"/>
-            <a:r>
-              <a:rPr lang="en-US" sz="1600"/>
-              <a:t>UI controls – a lot of UI controls you find rely on jQuery (Bootstrap does)</a:t>
-            </a:r>
-          </a:p>
-          <a:p>
-            <a:endParaRPr lang="en-US" sz="800"/>
-          </a:p>
-          <a:p>
-            <a:r>
-              <a:rPr lang="en-US" sz="1800"/>
-              <a:t>Out of favor, because…</a:t>
-            </a:r>
-          </a:p>
-          <a:p>
-            <a:pPr lvl="1"/>
-            <a:r>
-              <a:rPr lang="en-US" sz="1600"/>
-              <a:t>DOM features provide a lot of similar functionality now</a:t>
-            </a:r>
-          </a:p>
-          <a:p>
-            <a:pPr lvl="1"/>
-            <a:r>
-              <a:rPr lang="en-US" sz="1600"/>
-              <a:t>Frameworks like Angular/React use declarative models</a:t>
-            </a:r>
-          </a:p>
-          <a:p>
-            <a:pPr lvl="1"/>
-            <a:r>
-              <a:rPr lang="en-US" sz="1600"/>
-              <a:t>Declarative models require very little direct DOM interaction</a:t>
-            </a:r>
-          </a:p>
-          <a:p>
-            <a:r>
-              <a:rPr lang="en-US" sz="1800"/>
-              <a:t>Still useful, because…</a:t>
-            </a:r>
-          </a:p>
-          <a:p>
-            <a:pPr lvl="1"/>
-            <a:r>
-              <a:rPr lang="en-US" sz="1600"/>
-              <a:t>Still </a:t>
-            </a:r>
-            <a:r>
-              <a:rPr lang="en-US" sz="1600" b="1"/>
-              <a:t>way easier </a:t>
-            </a:r>
-            <a:r>
-              <a:rPr lang="en-US" sz="1600"/>
-              <a:t>for DOM manipulation than raw DOM</a:t>
-            </a:r>
-          </a:p>
-          <a:p>
-            <a:pPr lvl="1"/>
-            <a:r>
-              <a:rPr lang="en-US" sz="1600"/>
-              <a:t>Many small utility features</a:t>
-            </a:r>
-          </a:p>
-          <a:p>
-            <a:pPr lvl="1"/>
-            <a:r>
-              <a:rPr lang="en-US" sz="1600"/>
-              <a:t>Ajax/HTTP functionality baked in including basic parsing</a:t>
-            </a:r>
-          </a:p>
-          <a:p>
-            <a:pPr lvl="1"/>
-            <a:r>
-              <a:rPr lang="en-US" sz="1600"/>
-              <a:t>Very small for what it provides (~30k packed and gzipped)</a:t>
-            </a:r>
-          </a:p>
-        </p:txBody>
-      </p:sp>
-      <p:pic>
-        <p:nvPicPr>
-          <p:cNvPr id="6" name="Picture 5">
-            <a:extLst>
-              <a:ext uri="{FF2B5EF4-FFF2-40B4-BE49-F238E27FC236}">
-                <a16:creationId xmlns:a16="http://schemas.microsoft.com/office/drawing/2014/main" id="{84A9C4F7-705A-4714-A569-C9B4E6351793}"/>
-              </a:ext>
-            </a:extLst>
-          </p:cNvPr>
-          <p:cNvPicPr>
-            <a:picLocks noChangeAspect="1"/>
-          </p:cNvPicPr>
-          <p:nvPr/>
-        </p:nvPicPr>
-        <p:blipFill>
-          <a:blip r:embed="rId2"/>
-          <a:stretch>
-            <a:fillRect/>
-          </a:stretch>
-        </p:blipFill>
-        <p:spPr>
-          <a:xfrm>
-            <a:off x="193675" y="5943600"/>
-            <a:ext cx="914400" cy="914400"/>
-          </a:xfrm>
-          <a:prstGeom prst="rect">
-            <a:avLst/>
-          </a:prstGeom>
-        </p:spPr>
-      </p:pic>
-    </p:spTree>
-    <p:extLst>
-      <p:ext uri="{BB962C8B-B14F-4D97-AF65-F5344CB8AC3E}">
-        <p14:creationId xmlns:p14="http://schemas.microsoft.com/office/powerpoint/2010/main" val="853952958"/>
-      </p:ext>
-    </p:extLst>
-  </p:cSld>
-  <p:clrMapOvr>
-    <a:masterClrMapping/>
-  </p:clrMapOvr>
-  <p:transition>
-    <p:wipe/>
-  </p:transition>
-</p:sld>
-</file>
-
-<file path=ppt/slides/slide8.xml><?xml version="1.0" encoding="utf-8"?>
-<p:sld xmlns:a="http://schemas.openxmlformats.org/drawingml/2006/main" xmlns:r="http://schemas.openxmlformats.org/officeDocument/2006/relationships" xmlns:p="http://schemas.openxmlformats.org/presentationml/2006/main">
-  <p:cSld>
-    <p:spTree>
-      <p:nvGrpSpPr>
-        <p:cNvPr id="1" name=""/>
-        <p:cNvGrpSpPr/>
-        <p:nvPr/>
-      </p:nvGrpSpPr>
-      <p:grpSpPr>
-        <a:xfrm>
-          <a:off x="0" y="0"/>
-          <a:ext cx="0" cy="0"/>
-          <a:chOff x="0" y="0"/>
-          <a:chExt cx="0" cy="0"/>
-        </a:xfrm>
-      </p:grpSpPr>
-      <p:sp>
-        <p:nvSpPr>
-          <p:cNvPr id="8194" name="Title 3"/>
-          <p:cNvSpPr>
-            <a:spLocks noGrp="1"/>
-          </p:cNvSpPr>
-          <p:nvPr>
-            <p:ph type="title"/>
-          </p:nvPr>
-        </p:nvSpPr>
-        <p:spPr/>
-        <p:txBody>
-          <a:bodyPr/>
-          <a:lstStyle/>
-          <a:p>
-            <a:r>
-              <a:rPr lang="en-US"/>
-              <a:t>Imperative jQuery Examples</a:t>
-            </a:r>
-          </a:p>
-        </p:txBody>
-      </p:sp>
-      <p:pic>
-        <p:nvPicPr>
-          <p:cNvPr id="6" name="Picture 5">
-            <a:extLst>
-              <a:ext uri="{FF2B5EF4-FFF2-40B4-BE49-F238E27FC236}">
-                <a16:creationId xmlns:a16="http://schemas.microsoft.com/office/drawing/2014/main" id="{688AE5F8-EA6F-4382-BCBC-BC3670C160CB}"/>
-              </a:ext>
-            </a:extLst>
-          </p:cNvPr>
-          <p:cNvPicPr>
-            <a:picLocks noChangeAspect="1"/>
-          </p:cNvPicPr>
-          <p:nvPr/>
-        </p:nvPicPr>
-        <p:blipFill>
-          <a:blip r:embed="rId2"/>
-          <a:stretch>
-            <a:fillRect/>
-          </a:stretch>
-        </p:blipFill>
-        <p:spPr>
-          <a:xfrm>
-            <a:off x="304800" y="734191"/>
-            <a:ext cx="8771428" cy="6123809"/>
-          </a:xfrm>
-          <a:prstGeom prst="rect">
-            <a:avLst/>
-          </a:prstGeom>
-        </p:spPr>
-      </p:pic>
-      <p:pic>
-        <p:nvPicPr>
-          <p:cNvPr id="4" name="Picture 3">
-            <a:extLst>
-              <a:ext uri="{FF2B5EF4-FFF2-40B4-BE49-F238E27FC236}">
-                <a16:creationId xmlns:a16="http://schemas.microsoft.com/office/drawing/2014/main" id="{43A57C47-04C8-4738-9232-E595004AF797}"/>
-              </a:ext>
-            </a:extLst>
-          </p:cNvPr>
-          <p:cNvPicPr>
-            <a:picLocks noChangeAspect="1"/>
-          </p:cNvPicPr>
-          <p:nvPr/>
-        </p:nvPicPr>
-        <p:blipFill>
-          <a:blip r:embed="rId3"/>
-          <a:stretch>
-            <a:fillRect/>
-          </a:stretch>
-        </p:blipFill>
-        <p:spPr>
-          <a:xfrm>
-            <a:off x="10820400" y="5791200"/>
-            <a:ext cx="914400" cy="914400"/>
-          </a:xfrm>
-          <a:prstGeom prst="rect">
-            <a:avLst/>
-          </a:prstGeom>
-        </p:spPr>
-      </p:pic>
-    </p:spTree>
-  </p:cSld>
-  <p:clrMapOvr>
-    <a:masterClrMapping/>
-  </p:clrMapOvr>
-  <p:transition>
-    <p:wipe/>
-  </p:transition>
-</p:sld>
-</file>
-
-<file path=ppt/slides/slide9.xml><?xml version="1.0" encoding="utf-8"?>
-<p:sld xmlns:a="http://schemas.openxmlformats.org/drawingml/2006/main" xmlns:r="http://schemas.openxmlformats.org/officeDocument/2006/relationships" xmlns:p="http://schemas.openxmlformats.org/presentationml/2006/main">
-  <p:cSld>
-    <p:spTree>
-      <p:nvGrpSpPr>
-        <p:cNvPr id="1" name=""/>
-        <p:cNvGrpSpPr/>
-        <p:nvPr/>
-      </p:nvGrpSpPr>
-      <p:grpSpPr>
-        <a:xfrm>
-          <a:off x="0" y="0"/>
-          <a:ext cx="0" cy="0"/>
-          <a:chOff x="0" y="0"/>
-          <a:chExt cx="0" cy="0"/>
-        </a:xfrm>
-      </p:grpSpPr>
-      <p:sp>
-        <p:nvSpPr>
-          <p:cNvPr id="4" name="Title 3">
-            <a:extLst>
-              <a:ext uri="{FF2B5EF4-FFF2-40B4-BE49-F238E27FC236}">
-                <a16:creationId xmlns:a16="http://schemas.microsoft.com/office/drawing/2014/main" id="{98D90C99-BEA6-43FF-9D9F-58FC89B70845}"/>
-              </a:ext>
-            </a:extLst>
-          </p:cNvPr>
-          <p:cNvSpPr>
-            <a:spLocks noGrp="1"/>
-          </p:cNvSpPr>
-          <p:nvPr>
-            <p:ph type="ctrTitle"/>
-          </p:nvPr>
-        </p:nvSpPr>
-        <p:spPr/>
-        <p:txBody>
-          <a:bodyPr/>
-          <a:lstStyle/>
-          <a:p>
-            <a:r>
-              <a:rPr lang="en-US"/>
-              <a:t>VueJs</a:t>
-            </a:r>
-          </a:p>
-        </p:txBody>
-      </p:sp>
-      <p:sp>
-        <p:nvSpPr>
-          <p:cNvPr id="5" name="Subtitle 4">
-            <a:extLst>
-              <a:ext uri="{FF2B5EF4-FFF2-40B4-BE49-F238E27FC236}">
-                <a16:creationId xmlns:a16="http://schemas.microsoft.com/office/drawing/2014/main" id="{B6F40BAE-AA76-493F-849B-43E7DCBF9251}"/>
-              </a:ext>
-            </a:extLst>
-          </p:cNvPr>
-          <p:cNvSpPr>
-            <a:spLocks noGrp="1"/>
-          </p:cNvSpPr>
-          <p:nvPr>
-            <p:ph type="subTitle" idx="1"/>
-          </p:nvPr>
-        </p:nvSpPr>
-        <p:spPr>
-          <a:xfrm>
-            <a:off x="3556000" y="3886200"/>
-            <a:ext cx="8534400" cy="1752600"/>
-          </a:xfrm>
-        </p:spPr>
-        <p:txBody>
-          <a:bodyPr/>
-          <a:lstStyle/>
-          <a:p>
-            <a:r>
-              <a:rPr lang="en-US"/>
-              <a:t>declarative, model driven web pages</a:t>
-            </a:r>
-          </a:p>
-          <a:p>
-            <a:r>
-              <a:rPr lang="en-US"/>
-              <a:t>in a lightweight framework</a:t>
-            </a:r>
-          </a:p>
-        </p:txBody>
-      </p:sp>
-      <p:pic>
-        <p:nvPicPr>
-          <p:cNvPr id="6" name="Picture 5">
-            <a:extLst>
-              <a:ext uri="{FF2B5EF4-FFF2-40B4-BE49-F238E27FC236}">
-                <a16:creationId xmlns:a16="http://schemas.microsoft.com/office/drawing/2014/main" id="{06342129-B517-49FE-A889-69FE3E081D4B}"/>
-              </a:ext>
-            </a:extLst>
-          </p:cNvPr>
-          <p:cNvPicPr>
-            <a:picLocks noChangeAspect="1"/>
-          </p:cNvPicPr>
-          <p:nvPr/>
-        </p:nvPicPr>
-        <p:blipFill>
-          <a:blip r:embed="rId2"/>
-          <a:stretch>
-            <a:fillRect/>
-          </a:stretch>
-        </p:blipFill>
-        <p:spPr>
-          <a:xfrm>
-            <a:off x="6324600" y="1201003"/>
-            <a:ext cx="2550259" cy="2209800"/>
-          </a:xfrm>
-          <a:prstGeom prst="rect">
-            <a:avLst/>
-          </a:prstGeom>
-        </p:spPr>
-      </p:pic>
-    </p:spTree>
-    <p:extLst>
-      <p:ext uri="{BB962C8B-B14F-4D97-AF65-F5344CB8AC3E}">
-        <p14:creationId xmlns:p14="http://schemas.microsoft.com/office/powerpoint/2010/main" val="3021639912"/>
       </p:ext>
     </p:extLst>
   </p:cSld>

--- a/Documents/Strahl_FoxProREST.pptx
+++ b/Documents/Strahl_FoxProREST.pptx
@@ -5,15 +5,22 @@
     <p:sldMasterId id="2147483651" r:id="rId1"/>
   </p:sldMasterIdLst>
   <p:notesMasterIdLst>
-    <p:notesMasterId r:id="rId5"/>
+    <p:notesMasterId r:id="rId12"/>
   </p:notesMasterIdLst>
   <p:handoutMasterIdLst>
-    <p:handoutMasterId r:id="rId6"/>
+    <p:handoutMasterId r:id="rId13"/>
   </p:handoutMasterIdLst>
   <p:sldIdLst>
     <p:sldId id="256" r:id="rId2"/>
-    <p:sldId id="281" r:id="rId3"/>
-    <p:sldId id="385" r:id="rId4"/>
+    <p:sldId id="386" r:id="rId3"/>
+    <p:sldId id="387" r:id="rId4"/>
+    <p:sldId id="392" r:id="rId5"/>
+    <p:sldId id="388" r:id="rId6"/>
+    <p:sldId id="390" r:id="rId7"/>
+    <p:sldId id="391" r:id="rId8"/>
+    <p:sldId id="389" r:id="rId9"/>
+    <p:sldId id="281" r:id="rId10"/>
+    <p:sldId id="385" r:id="rId11"/>
   </p:sldIdLst>
   <p:sldSz cx="12192000" cy="6858000"/>
   <p:notesSz cx="6858000" cy="9144000"/>
@@ -1845,12 +1852,17 @@
             <p:ph type="title"/>
           </p:nvPr>
         </p:nvSpPr>
-        <p:spPr/>
+        <p:spPr>
+          <a:xfrm>
+            <a:off x="457200" y="152400"/>
+            <a:ext cx="11430000" cy="457200"/>
+          </a:xfrm>
+        </p:spPr>
         <p:txBody>
           <a:bodyPr/>
           <a:lstStyle>
-            <a:lvl1pPr>
-              <a:defRPr sz="2600"/>
+            <a:lvl1pPr algn="ctr">
+              <a:defRPr sz="2800" baseline="0"/>
             </a:lvl1pPr>
           </a:lstStyle>
           <a:p>
@@ -3244,7 +3256,7 @@
         </p:blipFill>
         <p:spPr bwMode="auto">
           <a:xfrm>
-            <a:off x="11398250" y="314325"/>
+            <a:off x="111125" y="6177121"/>
             <a:ext cx="590550" cy="590550"/>
           </a:xfrm>
           <a:prstGeom prst="rect">
@@ -3935,7 +3947,1970 @@
 </p:sld>
 </file>
 
+<file path=ppt/slides/slide10.xml><?xml version="1.0" encoding="utf-8"?>
+<p:sld xmlns:a="http://schemas.openxmlformats.org/drawingml/2006/main" xmlns:r="http://schemas.openxmlformats.org/officeDocument/2006/relationships" xmlns:p="http://schemas.openxmlformats.org/presentationml/2006/main">
+  <p:cSld>
+    <p:spTree>
+      <p:nvGrpSpPr>
+        <p:cNvPr id="1" name=""/>
+        <p:cNvGrpSpPr/>
+        <p:nvPr/>
+      </p:nvGrpSpPr>
+      <p:grpSpPr>
+        <a:xfrm>
+          <a:off x="0" y="0"/>
+          <a:ext cx="0" cy="0"/>
+          <a:chOff x="0" y="0"/>
+          <a:chExt cx="0" cy="0"/>
+        </a:xfrm>
+      </p:grpSpPr>
+      <p:sp>
+        <p:nvSpPr>
+          <p:cNvPr id="2" name="Text Placeholder 1">
+            <a:extLst>
+              <a:ext uri="{FF2B5EF4-FFF2-40B4-BE49-F238E27FC236}">
+                <a16:creationId xmlns:a16="http://schemas.microsoft.com/office/drawing/2014/main" id="{B848A531-13BD-42AD-A332-33C02482A1C6}"/>
+              </a:ext>
+            </a:extLst>
+          </p:cNvPr>
+          <p:cNvSpPr>
+            <a:spLocks noGrp="1"/>
+          </p:cNvSpPr>
+          <p:nvPr>
+            <p:ph type="body" idx="1"/>
+          </p:nvPr>
+        </p:nvSpPr>
+        <p:spPr/>
+        <p:txBody>
+          <a:bodyPr/>
+          <a:lstStyle/>
+          <a:p>
+            <a:r>
+              <a:rPr lang="en-US"/>
+              <a:t>Resources</a:t>
+            </a:r>
+          </a:p>
+          <a:p>
+            <a:pPr lvl="1"/>
+            <a:r>
+              <a:rPr lang="en-US"/>
+              <a:t>Github: Source Code, White Paper and Slides</a:t>
+            </a:r>
+            <a:br>
+              <a:rPr lang="en-US"/>
+            </a:br>
+            <a:br>
+              <a:rPr lang="en-US" sz="500"/>
+            </a:br>
+            <a:r>
+              <a:rPr lang="en-US" sz="2000">
+                <a:hlinkClick r:id="rId2"/>
+              </a:rPr>
+              <a:t>https://github.com/RickStrahl/SWFOX2019_VueJs</a:t>
+            </a:r>
+            <a:br>
+              <a:rPr lang="en-US"/>
+            </a:br>
+            <a:endParaRPr lang="en-US"/>
+          </a:p>
+          <a:p>
+            <a:r>
+              <a:rPr lang="en-US"/>
+              <a:t>Contact Rick</a:t>
+            </a:r>
+          </a:p>
+          <a:p>
+            <a:pPr lvl="1"/>
+            <a:r>
+              <a:rPr lang="en-US" b="1">
+                <a:hlinkClick r:id="rId3"/>
+              </a:rPr>
+              <a:t>@RickStrahl</a:t>
+            </a:r>
+            <a:r>
+              <a:rPr lang="en-US" b="1"/>
+              <a:t>  on Twitter</a:t>
+            </a:r>
+          </a:p>
+          <a:p>
+            <a:pPr lvl="1"/>
+            <a:r>
+              <a:rPr lang="en-US" b="1">
+                <a:hlinkClick r:id="rId4"/>
+              </a:rPr>
+              <a:t>https://weblog.west-wind.com</a:t>
+            </a:r>
+            <a:endParaRPr lang="en-US" b="1"/>
+          </a:p>
+          <a:p>
+            <a:pPr lvl="1"/>
+            <a:r>
+              <a:rPr lang="en-US" b="1">
+                <a:hlinkClick r:id="rId5"/>
+              </a:rPr>
+              <a:t>https://west-wind.com/wconnect/weblog/</a:t>
+            </a:r>
+            <a:r>
+              <a:rPr lang="en-US" b="1"/>
+              <a:t> </a:t>
+            </a:r>
+          </a:p>
+          <a:p>
+            <a:pPr lvl="1"/>
+            <a:r>
+              <a:rPr lang="en-US" b="1">
+                <a:hlinkClick r:id="rId6"/>
+              </a:rPr>
+              <a:t>rstrahl@west-wind.com</a:t>
+            </a:r>
+            <a:r>
+              <a:rPr lang="en-US" b="1"/>
+              <a:t>	</a:t>
+            </a:r>
+            <a:endParaRPr lang="en-US"/>
+          </a:p>
+          <a:p>
+            <a:pPr marL="457200" lvl="1" indent="0">
+              <a:buNone/>
+            </a:pPr>
+            <a:endParaRPr lang="en-US"/>
+          </a:p>
+        </p:txBody>
+      </p:sp>
+      <p:sp>
+        <p:nvSpPr>
+          <p:cNvPr id="3" name="Title 2">
+            <a:extLst>
+              <a:ext uri="{FF2B5EF4-FFF2-40B4-BE49-F238E27FC236}">
+                <a16:creationId xmlns:a16="http://schemas.microsoft.com/office/drawing/2014/main" id="{DB285E1C-0327-484C-9555-5AF3541A05DD}"/>
+              </a:ext>
+            </a:extLst>
+          </p:cNvPr>
+          <p:cNvSpPr>
+            <a:spLocks noGrp="1"/>
+          </p:cNvSpPr>
+          <p:nvPr>
+            <p:ph type="title"/>
+          </p:nvPr>
+        </p:nvSpPr>
+        <p:spPr/>
+        <p:txBody>
+          <a:bodyPr/>
+          <a:lstStyle/>
+          <a:p>
+            <a:r>
+              <a:rPr lang="en-US"/>
+              <a:t>Thank you!</a:t>
+            </a:r>
+          </a:p>
+        </p:txBody>
+      </p:sp>
+    </p:spTree>
+    <p:extLst>
+      <p:ext uri="{BB962C8B-B14F-4D97-AF65-F5344CB8AC3E}">
+        <p14:creationId xmlns:p14="http://schemas.microsoft.com/office/powerpoint/2010/main" val="144676648"/>
+      </p:ext>
+    </p:extLst>
+  </p:cSld>
+  <p:clrMapOvr>
+    <a:masterClrMapping/>
+  </p:clrMapOvr>
+  <p:transition>
+    <p:wipe/>
+  </p:transition>
+</p:sld>
+</file>
+
 <file path=ppt/slides/slide2.xml><?xml version="1.0" encoding="utf-8"?>
+<p:sld xmlns:a="http://schemas.openxmlformats.org/drawingml/2006/main" xmlns:r="http://schemas.openxmlformats.org/officeDocument/2006/relationships" xmlns:p="http://schemas.openxmlformats.org/presentationml/2006/main">
+  <p:cSld>
+    <p:spTree>
+      <p:nvGrpSpPr>
+        <p:cNvPr id="1" name=""/>
+        <p:cNvGrpSpPr/>
+        <p:nvPr/>
+      </p:nvGrpSpPr>
+      <p:grpSpPr>
+        <a:xfrm>
+          <a:off x="0" y="0"/>
+          <a:ext cx="0" cy="0"/>
+          <a:chOff x="0" y="0"/>
+          <a:chExt cx="0" cy="0"/>
+        </a:xfrm>
+      </p:grpSpPr>
+      <p:sp>
+        <p:nvSpPr>
+          <p:cNvPr id="3" name="Content Placeholder 2">
+            <a:extLst>
+              <a:ext uri="{FF2B5EF4-FFF2-40B4-BE49-F238E27FC236}">
+                <a16:creationId xmlns:a16="http://schemas.microsoft.com/office/drawing/2014/main" id="{9F6D9651-8DCF-4652-BE22-43A8910D4BBD}"/>
+              </a:ext>
+            </a:extLst>
+          </p:cNvPr>
+          <p:cNvSpPr>
+            <a:spLocks noGrp="1"/>
+          </p:cNvSpPr>
+          <p:nvPr>
+            <p:ph idx="1"/>
+          </p:nvPr>
+        </p:nvSpPr>
+        <p:spPr>
+          <a:xfrm>
+            <a:off x="2997200" y="3352800"/>
+            <a:ext cx="6070600" cy="3124200"/>
+          </a:xfrm>
+        </p:spPr>
+        <p:txBody>
+          <a:bodyPr/>
+          <a:lstStyle/>
+          <a:p>
+            <a:r>
+              <a:rPr lang="en-US"/>
+              <a:t>2000</a:t>
+            </a:r>
+          </a:p>
+        </p:txBody>
+      </p:sp>
+      <p:pic>
+        <p:nvPicPr>
+          <p:cNvPr id="1026" name="Picture 2">
+            <a:extLst>
+              <a:ext uri="{FF2B5EF4-FFF2-40B4-BE49-F238E27FC236}">
+                <a16:creationId xmlns:a16="http://schemas.microsoft.com/office/drawing/2014/main" id="{AD1E9093-E878-4FD5-B3A3-6A84ACE26D35}"/>
+              </a:ext>
+            </a:extLst>
+          </p:cNvPr>
+          <p:cNvPicPr>
+            <a:picLocks noChangeAspect="1" noChangeArrowheads="1"/>
+          </p:cNvPicPr>
+          <p:nvPr/>
+        </p:nvPicPr>
+        <p:blipFill>
+          <a:blip r:embed="rId2" cstate="print">
+            <a:extLst>
+              <a:ext uri="{28A0092B-C50C-407E-A947-70E740481C1C}">
+                <a14:useLocalDpi xmlns:a14="http://schemas.microsoft.com/office/drawing/2010/main" val="0"/>
+              </a:ext>
+            </a:extLst>
+          </a:blip>
+          <a:srcRect/>
+          <a:stretch>
+            <a:fillRect/>
+          </a:stretch>
+        </p:blipFill>
+        <p:spPr bwMode="auto">
+          <a:xfrm>
+            <a:off x="3203532" y="1905000"/>
+            <a:ext cx="8991600" cy="4495800"/>
+          </a:xfrm>
+          <a:prstGeom prst="rect">
+            <a:avLst/>
+          </a:prstGeom>
+          <a:noFill/>
+          <a:extLst>
+            <a:ext uri="{909E8E84-426E-40DD-AFC4-6F175D3DCCD1}">
+              <a14:hiddenFill xmlns:a14="http://schemas.microsoft.com/office/drawing/2010/main">
+                <a:solidFill>
+                  <a:srgbClr val="FFFFFF"/>
+                </a:solidFill>
+              </a14:hiddenFill>
+            </a:ext>
+          </a:extLst>
+        </p:spPr>
+      </p:pic>
+      <p:sp>
+        <p:nvSpPr>
+          <p:cNvPr id="5" name="TextBox 4">
+            <a:extLst>
+              <a:ext uri="{FF2B5EF4-FFF2-40B4-BE49-F238E27FC236}">
+                <a16:creationId xmlns:a16="http://schemas.microsoft.com/office/drawing/2014/main" id="{1A17BE96-BBFC-432F-BD43-46F5B5B95C21}"/>
+              </a:ext>
+            </a:extLst>
+          </p:cNvPr>
+          <p:cNvSpPr txBox="1"/>
+          <p:nvPr/>
+        </p:nvSpPr>
+        <p:spPr>
+          <a:xfrm>
+            <a:off x="2832100" y="406392"/>
+            <a:ext cx="6400800" cy="1261884"/>
+          </a:xfrm>
+          <a:prstGeom prst="rect">
+            <a:avLst/>
+          </a:prstGeom>
+          <a:noFill/>
+        </p:spPr>
+        <p:txBody>
+          <a:bodyPr wrap="square" rtlCol="0">
+            <a:spAutoFit/>
+          </a:bodyPr>
+          <a:lstStyle/>
+          <a:p>
+            <a:r>
+              <a:rPr lang="en-US" sz="4800"/>
+              <a:t>REST</a:t>
+            </a:r>
+          </a:p>
+          <a:p>
+            <a:r>
+              <a:rPr lang="en-US" sz="2800"/>
+              <a:t>Representational State Transfer</a:t>
+            </a:r>
+            <a:endParaRPr lang="en-US"/>
+          </a:p>
+        </p:txBody>
+      </p:sp>
+      <p:pic>
+        <p:nvPicPr>
+          <p:cNvPr id="4" name="Picture 3">
+            <a:extLst>
+              <a:ext uri="{FF2B5EF4-FFF2-40B4-BE49-F238E27FC236}">
+                <a16:creationId xmlns:a16="http://schemas.microsoft.com/office/drawing/2014/main" id="{ABF68CBE-4FE9-4E81-8539-2ECBA09BC321}"/>
+              </a:ext>
+            </a:extLst>
+          </p:cNvPr>
+          <p:cNvPicPr>
+            <a:picLocks noChangeAspect="1"/>
+          </p:cNvPicPr>
+          <p:nvPr/>
+        </p:nvPicPr>
+        <p:blipFill>
+          <a:blip r:embed="rId3"/>
+          <a:stretch>
+            <a:fillRect/>
+          </a:stretch>
+        </p:blipFill>
+        <p:spPr>
+          <a:xfrm>
+            <a:off x="27519" y="2438400"/>
+            <a:ext cx="6002742" cy="3352800"/>
+          </a:xfrm>
+          <a:prstGeom prst="rect">
+            <a:avLst/>
+          </a:prstGeom>
+        </p:spPr>
+      </p:pic>
+    </p:spTree>
+    <p:extLst>
+      <p:ext uri="{BB962C8B-B14F-4D97-AF65-F5344CB8AC3E}">
+        <p14:creationId xmlns:p14="http://schemas.microsoft.com/office/powerpoint/2010/main" val="653964499"/>
+      </p:ext>
+    </p:extLst>
+  </p:cSld>
+  <p:clrMapOvr>
+    <a:masterClrMapping/>
+  </p:clrMapOvr>
+  <p:transition>
+    <p:wipe/>
+  </p:transition>
+</p:sld>
+</file>
+
+<file path=ppt/slides/slide3.xml><?xml version="1.0" encoding="utf-8"?>
+<p:sld xmlns:a="http://schemas.openxmlformats.org/drawingml/2006/main" xmlns:r="http://schemas.openxmlformats.org/officeDocument/2006/relationships" xmlns:p="http://schemas.openxmlformats.org/presentationml/2006/main">
+  <p:cSld>
+    <p:spTree>
+      <p:nvGrpSpPr>
+        <p:cNvPr id="1" name=""/>
+        <p:cNvGrpSpPr/>
+        <p:nvPr/>
+      </p:nvGrpSpPr>
+      <p:grpSpPr>
+        <a:xfrm>
+          <a:off x="0" y="0"/>
+          <a:ext cx="0" cy="0"/>
+          <a:chOff x="0" y="0"/>
+          <a:chExt cx="0" cy="0"/>
+        </a:xfrm>
+      </p:grpSpPr>
+      <p:sp>
+        <p:nvSpPr>
+          <p:cNvPr id="2" name="Title 1">
+            <a:extLst>
+              <a:ext uri="{FF2B5EF4-FFF2-40B4-BE49-F238E27FC236}">
+                <a16:creationId xmlns:a16="http://schemas.microsoft.com/office/drawing/2014/main" id="{1F61928F-F32C-4137-86C9-ED69133212FF}"/>
+              </a:ext>
+            </a:extLst>
+          </p:cNvPr>
+          <p:cNvSpPr>
+            <a:spLocks noGrp="1"/>
+          </p:cNvSpPr>
+          <p:nvPr>
+            <p:ph type="title"/>
+          </p:nvPr>
+        </p:nvSpPr>
+        <p:spPr/>
+        <p:txBody>
+          <a:bodyPr/>
+          <a:lstStyle/>
+          <a:p>
+            <a:r>
+              <a:rPr lang="en-US" sz="2000"/>
+              <a:t>Web API Services for the REST of Us</a:t>
+            </a:r>
+          </a:p>
+        </p:txBody>
+      </p:sp>
+      <p:sp>
+        <p:nvSpPr>
+          <p:cNvPr id="3" name="Content Placeholder 2">
+            <a:extLst>
+              <a:ext uri="{FF2B5EF4-FFF2-40B4-BE49-F238E27FC236}">
+                <a16:creationId xmlns:a16="http://schemas.microsoft.com/office/drawing/2014/main" id="{AC81B33A-A5CB-4091-9B2B-433E896AB652}"/>
+              </a:ext>
+            </a:extLst>
+          </p:cNvPr>
+          <p:cNvSpPr>
+            <a:spLocks noGrp="1"/>
+          </p:cNvSpPr>
+          <p:nvPr>
+            <p:ph idx="1"/>
+          </p:nvPr>
+        </p:nvSpPr>
+        <p:spPr>
+          <a:xfrm>
+            <a:off x="152400" y="990600"/>
+            <a:ext cx="5826870" cy="2489200"/>
+          </a:xfrm>
+        </p:spPr>
+        <p:txBody>
+          <a:bodyPr/>
+          <a:lstStyle/>
+          <a:p>
+            <a:r>
+              <a:rPr lang="en-US" sz="1400"/>
+              <a:t>Representational State Transfer</a:t>
+            </a:r>
+          </a:p>
+          <a:p>
+            <a:pPr lvl="1"/>
+            <a:r>
+              <a:rPr lang="en-US" sz="1200"/>
+              <a:t>Huh?</a:t>
+            </a:r>
+          </a:p>
+          <a:p>
+            <a:pPr lvl="1"/>
+            <a:r>
+              <a:rPr lang="en-US" sz="1200"/>
+              <a:t>Representational: Uniform resource access </a:t>
+            </a:r>
+            <a:r>
+              <a:rPr lang="en-US" sz="1050" i="1"/>
+              <a:t>(URL + Verb)</a:t>
+            </a:r>
+            <a:endParaRPr lang="en-US" sz="1200" i="1"/>
+          </a:p>
+          <a:p>
+            <a:pPr lvl="1"/>
+            <a:r>
+              <a:rPr lang="en-US" sz="1200"/>
+              <a:t>State: Data sent between client and server, typically JSON</a:t>
+            </a:r>
+          </a:p>
+          <a:p>
+            <a:pPr lvl="1"/>
+            <a:r>
+              <a:rPr lang="en-US" sz="1200"/>
+              <a:t>Transfer: The HTTP Protocol that carries the data</a:t>
+            </a:r>
+            <a:endParaRPr lang="en-US" sz="1400"/>
+          </a:p>
+          <a:p>
+            <a:r>
+              <a:rPr lang="en-US" sz="1400"/>
+              <a:t>In Simple Terms</a:t>
+            </a:r>
+          </a:p>
+          <a:p>
+            <a:pPr lvl="1"/>
+            <a:r>
+              <a:rPr lang="en-US" sz="1200"/>
+              <a:t>A mechanism to host </a:t>
+            </a:r>
+            <a:r>
+              <a:rPr lang="en-US" sz="1200" b="1"/>
+              <a:t>Web API Services</a:t>
+            </a:r>
+          </a:p>
+          <a:p>
+            <a:pPr lvl="1"/>
+            <a:r>
+              <a:rPr lang="en-US" sz="1200"/>
+              <a:t>Universal access via HTTP from </a:t>
+            </a:r>
+            <a:r>
+              <a:rPr lang="en-US" sz="1200" b="1">
+                <a:solidFill>
+                  <a:srgbClr val="FFFFCC"/>
+                </a:solidFill>
+              </a:rPr>
+              <a:t>anywhere</a:t>
+            </a:r>
+            <a:br>
+              <a:rPr lang="en-US" sz="1200" b="1">
+                <a:solidFill>
+                  <a:srgbClr val="FFFFCC"/>
+                </a:solidFill>
+              </a:rPr>
+            </a:br>
+            <a:endParaRPr lang="en-US" sz="1200" b="1">
+              <a:solidFill>
+                <a:srgbClr val="FFFFCC"/>
+              </a:solidFill>
+            </a:endParaRPr>
+          </a:p>
+          <a:p>
+            <a:r>
+              <a:rPr lang="en-US" sz="1400"/>
+              <a:t>Not a Standard but a Recommendation</a:t>
+            </a:r>
+          </a:p>
+          <a:p>
+            <a:pPr lvl="1"/>
+            <a:r>
+              <a:rPr lang="en-US" sz="1200"/>
+              <a:t>Recommendation means open to interpretation</a:t>
+            </a:r>
+          </a:p>
+          <a:p>
+            <a:pPr lvl="1"/>
+            <a:r>
+              <a:rPr lang="en-US" sz="1200"/>
+              <a:t>Loose set of </a:t>
+            </a:r>
+            <a:r>
+              <a:rPr lang="en-US" sz="1200" b="1">
+                <a:solidFill>
+                  <a:srgbClr val="FFFFCC"/>
+                </a:solidFill>
+              </a:rPr>
+              <a:t>recommendations</a:t>
+            </a:r>
+          </a:p>
+          <a:p>
+            <a:pPr lvl="1"/>
+            <a:r>
+              <a:rPr lang="en-US" sz="1200"/>
+              <a:t>The opposite of a complex server architecture like SOAP</a:t>
+            </a:r>
+            <a:endParaRPr lang="en-US" sz="1200">
+              <a:solidFill>
+                <a:srgbClr val="FFFFCC"/>
+              </a:solidFill>
+            </a:endParaRPr>
+          </a:p>
+          <a:p>
+            <a:r>
+              <a:rPr lang="en-US" sz="1400"/>
+              <a:t>Built around HTTP and JSON</a:t>
+            </a:r>
+          </a:p>
+          <a:p>
+            <a:pPr lvl="1"/>
+            <a:r>
+              <a:rPr lang="en-US" sz="1200"/>
+              <a:t>Unique Resource Routes via URLs</a:t>
+            </a:r>
+          </a:p>
+          <a:p>
+            <a:pPr lvl="1"/>
+            <a:r>
+              <a:rPr lang="en-US" sz="1200"/>
+              <a:t>Actions via HTTP Verbs </a:t>
+            </a:r>
+            <a:r>
+              <a:rPr lang="en-US" sz="1050" i="1"/>
+              <a:t> (GET, POST, PUT, Delete etc.)</a:t>
+            </a:r>
+            <a:r>
+              <a:rPr lang="en-US" sz="1200"/>
+              <a:t> </a:t>
+            </a:r>
+          </a:p>
+          <a:p>
+            <a:pPr lvl="1"/>
+            <a:r>
+              <a:rPr lang="en-US" sz="1200"/>
+              <a:t>Headers: Separation of Meta Data and Content Data</a:t>
+            </a:r>
+          </a:p>
+          <a:p>
+            <a:pPr lvl="1"/>
+            <a:r>
+              <a:rPr lang="en-US" sz="1200"/>
+              <a:t>Secure encryption via </a:t>
+            </a:r>
+            <a:r>
+              <a:rPr lang="en-US" sz="1200">
+                <a:solidFill>
+                  <a:srgbClr val="FFC000"/>
+                </a:solidFill>
+                <a:latin typeface="Consolas" panose="020B0609020204030204" pitchFamily="49" charset="0"/>
+              </a:rPr>
+              <a:t>https://</a:t>
+            </a:r>
+          </a:p>
+          <a:p>
+            <a:pPr lvl="1"/>
+            <a:r>
+              <a:rPr lang="en-US" sz="1200"/>
+              <a:t>Built-in caching support</a:t>
+            </a:r>
+          </a:p>
+          <a:p>
+            <a:pPr lvl="1"/>
+            <a:r>
+              <a:rPr lang="en-US" sz="1200"/>
+              <a:t>JSON as data transport</a:t>
+            </a:r>
+          </a:p>
+          <a:p>
+            <a:pPr marL="457200" lvl="1" indent="0">
+              <a:buNone/>
+            </a:pPr>
+            <a:endParaRPr lang="en-US"/>
+          </a:p>
+          <a:p>
+            <a:endParaRPr lang="en-US"/>
+          </a:p>
+          <a:p>
+            <a:pPr lvl="1"/>
+            <a:endParaRPr lang="en-US"/>
+          </a:p>
+          <a:p>
+            <a:pPr marL="457200" lvl="1" indent="0">
+              <a:buNone/>
+            </a:pPr>
+            <a:endParaRPr lang="en-US"/>
+          </a:p>
+        </p:txBody>
+      </p:sp>
+      <p:pic>
+        <p:nvPicPr>
+          <p:cNvPr id="1036" name="Picture 12">
+            <a:extLst>
+              <a:ext uri="{FF2B5EF4-FFF2-40B4-BE49-F238E27FC236}">
+                <a16:creationId xmlns:a16="http://schemas.microsoft.com/office/drawing/2014/main" id="{1135617F-E913-4600-8BF9-E5E56E8DC09E}"/>
+              </a:ext>
+            </a:extLst>
+          </p:cNvPr>
+          <p:cNvPicPr>
+            <a:picLocks noChangeAspect="1" noChangeArrowheads="1"/>
+          </p:cNvPicPr>
+          <p:nvPr/>
+        </p:nvPicPr>
+        <p:blipFill>
+          <a:blip r:embed="rId2">
+            <a:extLst>
+              <a:ext uri="{28A0092B-C50C-407E-A947-70E740481C1C}">
+                <a14:useLocalDpi xmlns:a14="http://schemas.microsoft.com/office/drawing/2010/main" val="0"/>
+              </a:ext>
+            </a:extLst>
+          </a:blip>
+          <a:srcRect/>
+          <a:stretch>
+            <a:fillRect/>
+          </a:stretch>
+        </p:blipFill>
+        <p:spPr bwMode="auto">
+          <a:xfrm>
+            <a:off x="6002307" y="762000"/>
+            <a:ext cx="6116532" cy="5638800"/>
+          </a:xfrm>
+          <a:prstGeom prst="rect">
+            <a:avLst/>
+          </a:prstGeom>
+          <a:noFill/>
+          <a:extLst>
+            <a:ext uri="{909E8E84-426E-40DD-AFC4-6F175D3DCCD1}">
+              <a14:hiddenFill xmlns:a14="http://schemas.microsoft.com/office/drawing/2010/main">
+                <a:solidFill>
+                  <a:srgbClr val="FFFFFF"/>
+                </a:solidFill>
+              </a14:hiddenFill>
+            </a:ext>
+          </a:extLst>
+        </p:spPr>
+      </p:pic>
+    </p:spTree>
+    <p:extLst>
+      <p:ext uri="{BB962C8B-B14F-4D97-AF65-F5344CB8AC3E}">
+        <p14:creationId xmlns:p14="http://schemas.microsoft.com/office/powerpoint/2010/main" val="4211681918"/>
+      </p:ext>
+    </p:extLst>
+  </p:cSld>
+  <p:clrMapOvr>
+    <a:masterClrMapping/>
+  </p:clrMapOvr>
+  <p:transition>
+    <p:wipe/>
+  </p:transition>
+</p:sld>
+</file>
+
+<file path=ppt/slides/slide4.xml><?xml version="1.0" encoding="utf-8"?>
+<p:sld xmlns:a="http://schemas.openxmlformats.org/drawingml/2006/main" xmlns:r="http://schemas.openxmlformats.org/officeDocument/2006/relationships" xmlns:p="http://schemas.openxmlformats.org/presentationml/2006/main">
+  <p:cSld>
+    <p:spTree>
+      <p:nvGrpSpPr>
+        <p:cNvPr id="1" name=""/>
+        <p:cNvGrpSpPr/>
+        <p:nvPr/>
+      </p:nvGrpSpPr>
+      <p:grpSpPr>
+        <a:xfrm>
+          <a:off x="0" y="0"/>
+          <a:ext cx="0" cy="0"/>
+          <a:chOff x="0" y="0"/>
+          <a:chExt cx="0" cy="0"/>
+        </a:xfrm>
+      </p:grpSpPr>
+      <p:sp>
+        <p:nvSpPr>
+          <p:cNvPr id="2" name="Title 1">
+            <a:extLst>
+              <a:ext uri="{FF2B5EF4-FFF2-40B4-BE49-F238E27FC236}">
+                <a16:creationId xmlns:a16="http://schemas.microsoft.com/office/drawing/2014/main" id="{9BD408D4-1A9F-4F9D-A4E6-F56112E09E90}"/>
+              </a:ext>
+            </a:extLst>
+          </p:cNvPr>
+          <p:cNvSpPr>
+            <a:spLocks noGrp="1"/>
+          </p:cNvSpPr>
+          <p:nvPr>
+            <p:ph type="title"/>
+          </p:nvPr>
+        </p:nvSpPr>
+        <p:spPr>
+          <a:xfrm>
+            <a:off x="0" y="152400"/>
+            <a:ext cx="7696200" cy="457200"/>
+          </a:xfrm>
+        </p:spPr>
+        <p:txBody>
+          <a:bodyPr/>
+          <a:lstStyle/>
+          <a:p>
+            <a:r>
+              <a:rPr lang="en-US"/>
+              <a:t>Anatomy of a REST Request</a:t>
+            </a:r>
+          </a:p>
+        </p:txBody>
+      </p:sp>
+      <p:pic>
+        <p:nvPicPr>
+          <p:cNvPr id="1026" name="Picture 2">
+            <a:extLst>
+              <a:ext uri="{FF2B5EF4-FFF2-40B4-BE49-F238E27FC236}">
+                <a16:creationId xmlns:a16="http://schemas.microsoft.com/office/drawing/2014/main" id="{DB8BB902-1486-48CB-93D8-4D45C46C8AAD}"/>
+              </a:ext>
+            </a:extLst>
+          </p:cNvPr>
+          <p:cNvPicPr>
+            <a:picLocks noGrp="1" noChangeAspect="1" noChangeArrowheads="1"/>
+          </p:cNvPicPr>
+          <p:nvPr>
+            <p:ph idx="1"/>
+          </p:nvPr>
+        </p:nvPicPr>
+        <p:blipFill>
+          <a:blip r:embed="rId2">
+            <a:extLst>
+              <a:ext uri="{28A0092B-C50C-407E-A947-70E740481C1C}">
+                <a14:useLocalDpi xmlns:a14="http://schemas.microsoft.com/office/drawing/2010/main" val="0"/>
+              </a:ext>
+            </a:extLst>
+          </a:blip>
+          <a:srcRect/>
+          <a:stretch>
+            <a:fillRect/>
+          </a:stretch>
+        </p:blipFill>
+        <p:spPr bwMode="auto">
+          <a:xfrm>
+            <a:off x="7647099" y="1"/>
+            <a:ext cx="4621100" cy="6934199"/>
+          </a:xfrm>
+          <a:prstGeom prst="rect">
+            <a:avLst/>
+          </a:prstGeom>
+          <a:noFill/>
+          <a:extLst>
+            <a:ext uri="{909E8E84-426E-40DD-AFC4-6F175D3DCCD1}">
+              <a14:hiddenFill xmlns:a14="http://schemas.microsoft.com/office/drawing/2010/main">
+                <a:solidFill>
+                  <a:srgbClr val="FFFFFF"/>
+                </a:solidFill>
+              </a14:hiddenFill>
+            </a:ext>
+          </a:extLst>
+        </p:spPr>
+      </p:pic>
+      <p:sp>
+        <p:nvSpPr>
+          <p:cNvPr id="5" name="Content Placeholder 2">
+            <a:extLst>
+              <a:ext uri="{FF2B5EF4-FFF2-40B4-BE49-F238E27FC236}">
+                <a16:creationId xmlns:a16="http://schemas.microsoft.com/office/drawing/2014/main" id="{13F26BBD-00EB-4E89-99FD-C34C03BB5CD2}"/>
+              </a:ext>
+            </a:extLst>
+          </p:cNvPr>
+          <p:cNvSpPr txBox="1">
+            <a:spLocks/>
+          </p:cNvSpPr>
+          <p:nvPr/>
+        </p:nvSpPr>
+        <p:spPr bwMode="auto">
+          <a:xfrm>
+            <a:off x="609600" y="1219200"/>
+            <a:ext cx="6324600" cy="5334000"/>
+          </a:xfrm>
+          <a:prstGeom prst="rect">
+            <a:avLst/>
+          </a:prstGeom>
+          <a:solidFill>
+            <a:schemeClr val="tx2">
+              <a:alpha val="0"/>
+            </a:schemeClr>
+          </a:solidFill>
+          <a:ln>
+            <a:noFill/>
+          </a:ln>
+          <a:effectLst>
+            <a:glow rad="127000">
+              <a:schemeClr val="bg1">
+                <a:alpha val="19000"/>
+              </a:schemeClr>
+            </a:glow>
+            <a:softEdge rad="50800"/>
+          </a:effectLst>
+          <a:extLst>
+            <a:ext uri="{91240B29-F687-4F45-9708-019B960494DF}">
+              <a14:hiddenLine xmlns:a14="http://schemas.microsoft.com/office/drawing/2010/main" w="9525">
+                <a:solidFill>
+                  <a:srgbClr val="000000"/>
+                </a:solidFill>
+                <a:miter lim="800000"/>
+                <a:headEnd/>
+                <a:tailEnd/>
+              </a14:hiddenLine>
+            </a:ext>
+          </a:extLst>
+        </p:spPr>
+        <p:txBody>
+          <a:bodyPr vert="horz" wrap="square" lIns="182880" tIns="91440" rIns="91440" bIns="45720" numCol="1" anchor="t" anchorCtr="0" compatLnSpc="1">
+            <a:prstTxWarp prst="textNoShape">
+              <a:avLst/>
+            </a:prstTxWarp>
+          </a:bodyPr>
+          <a:lstStyle>
+            <a:lvl1pPr marL="342900" indent="-342900" algn="l" rtl="0" eaLnBrk="0" fontAlgn="base" hangingPunct="0">
+              <a:spcBef>
+                <a:spcPts val="1000"/>
+              </a:spcBef>
+              <a:spcAft>
+                <a:spcPct val="0"/>
+              </a:spcAft>
+              <a:buChar char="•"/>
+              <a:defRPr sz="2000" b="1">
+                <a:solidFill>
+                  <a:srgbClr val="FFCC00"/>
+                </a:solidFill>
+                <a:effectLst>
+                  <a:outerShdw blurRad="38100" dist="38100" dir="2700000" algn="tl">
+                    <a:srgbClr val="000000">
+                      <a:alpha val="43137"/>
+                    </a:srgbClr>
+                  </a:outerShdw>
+                </a:effectLst>
+                <a:latin typeface="+mn-lt"/>
+                <a:ea typeface="+mn-ea"/>
+                <a:cs typeface="+mn-cs"/>
+              </a:defRPr>
+            </a:lvl1pPr>
+            <a:lvl2pPr marL="742950" indent="-285750" algn="l" rtl="0" eaLnBrk="0" fontAlgn="base" hangingPunct="0">
+              <a:spcBef>
+                <a:spcPct val="20000"/>
+              </a:spcBef>
+              <a:spcAft>
+                <a:spcPct val="0"/>
+              </a:spcAft>
+              <a:buFont typeface="Wingdings" pitchFamily="2" charset="2"/>
+              <a:buChar char="§"/>
+              <a:defRPr>
+                <a:solidFill>
+                  <a:schemeClr val="tx1"/>
+                </a:solidFill>
+                <a:effectLst>
+                  <a:outerShdw blurRad="38100" dist="38100" dir="2700000" algn="tl">
+                    <a:srgbClr val="000000">
+                      <a:alpha val="43137"/>
+                    </a:srgbClr>
+                  </a:outerShdw>
+                </a:effectLst>
+                <a:latin typeface="+mn-lt"/>
+              </a:defRPr>
+            </a:lvl2pPr>
+            <a:lvl3pPr marL="1143000" indent="-228600" algn="l" rtl="0" eaLnBrk="0" fontAlgn="base" hangingPunct="0">
+              <a:spcBef>
+                <a:spcPct val="20000"/>
+              </a:spcBef>
+              <a:spcAft>
+                <a:spcPct val="0"/>
+              </a:spcAft>
+              <a:buFont typeface="Wingdings" pitchFamily="2" charset="2"/>
+              <a:buChar char="§"/>
+              <a:defRPr>
+                <a:solidFill>
+                  <a:schemeClr val="tx1"/>
+                </a:solidFill>
+                <a:effectLst>
+                  <a:outerShdw blurRad="38100" dist="38100" dir="2700000" algn="tl">
+                    <a:srgbClr val="000000">
+                      <a:alpha val="43137"/>
+                    </a:srgbClr>
+                  </a:outerShdw>
+                </a:effectLst>
+                <a:latin typeface="+mn-lt"/>
+              </a:defRPr>
+            </a:lvl3pPr>
+            <a:lvl4pPr marL="1600200" indent="-228600" algn="l" rtl="0" eaLnBrk="0" fontAlgn="base" hangingPunct="0">
+              <a:spcBef>
+                <a:spcPct val="20000"/>
+              </a:spcBef>
+              <a:spcAft>
+                <a:spcPct val="0"/>
+              </a:spcAft>
+              <a:buChar char="–"/>
+              <a:defRPr sz="1600">
+                <a:solidFill>
+                  <a:schemeClr val="tx1"/>
+                </a:solidFill>
+                <a:latin typeface="+mj-lt"/>
+              </a:defRPr>
+            </a:lvl4pPr>
+            <a:lvl5pPr marL="2057400" indent="-228600" algn="l" rtl="0" eaLnBrk="0" fontAlgn="base" hangingPunct="0">
+              <a:spcBef>
+                <a:spcPct val="20000"/>
+              </a:spcBef>
+              <a:spcAft>
+                <a:spcPct val="0"/>
+              </a:spcAft>
+              <a:buChar char="»"/>
+              <a:defRPr sz="1800">
+                <a:solidFill>
+                  <a:schemeClr val="tx1"/>
+                </a:solidFill>
+                <a:latin typeface="+mj-lt"/>
+              </a:defRPr>
+            </a:lvl5pPr>
+            <a:lvl6pPr marL="2514600" indent="-228600" algn="l" rtl="0" fontAlgn="base">
+              <a:spcBef>
+                <a:spcPct val="20000"/>
+              </a:spcBef>
+              <a:spcAft>
+                <a:spcPct val="0"/>
+              </a:spcAft>
+              <a:buChar char="»"/>
+              <a:defRPr sz="2000">
+                <a:solidFill>
+                  <a:schemeClr val="tx1"/>
+                </a:solidFill>
+                <a:latin typeface="Times New Roman" pitchFamily="18" charset="0"/>
+              </a:defRPr>
+            </a:lvl6pPr>
+            <a:lvl7pPr marL="2971800" indent="-228600" algn="l" rtl="0" fontAlgn="base">
+              <a:spcBef>
+                <a:spcPct val="20000"/>
+              </a:spcBef>
+              <a:spcAft>
+                <a:spcPct val="0"/>
+              </a:spcAft>
+              <a:buChar char="»"/>
+              <a:defRPr sz="2000">
+                <a:solidFill>
+                  <a:schemeClr val="tx1"/>
+                </a:solidFill>
+                <a:latin typeface="Times New Roman" pitchFamily="18" charset="0"/>
+              </a:defRPr>
+            </a:lvl7pPr>
+            <a:lvl8pPr marL="3429000" indent="-228600" algn="l" rtl="0" fontAlgn="base">
+              <a:spcBef>
+                <a:spcPct val="20000"/>
+              </a:spcBef>
+              <a:spcAft>
+                <a:spcPct val="0"/>
+              </a:spcAft>
+              <a:buChar char="»"/>
+              <a:defRPr sz="2000">
+                <a:solidFill>
+                  <a:schemeClr val="tx1"/>
+                </a:solidFill>
+                <a:latin typeface="Times New Roman" pitchFamily="18" charset="0"/>
+              </a:defRPr>
+            </a:lvl8pPr>
+            <a:lvl9pPr marL="3886200" indent="-228600" algn="l" rtl="0" fontAlgn="base">
+              <a:spcBef>
+                <a:spcPct val="20000"/>
+              </a:spcBef>
+              <a:spcAft>
+                <a:spcPct val="0"/>
+              </a:spcAft>
+              <a:buChar char="»"/>
+              <a:defRPr sz="2000">
+                <a:solidFill>
+                  <a:schemeClr val="tx1"/>
+                </a:solidFill>
+                <a:latin typeface="Times New Roman" pitchFamily="18" charset="0"/>
+              </a:defRPr>
+            </a:lvl9pPr>
+          </a:lstStyle>
+          <a:p>
+            <a:r>
+              <a:rPr lang="en-US" sz="1400" kern="0"/>
+              <a:t>APIs over HTTP</a:t>
+            </a:r>
+          </a:p>
+          <a:p>
+            <a:pPr lvl="1"/>
+            <a:r>
+              <a:rPr lang="en-US" sz="1200" b="0" kern="0"/>
+              <a:t>URLs provide unique routing</a:t>
+            </a:r>
+          </a:p>
+          <a:p>
+            <a:pPr lvl="1"/>
+            <a:r>
+              <a:rPr lang="en-US" sz="1200" b="0" kern="0"/>
+              <a:t>Verbs provide the Action to take </a:t>
+            </a:r>
+            <a:r>
+              <a:rPr lang="en-US" sz="1050" b="0" i="1" kern="0"/>
+              <a:t>(GET, POST, DELETE)</a:t>
+            </a:r>
+          </a:p>
+          <a:p>
+            <a:pPr lvl="1"/>
+            <a:r>
+              <a:rPr lang="en-US" sz="1200" b="0" kern="0"/>
+              <a:t>Request &amp; Response Headers provide Meta Data</a:t>
+            </a:r>
+          </a:p>
+          <a:p>
+            <a:pPr lvl="1"/>
+            <a:r>
+              <a:rPr lang="en-US" sz="1200" b="0" kern="0"/>
+              <a:t>Transactional Request and Response </a:t>
+            </a:r>
+            <a:r>
+              <a:rPr lang="en-US" sz="1050" b="0" i="1" kern="0"/>
+              <a:t>(transactional)</a:t>
+            </a:r>
+          </a:p>
+          <a:p>
+            <a:pPr lvl="1"/>
+            <a:r>
+              <a:rPr lang="en-US" sz="1200" b="0" kern="0"/>
+              <a:t>Stateless</a:t>
+            </a:r>
+            <a:br>
+              <a:rPr lang="en-US" sz="1200" b="0" kern="0"/>
+            </a:br>
+            <a:endParaRPr lang="en-US" sz="1200" b="0" kern="0"/>
+          </a:p>
+          <a:p>
+            <a:r>
+              <a:rPr lang="en-US" sz="1400" kern="0"/>
+              <a:t>Sending Requests</a:t>
+            </a:r>
+          </a:p>
+          <a:p>
+            <a:pPr lvl="1"/>
+            <a:r>
+              <a:rPr lang="en-US" sz="1200" b="0" kern="0"/>
+              <a:t>Specify URL to route, Verb for action</a:t>
+            </a:r>
+          </a:p>
+          <a:p>
+            <a:pPr lvl="1"/>
+            <a:r>
+              <a:rPr lang="en-US" sz="1200" b="0" kern="0"/>
+              <a:t>Every requests sends HTTP Headers</a:t>
+            </a:r>
+          </a:p>
+          <a:p>
+            <a:pPr lvl="1"/>
+            <a:r>
+              <a:rPr lang="en-US" sz="1200" b="0" kern="0"/>
+              <a:t>HTTP POST or PUT to send data</a:t>
+            </a:r>
+          </a:p>
+          <a:p>
+            <a:pPr lvl="1"/>
+            <a:r>
+              <a:rPr lang="en-US" sz="1200" b="0" kern="0"/>
+              <a:t>Data is serializeed as JSON (optional)</a:t>
+            </a:r>
+            <a:br>
+              <a:rPr lang="en-US" sz="1200" b="0" kern="0"/>
+            </a:br>
+            <a:endParaRPr lang="en-US" sz="1200" b="0" kern="0"/>
+          </a:p>
+          <a:p>
+            <a:r>
+              <a:rPr lang="en-US" sz="1600" kern="0"/>
+              <a:t>Receiving Responses</a:t>
+            </a:r>
+          </a:p>
+          <a:p>
+            <a:pPr lvl="1"/>
+            <a:r>
+              <a:rPr lang="en-US" sz="1200" b="0" kern="0"/>
+              <a:t>Request returns Status Codes </a:t>
+            </a:r>
+            <a:r>
+              <a:rPr lang="en-US" sz="1100" b="0" i="1" kern="0"/>
+              <a:t>(200, 401, 401, 500 etc.)</a:t>
+            </a:r>
+            <a:endParaRPr lang="en-US" sz="1200" b="0" i="1" kern="0"/>
+          </a:p>
+          <a:p>
+            <a:pPr lvl="1"/>
+            <a:r>
+              <a:rPr lang="en-US" sz="1200" b="0" kern="0"/>
+              <a:t>Response Meta Data via HTTP Headers</a:t>
+            </a:r>
+          </a:p>
+          <a:p>
+            <a:pPr lvl="1"/>
+            <a:r>
+              <a:rPr lang="en-US" sz="1200" b="0" kern="0"/>
+              <a:t>Server returns data as JSON</a:t>
+            </a:r>
+          </a:p>
+          <a:p>
+            <a:pPr lvl="1"/>
+            <a:r>
+              <a:rPr lang="en-US" sz="1400" b="0" kern="0"/>
+              <a:t>Standard Error Codes for Request Status</a:t>
+            </a:r>
+          </a:p>
+          <a:p>
+            <a:pPr marL="457200" lvl="1" indent="0">
+              <a:buNone/>
+            </a:pPr>
+            <a:r>
+              <a:rPr lang="en-US" sz="1600" kern="0"/>
+              <a:t>	</a:t>
+            </a:r>
+          </a:p>
+          <a:p>
+            <a:pPr lvl="1"/>
+            <a:endParaRPr lang="en-US" sz="1400" kern="0"/>
+          </a:p>
+          <a:p>
+            <a:pPr lvl="1"/>
+            <a:endParaRPr lang="en-US" sz="1400" b="0" kern="0"/>
+          </a:p>
+          <a:p>
+            <a:pPr marL="457200" lvl="1" indent="0">
+              <a:buFont typeface="Wingdings" pitchFamily="2" charset="2"/>
+              <a:buNone/>
+            </a:pPr>
+            <a:endParaRPr lang="en-US" b="0" kern="0"/>
+          </a:p>
+        </p:txBody>
+      </p:sp>
+    </p:spTree>
+    <p:extLst>
+      <p:ext uri="{BB962C8B-B14F-4D97-AF65-F5344CB8AC3E}">
+        <p14:creationId xmlns:p14="http://schemas.microsoft.com/office/powerpoint/2010/main" val="2512932046"/>
+      </p:ext>
+    </p:extLst>
+  </p:cSld>
+  <p:clrMapOvr>
+    <a:masterClrMapping/>
+  </p:clrMapOvr>
+  <p:transition>
+    <p:wipe/>
+  </p:transition>
+</p:sld>
+</file>
+
+<file path=ppt/slides/slide5.xml><?xml version="1.0" encoding="utf-8"?>
+<p:sld xmlns:a="http://schemas.openxmlformats.org/drawingml/2006/main" xmlns:r="http://schemas.openxmlformats.org/officeDocument/2006/relationships" xmlns:p="http://schemas.openxmlformats.org/presentationml/2006/main">
+  <p:cSld>
+    <p:spTree>
+      <p:nvGrpSpPr>
+        <p:cNvPr id="1" name=""/>
+        <p:cNvGrpSpPr/>
+        <p:nvPr/>
+      </p:nvGrpSpPr>
+      <p:grpSpPr>
+        <a:xfrm>
+          <a:off x="0" y="0"/>
+          <a:ext cx="0" cy="0"/>
+          <a:chOff x="0" y="0"/>
+          <a:chExt cx="0" cy="0"/>
+        </a:xfrm>
+      </p:grpSpPr>
+      <p:sp>
+        <p:nvSpPr>
+          <p:cNvPr id="2" name="Title 1">
+            <a:extLst>
+              <a:ext uri="{FF2B5EF4-FFF2-40B4-BE49-F238E27FC236}">
+                <a16:creationId xmlns:a16="http://schemas.microsoft.com/office/drawing/2014/main" id="{0EE66AA0-CD20-450B-A451-BA9B35BB25C4}"/>
+              </a:ext>
+            </a:extLst>
+          </p:cNvPr>
+          <p:cNvSpPr>
+            <a:spLocks noGrp="1"/>
+          </p:cNvSpPr>
+          <p:nvPr>
+            <p:ph type="title"/>
+          </p:nvPr>
+        </p:nvSpPr>
+        <p:spPr/>
+        <p:txBody>
+          <a:bodyPr/>
+          <a:lstStyle/>
+          <a:p>
+            <a:r>
+              <a:rPr lang="en-US"/>
+              <a:t>REST Application Scenarios for FoxPro</a:t>
+            </a:r>
+          </a:p>
+        </p:txBody>
+      </p:sp>
+      <p:sp>
+        <p:nvSpPr>
+          <p:cNvPr id="3" name="Content Placeholder 2">
+            <a:extLst>
+              <a:ext uri="{FF2B5EF4-FFF2-40B4-BE49-F238E27FC236}">
+                <a16:creationId xmlns:a16="http://schemas.microsoft.com/office/drawing/2014/main" id="{147A812B-3535-4AD8-BBCE-5004E244E1AE}"/>
+              </a:ext>
+            </a:extLst>
+          </p:cNvPr>
+          <p:cNvSpPr>
+            <a:spLocks noGrp="1"/>
+          </p:cNvSpPr>
+          <p:nvPr>
+            <p:ph idx="1"/>
+          </p:nvPr>
+        </p:nvSpPr>
+        <p:spPr>
+          <a:xfrm>
+            <a:off x="1371600" y="1371600"/>
+            <a:ext cx="10515600" cy="4876800"/>
+          </a:xfrm>
+        </p:spPr>
+        <p:txBody>
+          <a:bodyPr/>
+          <a:lstStyle/>
+          <a:p>
+            <a:r>
+              <a:rPr lang="en-US" sz="2400"/>
+              <a:t>Calling REST APIs from FoxPro</a:t>
+            </a:r>
+          </a:p>
+          <a:p>
+            <a:pPr lvl="1"/>
+            <a:r>
+              <a:rPr lang="en-US" sz="2200"/>
+              <a:t>What you need:</a:t>
+            </a:r>
+          </a:p>
+          <a:p>
+            <a:pPr lvl="2"/>
+            <a:r>
+              <a:rPr lang="en-US" sz="2000"/>
+              <a:t>HTTP Client </a:t>
+            </a:r>
+          </a:p>
+          <a:p>
+            <a:pPr lvl="2"/>
+            <a:r>
+              <a:rPr lang="en-US" sz="2000"/>
+              <a:t>JSON Serializer</a:t>
+            </a:r>
+          </a:p>
+          <a:p>
+            <a:pPr lvl="1"/>
+            <a:endParaRPr lang="en-US" sz="2000"/>
+          </a:p>
+          <a:p>
+            <a:r>
+              <a:rPr lang="en-US" sz="2400"/>
+              <a:t>Creating REST API Services with Foxpro</a:t>
+            </a:r>
+          </a:p>
+          <a:p>
+            <a:pPr lvl="1"/>
+            <a:r>
+              <a:rPr lang="en-US" sz="2200"/>
+              <a:t>What you need:</a:t>
+            </a:r>
+          </a:p>
+          <a:p>
+            <a:pPr lvl="2"/>
+            <a:r>
+              <a:rPr lang="en-US" sz="2000"/>
+              <a:t>Web Server</a:t>
+            </a:r>
+          </a:p>
+          <a:p>
+            <a:pPr lvl="2"/>
+            <a:r>
+              <a:rPr lang="en-US" sz="2000"/>
+              <a:t>Web Application Framework </a:t>
+            </a:r>
+            <a:r>
+              <a:rPr lang="en-US" sz="1200"/>
+              <a:t>(ie. Web Connection, ASP.NET etc.)</a:t>
+            </a:r>
+            <a:endParaRPr lang="en-US" sz="2000"/>
+          </a:p>
+          <a:p>
+            <a:pPr lvl="2"/>
+            <a:r>
+              <a:rPr lang="en-US" sz="2000"/>
+              <a:t>REST Framework</a:t>
+            </a:r>
+          </a:p>
+          <a:p>
+            <a:pPr lvl="2"/>
+            <a:r>
+              <a:rPr lang="en-US" sz="2000"/>
+              <a:t>or: JSON Serializer for manual handling</a:t>
+            </a:r>
+          </a:p>
+        </p:txBody>
+      </p:sp>
+    </p:spTree>
+    <p:extLst>
+      <p:ext uri="{BB962C8B-B14F-4D97-AF65-F5344CB8AC3E}">
+        <p14:creationId xmlns:p14="http://schemas.microsoft.com/office/powerpoint/2010/main" val="4119541990"/>
+      </p:ext>
+    </p:extLst>
+  </p:cSld>
+  <p:clrMapOvr>
+    <a:masterClrMapping/>
+  </p:clrMapOvr>
+  <p:transition>
+    <p:wipe/>
+  </p:transition>
+</p:sld>
+</file>
+
+<file path=ppt/slides/slide6.xml><?xml version="1.0" encoding="utf-8"?>
+<p:sld xmlns:a="http://schemas.openxmlformats.org/drawingml/2006/main" xmlns:r="http://schemas.openxmlformats.org/officeDocument/2006/relationships" xmlns:p="http://schemas.openxmlformats.org/presentationml/2006/main">
+  <p:cSld>
+    <p:spTree>
+      <p:nvGrpSpPr>
+        <p:cNvPr id="1" name=""/>
+        <p:cNvGrpSpPr/>
+        <p:nvPr/>
+      </p:nvGrpSpPr>
+      <p:grpSpPr>
+        <a:xfrm>
+          <a:off x="0" y="0"/>
+          <a:ext cx="0" cy="0"/>
+          <a:chOff x="0" y="0"/>
+          <a:chExt cx="0" cy="0"/>
+        </a:xfrm>
+      </p:grpSpPr>
+      <p:sp>
+        <p:nvSpPr>
+          <p:cNvPr id="2" name="Title 1">
+            <a:extLst>
+              <a:ext uri="{FF2B5EF4-FFF2-40B4-BE49-F238E27FC236}">
+                <a16:creationId xmlns:a16="http://schemas.microsoft.com/office/drawing/2014/main" id="{A091DAF1-471D-4512-AD18-87255AFF6B73}"/>
+              </a:ext>
+            </a:extLst>
+          </p:cNvPr>
+          <p:cNvSpPr>
+            <a:spLocks noGrp="1"/>
+          </p:cNvSpPr>
+          <p:nvPr>
+            <p:ph type="title"/>
+          </p:nvPr>
+        </p:nvSpPr>
+        <p:spPr/>
+        <p:txBody>
+          <a:bodyPr/>
+          <a:lstStyle/>
+          <a:p>
+            <a:r>
+              <a:rPr lang="en-US"/>
+              <a:t>Tools for Calling a REST Service</a:t>
+            </a:r>
+          </a:p>
+        </p:txBody>
+      </p:sp>
+      <p:sp>
+        <p:nvSpPr>
+          <p:cNvPr id="3" name="Content Placeholder 2">
+            <a:extLst>
+              <a:ext uri="{FF2B5EF4-FFF2-40B4-BE49-F238E27FC236}">
+                <a16:creationId xmlns:a16="http://schemas.microsoft.com/office/drawing/2014/main" id="{293516CB-5267-4E99-8F17-25E3214AB516}"/>
+              </a:ext>
+            </a:extLst>
+          </p:cNvPr>
+          <p:cNvSpPr>
+            <a:spLocks noGrp="1"/>
+          </p:cNvSpPr>
+          <p:nvPr>
+            <p:ph idx="1"/>
+          </p:nvPr>
+        </p:nvSpPr>
+        <p:spPr>
+          <a:xfrm>
+            <a:off x="228600" y="1295400"/>
+            <a:ext cx="5410200" cy="5105400"/>
+          </a:xfrm>
+        </p:spPr>
+        <p:txBody>
+          <a:bodyPr/>
+          <a:lstStyle/>
+          <a:p>
+            <a:r>
+              <a:rPr lang="en-US"/>
+              <a:t>HTTP Client</a:t>
+            </a:r>
+          </a:p>
+          <a:p>
+            <a:pPr lvl="1"/>
+            <a:r>
+              <a:rPr lang="en-US"/>
+              <a:t>WinHTTP, WinInet</a:t>
+            </a:r>
+          </a:p>
+          <a:p>
+            <a:pPr lvl="1"/>
+            <a:r>
+              <a:rPr lang="en-US"/>
+              <a:t>wwHttp (West Wind tools)</a:t>
+            </a:r>
+          </a:p>
+          <a:p>
+            <a:pPr lvl="1"/>
+            <a:r>
+              <a:rPr lang="en-US"/>
+              <a:t>curl  (command line tool)</a:t>
+            </a:r>
+          </a:p>
+          <a:p>
+            <a:pPr lvl="1"/>
+            <a:r>
+              <a:rPr lang="en-US"/>
+              <a:t>Chilkat HTTP</a:t>
+            </a:r>
+          </a:p>
+          <a:p>
+            <a:pPr lvl="1"/>
+            <a:endParaRPr lang="en-US"/>
+          </a:p>
+          <a:p>
+            <a:r>
+              <a:rPr lang="en-US"/>
+              <a:t>JSON Serializer</a:t>
+            </a:r>
+          </a:p>
+          <a:p>
+            <a:pPr lvl="1"/>
+            <a:r>
+              <a:rPr lang="en-US"/>
+              <a:t>JSON Serialization and JSON Parsing</a:t>
+            </a:r>
+          </a:p>
+          <a:p>
+            <a:pPr lvl="1"/>
+            <a:r>
+              <a:rPr lang="en-US"/>
+              <a:t>Couple of options:</a:t>
+            </a:r>
+          </a:p>
+          <a:p>
+            <a:pPr lvl="2"/>
+            <a:r>
+              <a:rPr lang="en-US"/>
+              <a:t>wwJsonSerializer </a:t>
+            </a:r>
+          </a:p>
+          <a:p>
+            <a:pPr lvl="2"/>
+            <a:r>
+              <a:rPr lang="en-US"/>
+              <a:t>nfJson</a:t>
+            </a:r>
+          </a:p>
+          <a:p>
+            <a:pPr marL="914400" lvl="2" indent="0">
+              <a:buNone/>
+            </a:pPr>
+            <a:r>
+              <a:rPr lang="en-US"/>
+              <a:t>		</a:t>
+            </a:r>
+          </a:p>
+        </p:txBody>
+      </p:sp>
+      <p:sp>
+        <p:nvSpPr>
+          <p:cNvPr id="4" name="Content Placeholder 2">
+            <a:extLst>
+              <a:ext uri="{FF2B5EF4-FFF2-40B4-BE49-F238E27FC236}">
+                <a16:creationId xmlns:a16="http://schemas.microsoft.com/office/drawing/2014/main" id="{6BC13696-B9BE-4AD9-BE3D-E81709268368}"/>
+              </a:ext>
+            </a:extLst>
+          </p:cNvPr>
+          <p:cNvSpPr txBox="1">
+            <a:spLocks/>
+          </p:cNvSpPr>
+          <p:nvPr/>
+        </p:nvSpPr>
+        <p:spPr bwMode="auto">
+          <a:xfrm>
+            <a:off x="5867400" y="1312506"/>
+            <a:ext cx="5842000" cy="5105400"/>
+          </a:xfrm>
+          <a:prstGeom prst="rect">
+            <a:avLst/>
+          </a:prstGeom>
+          <a:solidFill>
+            <a:schemeClr val="tx2">
+              <a:alpha val="0"/>
+            </a:schemeClr>
+          </a:solidFill>
+          <a:ln>
+            <a:noFill/>
+          </a:ln>
+          <a:effectLst>
+            <a:glow rad="127000">
+              <a:schemeClr val="bg1">
+                <a:alpha val="19000"/>
+              </a:schemeClr>
+            </a:glow>
+            <a:softEdge rad="50800"/>
+          </a:effectLst>
+          <a:extLst>
+            <a:ext uri="{91240B29-F687-4F45-9708-019B960494DF}">
+              <a14:hiddenLine xmlns:a14="http://schemas.microsoft.com/office/drawing/2010/main" w="9525">
+                <a:solidFill>
+                  <a:srgbClr val="000000"/>
+                </a:solidFill>
+                <a:miter lim="800000"/>
+                <a:headEnd/>
+                <a:tailEnd/>
+              </a14:hiddenLine>
+            </a:ext>
+          </a:extLst>
+        </p:spPr>
+        <p:txBody>
+          <a:bodyPr vert="horz" wrap="square" lIns="182880" tIns="91440" rIns="91440" bIns="45720" numCol="1" anchor="t" anchorCtr="0" compatLnSpc="1">
+            <a:prstTxWarp prst="textNoShape">
+              <a:avLst/>
+            </a:prstTxWarp>
+          </a:bodyPr>
+          <a:lstStyle>
+            <a:lvl1pPr marL="342900" indent="-342900" algn="l" rtl="0" eaLnBrk="0" fontAlgn="base" hangingPunct="0">
+              <a:spcBef>
+                <a:spcPts val="1000"/>
+              </a:spcBef>
+              <a:spcAft>
+                <a:spcPct val="0"/>
+              </a:spcAft>
+              <a:buChar char="•"/>
+              <a:defRPr sz="2000" b="1">
+                <a:solidFill>
+                  <a:srgbClr val="FFCC00"/>
+                </a:solidFill>
+                <a:effectLst>
+                  <a:outerShdw blurRad="38100" dist="38100" dir="2700000" algn="tl">
+                    <a:srgbClr val="000000">
+                      <a:alpha val="43137"/>
+                    </a:srgbClr>
+                  </a:outerShdw>
+                </a:effectLst>
+                <a:latin typeface="+mn-lt"/>
+                <a:ea typeface="+mn-ea"/>
+                <a:cs typeface="+mn-cs"/>
+              </a:defRPr>
+            </a:lvl1pPr>
+            <a:lvl2pPr marL="742950" indent="-285750" algn="l" rtl="0" eaLnBrk="0" fontAlgn="base" hangingPunct="0">
+              <a:spcBef>
+                <a:spcPct val="20000"/>
+              </a:spcBef>
+              <a:spcAft>
+                <a:spcPct val="0"/>
+              </a:spcAft>
+              <a:buFont typeface="Wingdings" pitchFamily="2" charset="2"/>
+              <a:buChar char="§"/>
+              <a:defRPr>
+                <a:solidFill>
+                  <a:schemeClr val="tx1"/>
+                </a:solidFill>
+                <a:effectLst>
+                  <a:outerShdw blurRad="38100" dist="38100" dir="2700000" algn="tl">
+                    <a:srgbClr val="000000">
+                      <a:alpha val="43137"/>
+                    </a:srgbClr>
+                  </a:outerShdw>
+                </a:effectLst>
+                <a:latin typeface="+mn-lt"/>
+              </a:defRPr>
+            </a:lvl2pPr>
+            <a:lvl3pPr marL="1143000" indent="-228600" algn="l" rtl="0" eaLnBrk="0" fontAlgn="base" hangingPunct="0">
+              <a:spcBef>
+                <a:spcPct val="20000"/>
+              </a:spcBef>
+              <a:spcAft>
+                <a:spcPct val="0"/>
+              </a:spcAft>
+              <a:buFont typeface="Wingdings" pitchFamily="2" charset="2"/>
+              <a:buChar char="§"/>
+              <a:defRPr>
+                <a:solidFill>
+                  <a:schemeClr val="tx1"/>
+                </a:solidFill>
+                <a:effectLst>
+                  <a:outerShdw blurRad="38100" dist="38100" dir="2700000" algn="tl">
+                    <a:srgbClr val="000000">
+                      <a:alpha val="43137"/>
+                    </a:srgbClr>
+                  </a:outerShdw>
+                </a:effectLst>
+                <a:latin typeface="+mn-lt"/>
+              </a:defRPr>
+            </a:lvl3pPr>
+            <a:lvl4pPr marL="1600200" indent="-228600" algn="l" rtl="0" eaLnBrk="0" fontAlgn="base" hangingPunct="0">
+              <a:spcBef>
+                <a:spcPct val="20000"/>
+              </a:spcBef>
+              <a:spcAft>
+                <a:spcPct val="0"/>
+              </a:spcAft>
+              <a:buChar char="–"/>
+              <a:defRPr sz="1600">
+                <a:solidFill>
+                  <a:schemeClr val="tx1"/>
+                </a:solidFill>
+                <a:latin typeface="+mj-lt"/>
+              </a:defRPr>
+            </a:lvl4pPr>
+            <a:lvl5pPr marL="2057400" indent="-228600" algn="l" rtl="0" eaLnBrk="0" fontAlgn="base" hangingPunct="0">
+              <a:spcBef>
+                <a:spcPct val="20000"/>
+              </a:spcBef>
+              <a:spcAft>
+                <a:spcPct val="0"/>
+              </a:spcAft>
+              <a:buChar char="»"/>
+              <a:defRPr sz="1800">
+                <a:solidFill>
+                  <a:schemeClr val="tx1"/>
+                </a:solidFill>
+                <a:latin typeface="+mj-lt"/>
+              </a:defRPr>
+            </a:lvl5pPr>
+            <a:lvl6pPr marL="2514600" indent="-228600" algn="l" rtl="0" fontAlgn="base">
+              <a:spcBef>
+                <a:spcPct val="20000"/>
+              </a:spcBef>
+              <a:spcAft>
+                <a:spcPct val="0"/>
+              </a:spcAft>
+              <a:buChar char="»"/>
+              <a:defRPr sz="2000">
+                <a:solidFill>
+                  <a:schemeClr val="tx1"/>
+                </a:solidFill>
+                <a:latin typeface="Times New Roman" pitchFamily="18" charset="0"/>
+              </a:defRPr>
+            </a:lvl6pPr>
+            <a:lvl7pPr marL="2971800" indent="-228600" algn="l" rtl="0" fontAlgn="base">
+              <a:spcBef>
+                <a:spcPct val="20000"/>
+              </a:spcBef>
+              <a:spcAft>
+                <a:spcPct val="0"/>
+              </a:spcAft>
+              <a:buChar char="»"/>
+              <a:defRPr sz="2000">
+                <a:solidFill>
+                  <a:schemeClr val="tx1"/>
+                </a:solidFill>
+                <a:latin typeface="Times New Roman" pitchFamily="18" charset="0"/>
+              </a:defRPr>
+            </a:lvl7pPr>
+            <a:lvl8pPr marL="3429000" indent="-228600" algn="l" rtl="0" fontAlgn="base">
+              <a:spcBef>
+                <a:spcPct val="20000"/>
+              </a:spcBef>
+              <a:spcAft>
+                <a:spcPct val="0"/>
+              </a:spcAft>
+              <a:buChar char="»"/>
+              <a:defRPr sz="2000">
+                <a:solidFill>
+                  <a:schemeClr val="tx1"/>
+                </a:solidFill>
+                <a:latin typeface="Times New Roman" pitchFamily="18" charset="0"/>
+              </a:defRPr>
+            </a:lvl8pPr>
+            <a:lvl9pPr marL="3886200" indent="-228600" algn="l" rtl="0" fontAlgn="base">
+              <a:spcBef>
+                <a:spcPct val="20000"/>
+              </a:spcBef>
+              <a:spcAft>
+                <a:spcPct val="0"/>
+              </a:spcAft>
+              <a:buChar char="»"/>
+              <a:defRPr sz="2000">
+                <a:solidFill>
+                  <a:schemeClr val="tx1"/>
+                </a:solidFill>
+                <a:latin typeface="Times New Roman" pitchFamily="18" charset="0"/>
+              </a:defRPr>
+            </a:lvl9pPr>
+          </a:lstStyle>
+          <a:p>
+            <a:r>
+              <a:rPr lang="en-US" kern="0"/>
+              <a:t>Calling the Service</a:t>
+            </a:r>
+          </a:p>
+          <a:p>
+            <a:pPr lvl="1"/>
+            <a:r>
+              <a:rPr lang="en-US" kern="0"/>
+              <a:t>Serialize any data to send to JSON</a:t>
+            </a:r>
+          </a:p>
+          <a:p>
+            <a:pPr lvl="1"/>
+            <a:r>
+              <a:rPr lang="en-US" kern="0"/>
+              <a:t>Call the server over HTTP</a:t>
+            </a:r>
+          </a:p>
+          <a:p>
+            <a:pPr lvl="1"/>
+            <a:r>
+              <a:rPr lang="en-US" kern="0"/>
+              <a:t>Get back JSON response</a:t>
+            </a:r>
+          </a:p>
+          <a:p>
+            <a:pPr lvl="1"/>
+            <a:r>
+              <a:rPr lang="en-US" kern="0"/>
+              <a:t>Deserialize JSON</a:t>
+            </a:r>
+            <a:r>
+              <a:rPr lang="en-US" b="0" kern="0"/>
+              <a:t>	</a:t>
+            </a:r>
+          </a:p>
+        </p:txBody>
+      </p:sp>
+    </p:spTree>
+    <p:extLst>
+      <p:ext uri="{BB962C8B-B14F-4D97-AF65-F5344CB8AC3E}">
+        <p14:creationId xmlns:p14="http://schemas.microsoft.com/office/powerpoint/2010/main" val="4195039534"/>
+      </p:ext>
+    </p:extLst>
+  </p:cSld>
+  <p:clrMapOvr>
+    <a:masterClrMapping/>
+  </p:clrMapOvr>
+  <p:transition>
+    <p:wipe/>
+  </p:transition>
+</p:sld>
+</file>
+
+<file path=ppt/slides/slide7.xml><?xml version="1.0" encoding="utf-8"?>
+<p:sld xmlns:a="http://schemas.openxmlformats.org/drawingml/2006/main" xmlns:r="http://schemas.openxmlformats.org/officeDocument/2006/relationships" xmlns:p="http://schemas.openxmlformats.org/presentationml/2006/main">
+  <p:cSld>
+    <p:spTree>
+      <p:nvGrpSpPr>
+        <p:cNvPr id="1" name=""/>
+        <p:cNvGrpSpPr/>
+        <p:nvPr/>
+      </p:nvGrpSpPr>
+      <p:grpSpPr>
+        <a:xfrm>
+          <a:off x="0" y="0"/>
+          <a:ext cx="0" cy="0"/>
+          <a:chOff x="0" y="0"/>
+          <a:chExt cx="0" cy="0"/>
+        </a:xfrm>
+      </p:grpSpPr>
+      <p:sp>
+        <p:nvSpPr>
+          <p:cNvPr id="2" name="Title 1">
+            <a:extLst>
+              <a:ext uri="{FF2B5EF4-FFF2-40B4-BE49-F238E27FC236}">
+                <a16:creationId xmlns:a16="http://schemas.microsoft.com/office/drawing/2014/main" id="{42AF633A-664B-4BF8-BE96-13095ADA2FE7}"/>
+              </a:ext>
+            </a:extLst>
+          </p:cNvPr>
+          <p:cNvSpPr>
+            <a:spLocks noGrp="1"/>
+          </p:cNvSpPr>
+          <p:nvPr>
+            <p:ph type="ctrTitle"/>
+          </p:nvPr>
+        </p:nvSpPr>
+        <p:spPr/>
+        <p:txBody>
+          <a:bodyPr/>
+          <a:lstStyle/>
+          <a:p>
+            <a:r>
+              <a:rPr lang="en-US"/>
+              <a:t>Calling  REST APIs from FoxPro</a:t>
+            </a:r>
+          </a:p>
+        </p:txBody>
+      </p:sp>
+      <p:sp>
+        <p:nvSpPr>
+          <p:cNvPr id="3" name="Subtitle 2">
+            <a:extLst>
+              <a:ext uri="{FF2B5EF4-FFF2-40B4-BE49-F238E27FC236}">
+                <a16:creationId xmlns:a16="http://schemas.microsoft.com/office/drawing/2014/main" id="{585D8981-CA31-4EA3-8E49-614FCEB13CEF}"/>
+              </a:ext>
+            </a:extLst>
+          </p:cNvPr>
+          <p:cNvSpPr>
+            <a:spLocks noGrp="1"/>
+          </p:cNvSpPr>
+          <p:nvPr>
+            <p:ph type="subTitle" idx="1"/>
+          </p:nvPr>
+        </p:nvSpPr>
+        <p:spPr/>
+        <p:txBody>
+          <a:bodyPr/>
+          <a:lstStyle/>
+          <a:p>
+            <a:r>
+              <a:rPr lang="en-US"/>
+              <a:t>Interacting with Remote services</a:t>
+            </a:r>
+          </a:p>
+          <a:p>
+            <a:r>
+              <a:rPr lang="en-US"/>
+              <a:t>via HTTP and JSON</a:t>
+            </a:r>
+          </a:p>
+        </p:txBody>
+      </p:sp>
+    </p:spTree>
+    <p:extLst>
+      <p:ext uri="{BB962C8B-B14F-4D97-AF65-F5344CB8AC3E}">
+        <p14:creationId xmlns:p14="http://schemas.microsoft.com/office/powerpoint/2010/main" val="3018413596"/>
+      </p:ext>
+    </p:extLst>
+  </p:cSld>
+  <p:clrMapOvr>
+    <a:masterClrMapping/>
+  </p:clrMapOvr>
+  <p:transition>
+    <p:wipe/>
+  </p:transition>
+</p:sld>
+</file>
+
+<file path=ppt/slides/slide8.xml><?xml version="1.0" encoding="utf-8"?>
+<p:sld xmlns:a="http://schemas.openxmlformats.org/drawingml/2006/main" xmlns:r="http://schemas.openxmlformats.org/officeDocument/2006/relationships" xmlns:p="http://schemas.openxmlformats.org/presentationml/2006/main">
+  <p:cSld>
+    <p:spTree>
+      <p:nvGrpSpPr>
+        <p:cNvPr id="1" name=""/>
+        <p:cNvGrpSpPr/>
+        <p:nvPr/>
+      </p:nvGrpSpPr>
+      <p:grpSpPr>
+        <a:xfrm>
+          <a:off x="0" y="0"/>
+          <a:ext cx="0" cy="0"/>
+          <a:chOff x="0" y="0"/>
+          <a:chExt cx="0" cy="0"/>
+        </a:xfrm>
+      </p:grpSpPr>
+      <p:sp>
+        <p:nvSpPr>
+          <p:cNvPr id="2" name="Title 1">
+            <a:extLst>
+              <a:ext uri="{FF2B5EF4-FFF2-40B4-BE49-F238E27FC236}">
+                <a16:creationId xmlns:a16="http://schemas.microsoft.com/office/drawing/2014/main" id="{690A78C7-2E9E-456E-A6BE-D4866E269269}"/>
+              </a:ext>
+            </a:extLst>
+          </p:cNvPr>
+          <p:cNvSpPr>
+            <a:spLocks noGrp="1"/>
+          </p:cNvSpPr>
+          <p:nvPr>
+            <p:ph type="title"/>
+          </p:nvPr>
+        </p:nvSpPr>
+        <p:spPr/>
+        <p:txBody>
+          <a:bodyPr/>
+          <a:lstStyle/>
+          <a:p>
+            <a:endParaRPr lang="en-US"/>
+          </a:p>
+        </p:txBody>
+      </p:sp>
+      <p:sp>
+        <p:nvSpPr>
+          <p:cNvPr id="3" name="Content Placeholder 2">
+            <a:extLst>
+              <a:ext uri="{FF2B5EF4-FFF2-40B4-BE49-F238E27FC236}">
+                <a16:creationId xmlns:a16="http://schemas.microsoft.com/office/drawing/2014/main" id="{236C18CB-4F9C-44C8-B2A0-38B02F3B8739}"/>
+              </a:ext>
+            </a:extLst>
+          </p:cNvPr>
+          <p:cNvSpPr>
+            <a:spLocks noGrp="1"/>
+          </p:cNvSpPr>
+          <p:nvPr>
+            <p:ph idx="1"/>
+          </p:nvPr>
+        </p:nvSpPr>
+        <p:spPr/>
+        <p:txBody>
+          <a:bodyPr/>
+          <a:lstStyle/>
+          <a:p>
+            <a:endParaRPr lang="en-US"/>
+          </a:p>
+        </p:txBody>
+      </p:sp>
+    </p:spTree>
+    <p:extLst>
+      <p:ext uri="{BB962C8B-B14F-4D97-AF65-F5344CB8AC3E}">
+        <p14:creationId xmlns:p14="http://schemas.microsoft.com/office/powerpoint/2010/main" val="4114525933"/>
+      </p:ext>
+    </p:extLst>
+  </p:cSld>
+  <p:clrMapOvr>
+    <a:masterClrMapping/>
+  </p:clrMapOvr>
+  <p:transition>
+    <p:wipe/>
+  </p:transition>
+</p:sld>
+</file>
+
+<file path=ppt/slides/slide9.xml><?xml version="1.0" encoding="utf-8"?>
 <p:sld xmlns:a="http://schemas.openxmlformats.org/drawingml/2006/main" xmlns:r="http://schemas.openxmlformats.org/officeDocument/2006/relationships" xmlns:p="http://schemas.openxmlformats.org/presentationml/2006/main">
   <p:cSld>
     <p:spTree>
@@ -4105,180 +6080,6 @@
     <p:extLst>
       <p:ext uri="{BB962C8B-B14F-4D97-AF65-F5344CB8AC3E}">
         <p14:creationId xmlns:p14="http://schemas.microsoft.com/office/powerpoint/2010/main" val="266137470"/>
-      </p:ext>
-    </p:extLst>
-  </p:cSld>
-  <p:clrMapOvr>
-    <a:masterClrMapping/>
-  </p:clrMapOvr>
-  <p:transition>
-    <p:wipe/>
-  </p:transition>
-</p:sld>
-</file>
-
-<file path=ppt/slides/slide3.xml><?xml version="1.0" encoding="utf-8"?>
-<p:sld xmlns:a="http://schemas.openxmlformats.org/drawingml/2006/main" xmlns:r="http://schemas.openxmlformats.org/officeDocument/2006/relationships" xmlns:p="http://schemas.openxmlformats.org/presentationml/2006/main">
-  <p:cSld>
-    <p:spTree>
-      <p:nvGrpSpPr>
-        <p:cNvPr id="1" name=""/>
-        <p:cNvGrpSpPr/>
-        <p:nvPr/>
-      </p:nvGrpSpPr>
-      <p:grpSpPr>
-        <a:xfrm>
-          <a:off x="0" y="0"/>
-          <a:ext cx="0" cy="0"/>
-          <a:chOff x="0" y="0"/>
-          <a:chExt cx="0" cy="0"/>
-        </a:xfrm>
-      </p:grpSpPr>
-      <p:sp>
-        <p:nvSpPr>
-          <p:cNvPr id="2" name="Text Placeholder 1">
-            <a:extLst>
-              <a:ext uri="{FF2B5EF4-FFF2-40B4-BE49-F238E27FC236}">
-                <a16:creationId xmlns:a16="http://schemas.microsoft.com/office/drawing/2014/main" id="{B848A531-13BD-42AD-A332-33C02482A1C6}"/>
-              </a:ext>
-            </a:extLst>
-          </p:cNvPr>
-          <p:cNvSpPr>
-            <a:spLocks noGrp="1"/>
-          </p:cNvSpPr>
-          <p:nvPr>
-            <p:ph type="body" idx="1"/>
-          </p:nvPr>
-        </p:nvSpPr>
-        <p:spPr/>
-        <p:txBody>
-          <a:bodyPr/>
-          <a:lstStyle/>
-          <a:p>
-            <a:r>
-              <a:rPr lang="en-US"/>
-              <a:t>Resources</a:t>
-            </a:r>
-          </a:p>
-          <a:p>
-            <a:pPr lvl="1"/>
-            <a:r>
-              <a:rPr lang="en-US"/>
-              <a:t>Github: Source Code, White Paper and Slides</a:t>
-            </a:r>
-            <a:br>
-              <a:rPr lang="en-US"/>
-            </a:br>
-            <a:br>
-              <a:rPr lang="en-US" sz="500"/>
-            </a:br>
-            <a:r>
-              <a:rPr lang="en-US" sz="2000">
-                <a:hlinkClick r:id="rId2"/>
-              </a:rPr>
-              <a:t>https://github.com/RickStrahl/SWFOX2019_VueJs</a:t>
-            </a:r>
-            <a:br>
-              <a:rPr lang="en-US"/>
-            </a:br>
-            <a:endParaRPr lang="en-US"/>
-          </a:p>
-          <a:p>
-            <a:r>
-              <a:rPr lang="en-US"/>
-              <a:t>Contact Rick</a:t>
-            </a:r>
-          </a:p>
-          <a:p>
-            <a:pPr lvl="1"/>
-            <a:r>
-              <a:rPr lang="en-US" b="1">
-                <a:hlinkClick r:id="rId3"/>
-              </a:rPr>
-              <a:t>@RickStrahl</a:t>
-            </a:r>
-            <a:r>
-              <a:rPr lang="en-US" b="1"/>
-              <a:t>  on Twitter</a:t>
-            </a:r>
-          </a:p>
-          <a:p>
-            <a:pPr lvl="1"/>
-            <a:r>
-              <a:rPr lang="en-US" b="1">
-                <a:hlinkClick r:id="rId4"/>
-              </a:rPr>
-              <a:t>https://weblog.west-wind.com</a:t>
-            </a:r>
-            <a:endParaRPr lang="en-US" b="1"/>
-          </a:p>
-          <a:p>
-            <a:pPr lvl="1"/>
-            <a:r>
-              <a:rPr lang="en-US" b="1">
-                <a:hlinkClick r:id="rId5"/>
-              </a:rPr>
-              <a:t>https://west-wind.com/wconnect/weblog/</a:t>
-            </a:r>
-            <a:r>
-              <a:rPr lang="en-US" b="1"/>
-              <a:t> </a:t>
-            </a:r>
-          </a:p>
-          <a:p>
-            <a:pPr lvl="1"/>
-            <a:r>
-              <a:rPr lang="en-US" b="1">
-                <a:hlinkClick r:id="rId6"/>
-              </a:rPr>
-              <a:t>rstrahl@west-wind.com</a:t>
-            </a:r>
-            <a:r>
-              <a:rPr lang="en-US" b="1"/>
-              <a:t>	</a:t>
-            </a:r>
-            <a:endParaRPr lang="en-US"/>
-          </a:p>
-          <a:p>
-            <a:pPr marL="457200" lvl="1" indent="0">
-              <a:buNone/>
-            </a:pPr>
-            <a:endParaRPr lang="en-US"/>
-          </a:p>
-        </p:txBody>
-      </p:sp>
-      <p:sp>
-        <p:nvSpPr>
-          <p:cNvPr id="3" name="Title 2">
-            <a:extLst>
-              <a:ext uri="{FF2B5EF4-FFF2-40B4-BE49-F238E27FC236}">
-                <a16:creationId xmlns:a16="http://schemas.microsoft.com/office/drawing/2014/main" id="{DB285E1C-0327-484C-9555-5AF3541A05DD}"/>
-              </a:ext>
-            </a:extLst>
-          </p:cNvPr>
-          <p:cNvSpPr>
-            <a:spLocks noGrp="1"/>
-          </p:cNvSpPr>
-          <p:nvPr>
-            <p:ph type="title"/>
-          </p:nvPr>
-        </p:nvSpPr>
-        <p:spPr/>
-        <p:txBody>
-          <a:bodyPr/>
-          <a:lstStyle/>
-          <a:p>
-            <a:r>
-              <a:rPr lang="en-US"/>
-              <a:t>Thank you!</a:t>
-            </a:r>
-          </a:p>
-        </p:txBody>
-      </p:sp>
-    </p:spTree>
-    <p:extLst>
-      <p:ext uri="{BB962C8B-B14F-4D97-AF65-F5344CB8AC3E}">
-        <p14:creationId xmlns:p14="http://schemas.microsoft.com/office/powerpoint/2010/main" val="144676648"/>
       </p:ext>
     </p:extLst>
   </p:cSld>
